--- a/Modules/C#/Day14/Disha-Shah/Assignment/Net Core Web API.pptx
+++ b/Modules/C#/Day14/Disha-Shah/Assignment/Net Core Web API.pptx
@@ -7,25 +7,28 @@
   <p:sldIdLst>
     <p:sldId id="256" r:id="rId2"/>
     <p:sldId id="257" r:id="rId3"/>
-    <p:sldId id="263" r:id="rId4"/>
-    <p:sldId id="258" r:id="rId5"/>
-    <p:sldId id="259" r:id="rId6"/>
-    <p:sldId id="260" r:id="rId7"/>
-    <p:sldId id="261" r:id="rId8"/>
-    <p:sldId id="262" r:id="rId9"/>
-    <p:sldId id="264" r:id="rId10"/>
-    <p:sldId id="265" r:id="rId11"/>
-    <p:sldId id="266" r:id="rId12"/>
-    <p:sldId id="267" r:id="rId13"/>
-    <p:sldId id="268" r:id="rId14"/>
-    <p:sldId id="269" r:id="rId15"/>
-    <p:sldId id="270" r:id="rId16"/>
-    <p:sldId id="271" r:id="rId17"/>
-    <p:sldId id="272" r:id="rId18"/>
-    <p:sldId id="273" r:id="rId19"/>
-    <p:sldId id="274" r:id="rId20"/>
-    <p:sldId id="275" r:id="rId21"/>
-    <p:sldId id="276" r:id="rId22"/>
+    <p:sldId id="279" r:id="rId4"/>
+    <p:sldId id="278" r:id="rId5"/>
+    <p:sldId id="258" r:id="rId6"/>
+    <p:sldId id="259" r:id="rId7"/>
+    <p:sldId id="260" r:id="rId8"/>
+    <p:sldId id="261" r:id="rId9"/>
+    <p:sldId id="262" r:id="rId10"/>
+    <p:sldId id="264" r:id="rId11"/>
+    <p:sldId id="265" r:id="rId12"/>
+    <p:sldId id="280" r:id="rId13"/>
+    <p:sldId id="267" r:id="rId14"/>
+    <p:sldId id="266" r:id="rId15"/>
+    <p:sldId id="268" r:id="rId16"/>
+    <p:sldId id="269" r:id="rId17"/>
+    <p:sldId id="270" r:id="rId18"/>
+    <p:sldId id="271" r:id="rId19"/>
+    <p:sldId id="272" r:id="rId20"/>
+    <p:sldId id="273" r:id="rId21"/>
+    <p:sldId id="274" r:id="rId22"/>
+    <p:sldId id="275" r:id="rId23"/>
+    <p:sldId id="276" r:id="rId24"/>
+    <p:sldId id="277" r:id="rId25"/>
   </p:sldIdLst>
   <p:sldSz cx="12192000" cy="6858000"/>
   <p:notesSz cx="6858000" cy="9144000"/>
@@ -124,6 +127,11 @@
       </a:defRPr>
     </a:lvl9pPr>
   </p:defaultTextStyle>
+  <p:extLst>
+    <p:ext uri="{EFAFB233-063F-42B5-8137-9DF3F51BA10A}">
+      <p15:sldGuideLst xmlns:p15="http://schemas.microsoft.com/office/powerpoint/2012/main"/>
+    </p:ext>
+  </p:extLst>
 </p:presentation>
 </file>
 
@@ -313,7 +321,7 @@
           <a:p>
             <a:fld id="{20ACB378-563E-44A4-A969-2A445C0461AA}" type="datetimeFigureOut">
               <a:rPr lang="en-IN" smtClean="0"/>
-              <a:t>21-04-2021</a:t>
+              <a:t>22-04-2021</a:t>
             </a:fld>
             <a:endParaRPr lang="en-IN"/>
           </a:p>
@@ -588,7 +596,7 @@
           <a:p>
             <a:fld id="{20ACB378-563E-44A4-A969-2A445C0461AA}" type="datetimeFigureOut">
               <a:rPr lang="en-IN" smtClean="0"/>
-              <a:t>21-04-2021</a:t>
+              <a:t>22-04-2021</a:t>
             </a:fld>
             <a:endParaRPr lang="en-IN"/>
           </a:p>
@@ -782,7 +790,7 @@
           <a:p>
             <a:fld id="{20ACB378-563E-44A4-A969-2A445C0461AA}" type="datetimeFigureOut">
               <a:rPr lang="en-IN" smtClean="0"/>
-              <a:t>21-04-2021</a:t>
+              <a:t>22-04-2021</a:t>
             </a:fld>
             <a:endParaRPr lang="en-IN"/>
           </a:p>
@@ -1055,7 +1063,7 @@
           <a:p>
             <a:fld id="{20ACB378-563E-44A4-A969-2A445C0461AA}" type="datetimeFigureOut">
               <a:rPr lang="en-IN" smtClean="0"/>
-              <a:t>21-04-2021</a:t>
+              <a:t>22-04-2021</a:t>
             </a:fld>
             <a:endParaRPr lang="en-IN"/>
           </a:p>
@@ -1396,7 +1404,7 @@
           <a:p>
             <a:fld id="{20ACB378-563E-44A4-A969-2A445C0461AA}" type="datetimeFigureOut">
               <a:rPr lang="en-IN" smtClean="0"/>
-              <a:t>21-04-2021</a:t>
+              <a:t>22-04-2021</a:t>
             </a:fld>
             <a:endParaRPr lang="en-IN"/>
           </a:p>
@@ -2019,7 +2027,7 @@
           <a:p>
             <a:fld id="{20ACB378-563E-44A4-A969-2A445C0461AA}" type="datetimeFigureOut">
               <a:rPr lang="en-IN" smtClean="0"/>
-              <a:t>21-04-2021</a:t>
+              <a:t>22-04-2021</a:t>
             </a:fld>
             <a:endParaRPr lang="en-IN"/>
           </a:p>
@@ -2879,7 +2887,7 @@
           <a:p>
             <a:fld id="{20ACB378-563E-44A4-A969-2A445C0461AA}" type="datetimeFigureOut">
               <a:rPr lang="en-IN" smtClean="0"/>
-              <a:t>21-04-2021</a:t>
+              <a:t>22-04-2021</a:t>
             </a:fld>
             <a:endParaRPr lang="en-IN"/>
           </a:p>
@@ -3049,7 +3057,7 @@
           <a:p>
             <a:fld id="{20ACB378-563E-44A4-A969-2A445C0461AA}" type="datetimeFigureOut">
               <a:rPr lang="en-IN" smtClean="0"/>
-              <a:t>21-04-2021</a:t>
+              <a:t>22-04-2021</a:t>
             </a:fld>
             <a:endParaRPr lang="en-IN"/>
           </a:p>
@@ -3229,7 +3237,7 @@
           <a:p>
             <a:fld id="{20ACB378-563E-44A4-A969-2A445C0461AA}" type="datetimeFigureOut">
               <a:rPr lang="en-IN" smtClean="0"/>
-              <a:t>21-04-2021</a:t>
+              <a:t>22-04-2021</a:t>
             </a:fld>
             <a:endParaRPr lang="en-IN"/>
           </a:p>
@@ -3399,7 +3407,7 @@
           <a:p>
             <a:fld id="{20ACB378-563E-44A4-A969-2A445C0461AA}" type="datetimeFigureOut">
               <a:rPr lang="en-IN" smtClean="0"/>
-              <a:t>21-04-2021</a:t>
+              <a:t>22-04-2021</a:t>
             </a:fld>
             <a:endParaRPr lang="en-IN"/>
           </a:p>
@@ -3646,7 +3654,7 @@
           <a:p>
             <a:fld id="{20ACB378-563E-44A4-A969-2A445C0461AA}" type="datetimeFigureOut">
               <a:rPr lang="en-IN" smtClean="0"/>
-              <a:t>21-04-2021</a:t>
+              <a:t>22-04-2021</a:t>
             </a:fld>
             <a:endParaRPr lang="en-IN"/>
           </a:p>
@@ -3938,7 +3946,7 @@
           <a:p>
             <a:fld id="{20ACB378-563E-44A4-A969-2A445C0461AA}" type="datetimeFigureOut">
               <a:rPr lang="en-IN" smtClean="0"/>
-              <a:t>21-04-2021</a:t>
+              <a:t>22-04-2021</a:t>
             </a:fld>
             <a:endParaRPr lang="en-IN"/>
           </a:p>
@@ -4382,7 +4390,7 @@
           <a:p>
             <a:fld id="{20ACB378-563E-44A4-A969-2A445C0461AA}" type="datetimeFigureOut">
               <a:rPr lang="en-IN" smtClean="0"/>
-              <a:t>21-04-2021</a:t>
+              <a:t>22-04-2021</a:t>
             </a:fld>
             <a:endParaRPr lang="en-IN"/>
           </a:p>
@@ -4500,7 +4508,7 @@
           <a:p>
             <a:fld id="{20ACB378-563E-44A4-A969-2A445C0461AA}" type="datetimeFigureOut">
               <a:rPr lang="en-IN" smtClean="0"/>
-              <a:t>21-04-2021</a:t>
+              <a:t>22-04-2021</a:t>
             </a:fld>
             <a:endParaRPr lang="en-IN"/>
           </a:p>
@@ -4595,7 +4603,7 @@
           <a:p>
             <a:fld id="{20ACB378-563E-44A4-A969-2A445C0461AA}" type="datetimeFigureOut">
               <a:rPr lang="en-IN" smtClean="0"/>
-              <a:t>21-04-2021</a:t>
+              <a:t>22-04-2021</a:t>
             </a:fld>
             <a:endParaRPr lang="en-IN"/>
           </a:p>
@@ -4874,7 +4882,7 @@
           <a:p>
             <a:fld id="{20ACB378-563E-44A4-A969-2A445C0461AA}" type="datetimeFigureOut">
               <a:rPr lang="en-IN" smtClean="0"/>
-              <a:t>21-04-2021</a:t>
+              <a:t>22-04-2021</a:t>
             </a:fld>
             <a:endParaRPr lang="en-IN"/>
           </a:p>
@@ -5149,7 +5157,7 @@
           <a:p>
             <a:fld id="{20ACB378-563E-44A4-A969-2A445C0461AA}" type="datetimeFigureOut">
               <a:rPr lang="en-IN" smtClean="0"/>
-              <a:t>21-04-2021</a:t>
+              <a:t>22-04-2021</a:t>
             </a:fld>
             <a:endParaRPr lang="en-IN"/>
           </a:p>
@@ -5578,7 +5586,7 @@
           <a:p>
             <a:fld id="{20ACB378-563E-44A4-A969-2A445C0461AA}" type="datetimeFigureOut">
               <a:rPr lang="en-IN" smtClean="0"/>
-              <a:t>21-04-2021</a:t>
+              <a:t>22-04-2021</a:t>
             </a:fld>
             <a:endParaRPr lang="en-IN"/>
           </a:p>
@@ -6199,7 +6207,7 @@
           <p:cNvPr id="2" name="Title 1">
             <a:extLst>
               <a:ext uri="{FF2B5EF4-FFF2-40B4-BE49-F238E27FC236}">
-                <a16:creationId xmlns:a16="http://schemas.microsoft.com/office/drawing/2014/main" id="{04C65B7C-D335-492A-8E07-6B343430E28D}"/>
+                <a16:creationId xmlns:a16="http://schemas.microsoft.com/office/drawing/2014/main" id="{D2292FEF-DCFF-474F-A16F-30FE683C8338}"/>
               </a:ext>
             </a:extLst>
           </p:cNvPr>
@@ -6229,7 +6237,7 @@
           <p:cNvPr id="3" name="Content Placeholder 2">
             <a:extLst>
               <a:ext uri="{FF2B5EF4-FFF2-40B4-BE49-F238E27FC236}">
-                <a16:creationId xmlns:a16="http://schemas.microsoft.com/office/drawing/2014/main" id="{96B24E16-BD3B-4F1D-BC87-D82E42C4C82C}"/>
+                <a16:creationId xmlns:a16="http://schemas.microsoft.com/office/drawing/2014/main" id="{2DC3245A-0B7A-4416-8B4E-E561A64CCF9D}"/>
               </a:ext>
             </a:extLst>
           </p:cNvPr>
@@ -6242,139 +6250,27 @@
         </p:nvSpPr>
         <p:spPr>
           <a:xfrm>
-            <a:off x="1103312" y="692458"/>
-            <a:ext cx="8946541" cy="5956917"/>
+            <a:off x="1103312" y="727970"/>
+            <a:ext cx="8946541" cy="5983548"/>
           </a:xfrm>
         </p:spPr>
         <p:txBody>
           <a:bodyPr>
-            <a:normAutofit/>
+            <a:normAutofit fontScale="62500" lnSpcReduction="20000"/>
           </a:bodyPr>
           <a:lstStyle/>
           <a:p>
-            <a:pPr marL="0" indent="0">
-              <a:buNone/>
-            </a:pPr>
-            <a:r>
-              <a:rPr lang="en-IN" sz="1400" dirty="0">
-                <a:solidFill>
-                  <a:srgbClr val="0000FF"/>
-                </a:solidFill>
-                <a:latin typeface="Consolas" panose="020B0609020204030204" pitchFamily="49" charset="0"/>
-              </a:rPr>
-              <a:t>if</a:t>
-            </a:r>
-            <a:r>
-              <a:rPr lang="en-IN" sz="1400" dirty="0">
-                <a:solidFill>
-                  <a:srgbClr val="000000"/>
-                </a:solidFill>
-                <a:latin typeface="Consolas" panose="020B0609020204030204" pitchFamily="49" charset="0"/>
-              </a:rPr>
-              <a:t> (</a:t>
-            </a:r>
-            <a:r>
-              <a:rPr lang="en-IN" sz="1400" dirty="0" err="1">
-                <a:solidFill>
-                  <a:srgbClr val="000000"/>
-                </a:solidFill>
-                <a:latin typeface="Consolas" panose="020B0609020204030204" pitchFamily="49" charset="0"/>
-              </a:rPr>
-              <a:t>cust.Count</a:t>
-            </a:r>
-            <a:r>
-              <a:rPr lang="en-IN" sz="1400" dirty="0">
-                <a:solidFill>
-                  <a:srgbClr val="000000"/>
-                </a:solidFill>
-                <a:latin typeface="Consolas" panose="020B0609020204030204" pitchFamily="49" charset="0"/>
-              </a:rPr>
-              <a:t> == 0)</a:t>
-            </a:r>
-          </a:p>
-          <a:p>
-            <a:pPr marL="0" indent="0">
-              <a:buNone/>
-            </a:pPr>
-            <a:r>
-              <a:rPr lang="en-IN" sz="1400" dirty="0">
-                <a:solidFill>
-                  <a:srgbClr val="000000"/>
-                </a:solidFill>
-                <a:latin typeface="Consolas" panose="020B0609020204030204" pitchFamily="49" charset="0"/>
-              </a:rPr>
-              <a:t>            {</a:t>
-            </a:r>
-          </a:p>
-          <a:p>
-            <a:pPr marL="0" indent="0">
-              <a:buNone/>
-            </a:pPr>
-            <a:r>
-              <a:rPr lang="en-IN" sz="1400" dirty="0">
-                <a:solidFill>
-                  <a:srgbClr val="000000"/>
-                </a:solidFill>
-                <a:latin typeface="Consolas" panose="020B0609020204030204" pitchFamily="49" charset="0"/>
-              </a:rPr>
-              <a:t>                </a:t>
-            </a:r>
-            <a:r>
-              <a:rPr lang="en-IN" sz="1400" dirty="0">
-                <a:solidFill>
-                  <a:srgbClr val="0000FF"/>
-                </a:solidFill>
-                <a:latin typeface="Consolas" panose="020B0609020204030204" pitchFamily="49" charset="0"/>
-              </a:rPr>
-              <a:t>return</a:t>
-            </a:r>
-            <a:r>
-              <a:rPr lang="en-IN" sz="1400" dirty="0">
-                <a:solidFill>
-                  <a:srgbClr val="000000"/>
-                </a:solidFill>
-                <a:latin typeface="Consolas" panose="020B0609020204030204" pitchFamily="49" charset="0"/>
-              </a:rPr>
-              <a:t> </a:t>
-            </a:r>
-            <a:r>
-              <a:rPr lang="en-IN" sz="1400" dirty="0" err="1">
-                <a:solidFill>
-                  <a:srgbClr val="000000"/>
-                </a:solidFill>
-                <a:latin typeface="Consolas" panose="020B0609020204030204" pitchFamily="49" charset="0"/>
-              </a:rPr>
-              <a:t>NotFound</a:t>
-            </a:r>
-            <a:r>
-              <a:rPr lang="en-IN" sz="1400" dirty="0">
-                <a:solidFill>
-                  <a:srgbClr val="000000"/>
-                </a:solidFill>
-                <a:latin typeface="Consolas" panose="020B0609020204030204" pitchFamily="49" charset="0"/>
-              </a:rPr>
-              <a:t>();</a:t>
-            </a:r>
-          </a:p>
-          <a:p>
-            <a:pPr marL="0" indent="0">
-              <a:buNone/>
-            </a:pPr>
-            <a:r>
-              <a:rPr lang="en-IN" sz="1400" dirty="0">
-                <a:solidFill>
-                  <a:srgbClr val="000000"/>
-                </a:solidFill>
-                <a:latin typeface="Consolas" panose="020B0609020204030204" pitchFamily="49" charset="0"/>
-              </a:rPr>
-              <a:t>            }</a:t>
-            </a:r>
-          </a:p>
-          <a:p>
-            <a:pPr marL="0" indent="0">
-              <a:buNone/>
-            </a:pPr>
-            <a:endParaRPr lang="en-IN" sz="1400" dirty="0">
+            <a:r>
+              <a:rPr lang="en-US" sz="2300" dirty="0">
+                <a:solidFill>
+                  <a:srgbClr val="181717"/>
+                </a:solidFill>
+                <a:latin typeface="Times New Roman" panose="02020603050405020304" pitchFamily="18" charset="0"/>
+                <a:cs typeface="Times New Roman" panose="02020603050405020304" pitchFamily="18" charset="0"/>
+              </a:rPr>
+              <a:t>Multiple Get Method can be present having different number of parameters of different types. It can be handled in following way:</a:t>
+            </a:r>
+            <a:endParaRPr lang="en-IN" sz="2300" dirty="0">
               <a:solidFill>
                 <a:srgbClr val="000000"/>
               </a:solidFill>
@@ -6385,71 +6281,11 @@
             <a:pPr marL="0" indent="0">
               <a:buNone/>
             </a:pPr>
-            <a:r>
-              <a:rPr lang="en-IN" sz="1400" dirty="0">
-                <a:solidFill>
-                  <a:srgbClr val="000000"/>
-                </a:solidFill>
-                <a:latin typeface="Consolas" panose="020B0609020204030204" pitchFamily="49" charset="0"/>
-              </a:rPr>
-              <a:t>            </a:t>
-            </a:r>
-            <a:r>
-              <a:rPr lang="en-IN" sz="1400" dirty="0">
-                <a:solidFill>
-                  <a:srgbClr val="0000FF"/>
-                </a:solidFill>
-                <a:latin typeface="Consolas" panose="020B0609020204030204" pitchFamily="49" charset="0"/>
-              </a:rPr>
-              <a:t>return</a:t>
-            </a:r>
-            <a:r>
-              <a:rPr lang="en-IN" sz="1400" dirty="0">
-                <a:solidFill>
-                  <a:srgbClr val="000000"/>
-                </a:solidFill>
-                <a:latin typeface="Consolas" panose="020B0609020204030204" pitchFamily="49" charset="0"/>
-              </a:rPr>
-              <a:t> Ok(</a:t>
-            </a:r>
-            <a:r>
-              <a:rPr lang="en-IN" sz="1400" dirty="0" err="1">
-                <a:solidFill>
-                  <a:srgbClr val="000000"/>
-                </a:solidFill>
-                <a:latin typeface="Consolas" panose="020B0609020204030204" pitchFamily="49" charset="0"/>
-              </a:rPr>
-              <a:t>cust</a:t>
-            </a:r>
-            <a:r>
-              <a:rPr lang="en-IN" sz="1400" dirty="0">
-                <a:solidFill>
-                  <a:srgbClr val="000000"/>
-                </a:solidFill>
-                <a:latin typeface="Consolas" panose="020B0609020204030204" pitchFamily="49" charset="0"/>
-              </a:rPr>
-              <a:t>);</a:t>
-            </a:r>
-          </a:p>
-          <a:p>
-            <a:pPr marL="0" indent="0">
-              <a:buNone/>
-            </a:pPr>
-            <a:r>
-              <a:rPr lang="en-IN" sz="1400" dirty="0">
-                <a:solidFill>
-                  <a:srgbClr val="000000"/>
-                </a:solidFill>
-                <a:latin typeface="Consolas" panose="020B0609020204030204" pitchFamily="49" charset="0"/>
-              </a:rPr>
-              <a:t>        }</a:t>
-            </a:r>
-            <a:endParaRPr lang="en-IN" sz="1400" dirty="0">
+            <a:endParaRPr lang="en-IN" sz="1800" dirty="0">
               <a:solidFill>
                 <a:srgbClr val="000000"/>
               </a:solidFill>
-              <a:latin typeface="Times New Roman" panose="02020603050405020304" pitchFamily="18" charset="0"/>
-              <a:cs typeface="Times New Roman" panose="02020603050405020304" pitchFamily="18" charset="0"/>
+              <a:latin typeface="Consolas" panose="020B0609020204030204" pitchFamily="49" charset="0"/>
             </a:endParaRPr>
           </a:p>
           <a:p>
@@ -6457,49 +6293,856 @@
               <a:buNone/>
             </a:pPr>
             <a:r>
-              <a:rPr lang="en-US" sz="1400" b="0" i="0" dirty="0">
-                <a:solidFill>
-                  <a:srgbClr val="181717"/>
-                </a:solidFill>
-                <a:effectLst/>
-                <a:latin typeface="Times New Roman" panose="02020603050405020304" pitchFamily="18" charset="0"/>
-                <a:cs typeface="Times New Roman" panose="02020603050405020304" pitchFamily="18" charset="0"/>
-              </a:rPr>
-              <a:t>If an HTTP request contains </a:t>
-            </a:r>
-            <a:r>
-              <a:rPr lang="en-US" sz="1400" b="0" i="0" dirty="0" err="1">
-                <a:solidFill>
-                  <a:srgbClr val="181717"/>
-                </a:solidFill>
-                <a:effectLst/>
-                <a:latin typeface="Times New Roman" panose="02020603050405020304" pitchFamily="18" charset="0"/>
-                <a:cs typeface="Times New Roman" panose="02020603050405020304" pitchFamily="18" charset="0"/>
+              <a:rPr lang="en-IN" sz="1800" dirty="0">
+                <a:solidFill>
+                  <a:srgbClr val="000000"/>
+                </a:solidFill>
+                <a:latin typeface="Consolas" panose="020B0609020204030204" pitchFamily="49" charset="0"/>
+              </a:rPr>
+              <a:t>[</a:t>
+            </a:r>
+            <a:r>
+              <a:rPr lang="en-IN" sz="1800" dirty="0" err="1">
+                <a:solidFill>
+                  <a:srgbClr val="000000"/>
+                </a:solidFill>
+                <a:latin typeface="Consolas" panose="020B0609020204030204" pitchFamily="49" charset="0"/>
+              </a:rPr>
+              <a:t>HttpGet</a:t>
+            </a:r>
+            <a:r>
+              <a:rPr lang="en-IN" sz="1800" dirty="0">
+                <a:solidFill>
+                  <a:srgbClr val="000000"/>
+                </a:solidFill>
+                <a:latin typeface="Consolas" panose="020B0609020204030204" pitchFamily="49" charset="0"/>
+              </a:rPr>
+              <a:t>(</a:t>
+            </a:r>
+            <a:r>
+              <a:rPr lang="en-IN" sz="1800" dirty="0">
+                <a:solidFill>
+                  <a:srgbClr val="A31515"/>
+                </a:solidFill>
+                <a:latin typeface="Consolas" panose="020B0609020204030204" pitchFamily="49" charset="0"/>
+              </a:rPr>
+              <a:t>"{</a:t>
+            </a:r>
+            <a:r>
+              <a:rPr lang="en-IN" sz="1800" dirty="0" err="1">
+                <a:solidFill>
+                  <a:srgbClr val="A31515"/>
+                </a:solidFill>
+                <a:latin typeface="Consolas" panose="020B0609020204030204" pitchFamily="49" charset="0"/>
               </a:rPr>
               <a:t>includeCustomer</a:t>
             </a:r>
             <a:r>
-              <a:rPr lang="en-US" sz="1400" b="0" i="0" dirty="0">
-                <a:solidFill>
-                  <a:srgbClr val="181717"/>
-                </a:solidFill>
-                <a:effectLst/>
-                <a:latin typeface="Times New Roman" panose="02020603050405020304" pitchFamily="18" charset="0"/>
-                <a:cs typeface="Times New Roman" panose="02020603050405020304" pitchFamily="18" charset="0"/>
-              </a:rPr>
-              <a:t> parameter in the query string with value true then it will return all depositors name and city otherwise it will return deposit information without depositor name and city</a:t>
-            </a:r>
-            <a:endParaRPr lang="en-IN" sz="1400" dirty="0">
-              <a:latin typeface="Times New Roman" panose="02020603050405020304" pitchFamily="18" charset="0"/>
-              <a:cs typeface="Times New Roman" panose="02020603050405020304" pitchFamily="18" charset="0"/>
+              <a:rPr lang="en-IN" sz="1800" dirty="0">
+                <a:solidFill>
+                  <a:srgbClr val="A31515"/>
+                </a:solidFill>
+                <a:latin typeface="Consolas" panose="020B0609020204030204" pitchFamily="49" charset="0"/>
+              </a:rPr>
+              <a:t>}"</a:t>
+            </a:r>
+            <a:r>
+              <a:rPr lang="en-IN" sz="1800" dirty="0">
+                <a:solidFill>
+                  <a:srgbClr val="000000"/>
+                </a:solidFill>
+                <a:latin typeface="Consolas" panose="020B0609020204030204" pitchFamily="49" charset="0"/>
+              </a:rPr>
+              <a:t>)]</a:t>
+            </a:r>
+          </a:p>
+          <a:p>
+            <a:pPr marL="0" indent="0">
+              <a:buNone/>
+            </a:pPr>
+            <a:r>
+              <a:rPr lang="en-US" sz="1800" dirty="0">
+                <a:solidFill>
+                  <a:srgbClr val="000000"/>
+                </a:solidFill>
+                <a:latin typeface="Consolas" panose="020B0609020204030204" pitchFamily="49" charset="0"/>
+              </a:rPr>
+              <a:t>        </a:t>
+            </a:r>
+            <a:r>
+              <a:rPr lang="en-US" sz="1800" dirty="0">
+                <a:solidFill>
+                  <a:srgbClr val="0000FF"/>
+                </a:solidFill>
+                <a:latin typeface="Consolas" panose="020B0609020204030204" pitchFamily="49" charset="0"/>
+              </a:rPr>
+              <a:t>public</a:t>
+            </a:r>
+            <a:r>
+              <a:rPr lang="en-US" sz="1800" dirty="0">
+                <a:solidFill>
+                  <a:srgbClr val="000000"/>
+                </a:solidFill>
+                <a:latin typeface="Consolas" panose="020B0609020204030204" pitchFamily="49" charset="0"/>
+              </a:rPr>
+              <a:t> </a:t>
+            </a:r>
+            <a:r>
+              <a:rPr lang="en-US" sz="1800" dirty="0" err="1">
+                <a:solidFill>
+                  <a:srgbClr val="000000"/>
+                </a:solidFill>
+                <a:latin typeface="Consolas" panose="020B0609020204030204" pitchFamily="49" charset="0"/>
+              </a:rPr>
+              <a:t>ActionResult</a:t>
+            </a:r>
+            <a:r>
+              <a:rPr lang="en-US" sz="1800" dirty="0">
+                <a:solidFill>
+                  <a:srgbClr val="000000"/>
+                </a:solidFill>
+                <a:latin typeface="Consolas" panose="020B0609020204030204" pitchFamily="49" charset="0"/>
+              </a:rPr>
+              <a:t> </a:t>
+            </a:r>
+            <a:r>
+              <a:rPr lang="en-US" sz="1800" dirty="0" err="1">
+                <a:solidFill>
+                  <a:srgbClr val="000000"/>
+                </a:solidFill>
+                <a:latin typeface="Consolas" panose="020B0609020204030204" pitchFamily="49" charset="0"/>
+              </a:rPr>
+              <a:t>GetAllDepositors</a:t>
+            </a:r>
+            <a:r>
+              <a:rPr lang="en-US" sz="1800" dirty="0">
+                <a:solidFill>
+                  <a:srgbClr val="000000"/>
+                </a:solidFill>
+                <a:latin typeface="Consolas" panose="020B0609020204030204" pitchFamily="49" charset="0"/>
+              </a:rPr>
+              <a:t>(</a:t>
+            </a:r>
+            <a:r>
+              <a:rPr lang="en-US" sz="1800" dirty="0">
+                <a:solidFill>
+                  <a:srgbClr val="0000FF"/>
+                </a:solidFill>
+                <a:latin typeface="Consolas" panose="020B0609020204030204" pitchFamily="49" charset="0"/>
+              </a:rPr>
+              <a:t>bool</a:t>
+            </a:r>
+            <a:r>
+              <a:rPr lang="en-US" sz="1800" dirty="0">
+                <a:solidFill>
+                  <a:srgbClr val="000000"/>
+                </a:solidFill>
+                <a:latin typeface="Consolas" panose="020B0609020204030204" pitchFamily="49" charset="0"/>
+              </a:rPr>
+              <a:t> </a:t>
+            </a:r>
+            <a:r>
+              <a:rPr lang="en-US" sz="1800" dirty="0" err="1">
+                <a:solidFill>
+                  <a:srgbClr val="000000"/>
+                </a:solidFill>
+                <a:latin typeface="Consolas" panose="020B0609020204030204" pitchFamily="49" charset="0"/>
+              </a:rPr>
+              <a:t>includeCustomer</a:t>
+            </a:r>
+            <a:r>
+              <a:rPr lang="en-US" sz="1800" dirty="0">
+                <a:solidFill>
+                  <a:srgbClr val="000000"/>
+                </a:solidFill>
+                <a:latin typeface="Consolas" panose="020B0609020204030204" pitchFamily="49" charset="0"/>
+              </a:rPr>
+              <a:t> = </a:t>
+            </a:r>
+            <a:r>
+              <a:rPr lang="en-US" sz="1800" dirty="0">
+                <a:solidFill>
+                  <a:srgbClr val="0000FF"/>
+                </a:solidFill>
+                <a:latin typeface="Consolas" panose="020B0609020204030204" pitchFamily="49" charset="0"/>
+              </a:rPr>
+              <a:t>false</a:t>
+            </a:r>
+            <a:r>
+              <a:rPr lang="en-US" sz="1800" dirty="0">
+                <a:solidFill>
+                  <a:srgbClr val="000000"/>
+                </a:solidFill>
+                <a:latin typeface="Consolas" panose="020B0609020204030204" pitchFamily="49" charset="0"/>
+              </a:rPr>
+              <a:t>)</a:t>
+            </a:r>
+          </a:p>
+          <a:p>
+            <a:pPr marL="0" indent="0">
+              <a:buNone/>
+            </a:pPr>
+            <a:r>
+              <a:rPr lang="en-IN" sz="1800" dirty="0">
+                <a:solidFill>
+                  <a:srgbClr val="000000"/>
+                </a:solidFill>
+                <a:latin typeface="Consolas" panose="020B0609020204030204" pitchFamily="49" charset="0"/>
+              </a:rPr>
+              <a:t>        {</a:t>
+            </a:r>
+          </a:p>
+          <a:p>
+            <a:pPr marL="0" indent="0">
+              <a:buNone/>
+            </a:pPr>
+            <a:r>
+              <a:rPr lang="en-IN" sz="1800" dirty="0">
+                <a:solidFill>
+                  <a:srgbClr val="000000"/>
+                </a:solidFill>
+                <a:latin typeface="Consolas" panose="020B0609020204030204" pitchFamily="49" charset="0"/>
+              </a:rPr>
+              <a:t>            </a:t>
+            </a:r>
+            <a:r>
+              <a:rPr lang="en-IN" sz="1800" dirty="0">
+                <a:solidFill>
+                  <a:srgbClr val="0000FF"/>
+                </a:solidFill>
+                <a:latin typeface="Consolas" panose="020B0609020204030204" pitchFamily="49" charset="0"/>
+              </a:rPr>
+              <a:t>var</a:t>
+            </a:r>
+            <a:r>
+              <a:rPr lang="en-IN" sz="1800" dirty="0">
+                <a:solidFill>
+                  <a:srgbClr val="000000"/>
+                </a:solidFill>
+                <a:latin typeface="Consolas" panose="020B0609020204030204" pitchFamily="49" charset="0"/>
+              </a:rPr>
+              <a:t> </a:t>
+            </a:r>
+            <a:r>
+              <a:rPr lang="en-IN" sz="1800" dirty="0" err="1">
+                <a:solidFill>
+                  <a:srgbClr val="000000"/>
+                </a:solidFill>
+                <a:latin typeface="Consolas" panose="020B0609020204030204" pitchFamily="49" charset="0"/>
+              </a:rPr>
+              <a:t>ctx</a:t>
+            </a:r>
+            <a:r>
+              <a:rPr lang="en-IN" sz="1800" dirty="0">
+                <a:solidFill>
+                  <a:srgbClr val="000000"/>
+                </a:solidFill>
+                <a:latin typeface="Consolas" panose="020B0609020204030204" pitchFamily="49" charset="0"/>
+              </a:rPr>
+              <a:t> = </a:t>
+            </a:r>
+            <a:r>
+              <a:rPr lang="en-IN" sz="1800" dirty="0">
+                <a:solidFill>
+                  <a:srgbClr val="0000FF"/>
+                </a:solidFill>
+                <a:latin typeface="Consolas" panose="020B0609020204030204" pitchFamily="49" charset="0"/>
+              </a:rPr>
+              <a:t>new</a:t>
+            </a:r>
+            <a:r>
+              <a:rPr lang="en-IN" sz="1800" dirty="0">
+                <a:solidFill>
+                  <a:srgbClr val="000000"/>
+                </a:solidFill>
+                <a:latin typeface="Consolas" panose="020B0609020204030204" pitchFamily="49" charset="0"/>
+              </a:rPr>
+              <a:t> </a:t>
+            </a:r>
+            <a:r>
+              <a:rPr lang="en-IN" sz="1800" dirty="0" err="1">
+                <a:solidFill>
+                  <a:srgbClr val="000000"/>
+                </a:solidFill>
+                <a:latin typeface="Consolas" panose="020B0609020204030204" pitchFamily="49" charset="0"/>
+              </a:rPr>
+              <a:t>TestDBContext</a:t>
+            </a:r>
+            <a:r>
+              <a:rPr lang="en-IN" sz="1800" dirty="0">
+                <a:solidFill>
+                  <a:srgbClr val="000000"/>
+                </a:solidFill>
+                <a:latin typeface="Consolas" panose="020B0609020204030204" pitchFamily="49" charset="0"/>
+              </a:rPr>
+              <a:t>();</a:t>
+            </a:r>
+          </a:p>
+          <a:p>
+            <a:pPr marL="0" indent="0">
+              <a:buNone/>
+            </a:pPr>
+            <a:endParaRPr lang="en-IN" sz="1800" dirty="0">
+              <a:solidFill>
+                <a:srgbClr val="000000"/>
+              </a:solidFill>
+              <a:latin typeface="Consolas" panose="020B0609020204030204" pitchFamily="49" charset="0"/>
             </a:endParaRPr>
+          </a:p>
+          <a:p>
+            <a:pPr marL="0" indent="0">
+              <a:buNone/>
+            </a:pPr>
+            <a:r>
+              <a:rPr lang="en-IN" sz="1800" dirty="0">
+                <a:solidFill>
+                  <a:srgbClr val="000000"/>
+                </a:solidFill>
+                <a:latin typeface="Consolas" panose="020B0609020204030204" pitchFamily="49" charset="0"/>
+              </a:rPr>
+              <a:t>            </a:t>
+            </a:r>
+            <a:r>
+              <a:rPr lang="en-IN" sz="1800" dirty="0">
+                <a:solidFill>
+                  <a:srgbClr val="0000FF"/>
+                </a:solidFill>
+                <a:latin typeface="Consolas" panose="020B0609020204030204" pitchFamily="49" charset="0"/>
+              </a:rPr>
+              <a:t>var</a:t>
+            </a:r>
+            <a:r>
+              <a:rPr lang="en-IN" sz="1800" dirty="0">
+                <a:solidFill>
+                  <a:srgbClr val="000000"/>
+                </a:solidFill>
+                <a:latin typeface="Consolas" panose="020B0609020204030204" pitchFamily="49" charset="0"/>
+              </a:rPr>
+              <a:t> </a:t>
+            </a:r>
+            <a:r>
+              <a:rPr lang="en-IN" sz="1800" dirty="0" err="1">
+                <a:solidFill>
+                  <a:srgbClr val="000000"/>
+                </a:solidFill>
+                <a:latin typeface="Consolas" panose="020B0609020204030204" pitchFamily="49" charset="0"/>
+              </a:rPr>
+              <a:t>cust</a:t>
+            </a:r>
+            <a:r>
+              <a:rPr lang="en-IN" sz="1800" dirty="0">
+                <a:solidFill>
+                  <a:srgbClr val="000000"/>
+                </a:solidFill>
+                <a:latin typeface="Consolas" panose="020B0609020204030204" pitchFamily="49" charset="0"/>
+              </a:rPr>
+              <a:t> = </a:t>
+            </a:r>
+            <a:r>
+              <a:rPr lang="en-IN" sz="1800" dirty="0" err="1">
+                <a:solidFill>
+                  <a:srgbClr val="000000"/>
+                </a:solidFill>
+                <a:latin typeface="Consolas" panose="020B0609020204030204" pitchFamily="49" charset="0"/>
+              </a:rPr>
+              <a:t>ctx.Deposits</a:t>
+            </a:r>
+            <a:endParaRPr lang="en-IN" sz="1800" dirty="0">
+              <a:solidFill>
+                <a:srgbClr val="000000"/>
+              </a:solidFill>
+              <a:latin typeface="Consolas" panose="020B0609020204030204" pitchFamily="49" charset="0"/>
+            </a:endParaRPr>
+          </a:p>
+          <a:p>
+            <a:pPr marL="0" indent="0">
+              <a:buNone/>
+            </a:pPr>
+            <a:r>
+              <a:rPr lang="en-IN" sz="1800" dirty="0">
+                <a:solidFill>
+                  <a:srgbClr val="000000"/>
+                </a:solidFill>
+                <a:latin typeface="Consolas" panose="020B0609020204030204" pitchFamily="49" charset="0"/>
+              </a:rPr>
+              <a:t>                            .Include(</a:t>
+            </a:r>
+            <a:r>
+              <a:rPr lang="en-IN" sz="1800" dirty="0">
+                <a:solidFill>
+                  <a:srgbClr val="A31515"/>
+                </a:solidFill>
+                <a:latin typeface="Consolas" panose="020B0609020204030204" pitchFamily="49" charset="0"/>
+              </a:rPr>
+              <a:t>"</a:t>
+            </a:r>
+            <a:r>
+              <a:rPr lang="en-IN" sz="1800" dirty="0" err="1">
+                <a:solidFill>
+                  <a:srgbClr val="A31515"/>
+                </a:solidFill>
+                <a:latin typeface="Consolas" panose="020B0609020204030204" pitchFamily="49" charset="0"/>
+              </a:rPr>
+              <a:t>CnameNavigation</a:t>
+            </a:r>
+            <a:r>
+              <a:rPr lang="en-IN" sz="1800" dirty="0">
+                <a:solidFill>
+                  <a:srgbClr val="A31515"/>
+                </a:solidFill>
+                <a:latin typeface="Consolas" panose="020B0609020204030204" pitchFamily="49" charset="0"/>
+              </a:rPr>
+              <a:t>"</a:t>
+            </a:r>
+            <a:r>
+              <a:rPr lang="en-IN" sz="1800" dirty="0">
+                <a:solidFill>
+                  <a:srgbClr val="000000"/>
+                </a:solidFill>
+                <a:latin typeface="Consolas" panose="020B0609020204030204" pitchFamily="49" charset="0"/>
+              </a:rPr>
+              <a:t>)</a:t>
+            </a:r>
+          </a:p>
+          <a:p>
+            <a:pPr marL="0" indent="0">
+              <a:buNone/>
+            </a:pPr>
+            <a:r>
+              <a:rPr lang="en-IN" sz="1800" dirty="0">
+                <a:solidFill>
+                  <a:srgbClr val="000000"/>
+                </a:solidFill>
+                <a:latin typeface="Consolas" panose="020B0609020204030204" pitchFamily="49" charset="0"/>
+              </a:rPr>
+              <a:t>                            .Select(s =&gt; </a:t>
+            </a:r>
+            <a:r>
+              <a:rPr lang="en-IN" sz="1800" dirty="0">
+                <a:solidFill>
+                  <a:srgbClr val="0000FF"/>
+                </a:solidFill>
+                <a:latin typeface="Consolas" panose="020B0609020204030204" pitchFamily="49" charset="0"/>
+              </a:rPr>
+              <a:t>new</a:t>
+            </a:r>
+            <a:endParaRPr lang="en-IN" sz="1800" dirty="0">
+              <a:solidFill>
+                <a:srgbClr val="000000"/>
+              </a:solidFill>
+              <a:latin typeface="Consolas" panose="020B0609020204030204" pitchFamily="49" charset="0"/>
+            </a:endParaRPr>
+          </a:p>
+          <a:p>
+            <a:pPr marL="0" indent="0">
+              <a:buNone/>
+            </a:pPr>
+            <a:r>
+              <a:rPr lang="en-IN" sz="1800" dirty="0">
+                <a:solidFill>
+                  <a:srgbClr val="000000"/>
+                </a:solidFill>
+                <a:latin typeface="Consolas" panose="020B0609020204030204" pitchFamily="49" charset="0"/>
+              </a:rPr>
+              <a:t>                            {</a:t>
+            </a:r>
+          </a:p>
+          <a:p>
+            <a:pPr marL="0" indent="0">
+              <a:buNone/>
+            </a:pPr>
+            <a:r>
+              <a:rPr lang="en-IN" sz="1800" dirty="0">
+                <a:solidFill>
+                  <a:srgbClr val="000000"/>
+                </a:solidFill>
+                <a:latin typeface="Consolas" panose="020B0609020204030204" pitchFamily="49" charset="0"/>
+              </a:rPr>
+              <a:t>                                </a:t>
+            </a:r>
+            <a:r>
+              <a:rPr lang="en-IN" sz="1800" dirty="0" err="1">
+                <a:solidFill>
+                  <a:srgbClr val="000000"/>
+                </a:solidFill>
+                <a:latin typeface="Consolas" panose="020B0609020204030204" pitchFamily="49" charset="0"/>
+              </a:rPr>
+              <a:t>ActNo</a:t>
+            </a:r>
+            <a:r>
+              <a:rPr lang="en-IN" sz="1800" dirty="0">
+                <a:solidFill>
+                  <a:srgbClr val="000000"/>
+                </a:solidFill>
+                <a:latin typeface="Consolas" panose="020B0609020204030204" pitchFamily="49" charset="0"/>
+              </a:rPr>
+              <a:t> = </a:t>
+            </a:r>
+            <a:r>
+              <a:rPr lang="en-IN" sz="1800" dirty="0" err="1">
+                <a:solidFill>
+                  <a:srgbClr val="000000"/>
+                </a:solidFill>
+                <a:latin typeface="Consolas" panose="020B0609020204030204" pitchFamily="49" charset="0"/>
+              </a:rPr>
+              <a:t>s.ActNo</a:t>
+            </a:r>
+            <a:r>
+              <a:rPr lang="en-IN" sz="1800" dirty="0">
+                <a:solidFill>
+                  <a:srgbClr val="000000"/>
+                </a:solidFill>
+                <a:latin typeface="Consolas" panose="020B0609020204030204" pitchFamily="49" charset="0"/>
+              </a:rPr>
+              <a:t>,</a:t>
+            </a:r>
+          </a:p>
+          <a:p>
+            <a:pPr marL="0" indent="0">
+              <a:buNone/>
+            </a:pPr>
+            <a:r>
+              <a:rPr lang="en-IN" sz="1800" dirty="0">
+                <a:solidFill>
+                  <a:srgbClr val="000000"/>
+                </a:solidFill>
+                <a:latin typeface="Consolas" panose="020B0609020204030204" pitchFamily="49" charset="0"/>
+              </a:rPr>
+              <a:t>                                Date = </a:t>
+            </a:r>
+            <a:r>
+              <a:rPr lang="en-IN" sz="1800" dirty="0" err="1">
+                <a:solidFill>
+                  <a:srgbClr val="000000"/>
+                </a:solidFill>
+                <a:latin typeface="Consolas" panose="020B0609020204030204" pitchFamily="49" charset="0"/>
+              </a:rPr>
+              <a:t>s.Adate</a:t>
+            </a:r>
+            <a:r>
+              <a:rPr lang="en-IN" sz="1800" dirty="0">
+                <a:solidFill>
+                  <a:srgbClr val="000000"/>
+                </a:solidFill>
+                <a:latin typeface="Consolas" panose="020B0609020204030204" pitchFamily="49" charset="0"/>
+              </a:rPr>
+              <a:t>,</a:t>
+            </a:r>
+          </a:p>
+          <a:p>
+            <a:pPr marL="0" indent="0">
+              <a:buNone/>
+            </a:pPr>
+            <a:r>
+              <a:rPr lang="en-IN" sz="1800" dirty="0">
+                <a:solidFill>
+                  <a:srgbClr val="000000"/>
+                </a:solidFill>
+                <a:latin typeface="Consolas" panose="020B0609020204030204" pitchFamily="49" charset="0"/>
+              </a:rPr>
+              <a:t>                                Amount = </a:t>
+            </a:r>
+            <a:r>
+              <a:rPr lang="en-IN" sz="1800" dirty="0" err="1">
+                <a:solidFill>
+                  <a:srgbClr val="000000"/>
+                </a:solidFill>
+                <a:latin typeface="Consolas" panose="020B0609020204030204" pitchFamily="49" charset="0"/>
+              </a:rPr>
+              <a:t>s.Amount</a:t>
+            </a:r>
+            <a:r>
+              <a:rPr lang="en-IN" sz="1800" dirty="0">
+                <a:solidFill>
+                  <a:srgbClr val="000000"/>
+                </a:solidFill>
+                <a:latin typeface="Consolas" panose="020B0609020204030204" pitchFamily="49" charset="0"/>
+              </a:rPr>
+              <a:t>,</a:t>
+            </a:r>
+          </a:p>
+          <a:p>
+            <a:pPr marL="0" indent="0">
+              <a:buNone/>
+            </a:pPr>
+            <a:r>
+              <a:rPr lang="en-US" sz="1800" dirty="0">
+                <a:solidFill>
+                  <a:srgbClr val="000000"/>
+                </a:solidFill>
+                <a:latin typeface="Consolas" panose="020B0609020204030204" pitchFamily="49" charset="0"/>
+              </a:rPr>
+              <a:t>                                Customer = </a:t>
+            </a:r>
+            <a:r>
+              <a:rPr lang="en-US" sz="1800" dirty="0" err="1">
+                <a:solidFill>
+                  <a:srgbClr val="000000"/>
+                </a:solidFill>
+                <a:latin typeface="Consolas" panose="020B0609020204030204" pitchFamily="49" charset="0"/>
+              </a:rPr>
+              <a:t>s.CnameNavigation</a:t>
+            </a:r>
+            <a:r>
+              <a:rPr lang="en-US" sz="1800" dirty="0">
+                <a:solidFill>
+                  <a:srgbClr val="000000"/>
+                </a:solidFill>
+                <a:latin typeface="Consolas" panose="020B0609020204030204" pitchFamily="49" charset="0"/>
+              </a:rPr>
+              <a:t> == </a:t>
+            </a:r>
+            <a:r>
+              <a:rPr lang="en-US" sz="1800" dirty="0">
+                <a:solidFill>
+                  <a:srgbClr val="0000FF"/>
+                </a:solidFill>
+                <a:latin typeface="Consolas" panose="020B0609020204030204" pitchFamily="49" charset="0"/>
+              </a:rPr>
+              <a:t>null</a:t>
+            </a:r>
+            <a:r>
+              <a:rPr lang="en-US" sz="1800" dirty="0">
+                <a:solidFill>
+                  <a:srgbClr val="000000"/>
+                </a:solidFill>
+                <a:latin typeface="Consolas" panose="020B0609020204030204" pitchFamily="49" charset="0"/>
+              </a:rPr>
+              <a:t> || </a:t>
+            </a:r>
+            <a:r>
+              <a:rPr lang="en-US" sz="1800" dirty="0" err="1">
+                <a:solidFill>
+                  <a:srgbClr val="000000"/>
+                </a:solidFill>
+                <a:latin typeface="Consolas" panose="020B0609020204030204" pitchFamily="49" charset="0"/>
+              </a:rPr>
+              <a:t>includeCustomer</a:t>
+            </a:r>
+            <a:r>
+              <a:rPr lang="en-US" sz="1800" dirty="0">
+                <a:solidFill>
+                  <a:srgbClr val="000000"/>
+                </a:solidFill>
+                <a:latin typeface="Consolas" panose="020B0609020204030204" pitchFamily="49" charset="0"/>
+              </a:rPr>
+              <a:t> == </a:t>
+            </a:r>
+            <a:r>
+              <a:rPr lang="en-US" sz="1800" dirty="0">
+                <a:solidFill>
+                  <a:srgbClr val="0000FF"/>
+                </a:solidFill>
+                <a:latin typeface="Consolas" panose="020B0609020204030204" pitchFamily="49" charset="0"/>
+              </a:rPr>
+              <a:t>false</a:t>
+            </a:r>
+            <a:r>
+              <a:rPr lang="en-US" sz="1800" dirty="0">
+                <a:solidFill>
+                  <a:srgbClr val="000000"/>
+                </a:solidFill>
+                <a:latin typeface="Consolas" panose="020B0609020204030204" pitchFamily="49" charset="0"/>
+              </a:rPr>
+              <a:t> ? </a:t>
+            </a:r>
+            <a:r>
+              <a:rPr lang="en-US" sz="1800" dirty="0">
+                <a:solidFill>
+                  <a:srgbClr val="0000FF"/>
+                </a:solidFill>
+                <a:latin typeface="Consolas" panose="020B0609020204030204" pitchFamily="49" charset="0"/>
+              </a:rPr>
+              <a:t>null</a:t>
+            </a:r>
+            <a:r>
+              <a:rPr lang="en-US" sz="1800" dirty="0">
+                <a:solidFill>
+                  <a:srgbClr val="000000"/>
+                </a:solidFill>
+                <a:latin typeface="Consolas" panose="020B0609020204030204" pitchFamily="49" charset="0"/>
+              </a:rPr>
+              <a:t> : </a:t>
+            </a:r>
+            <a:r>
+              <a:rPr lang="en-US" sz="1800" dirty="0">
+                <a:solidFill>
+                  <a:srgbClr val="0000FF"/>
+                </a:solidFill>
+                <a:latin typeface="Consolas" panose="020B0609020204030204" pitchFamily="49" charset="0"/>
+              </a:rPr>
+              <a:t>new</a:t>
+            </a:r>
+            <a:r>
+              <a:rPr lang="en-US" sz="1800" dirty="0">
+                <a:solidFill>
+                  <a:srgbClr val="000000"/>
+                </a:solidFill>
+                <a:latin typeface="Consolas" panose="020B0609020204030204" pitchFamily="49" charset="0"/>
+              </a:rPr>
+              <a:t> Customer()</a:t>
+            </a:r>
+          </a:p>
+          <a:p>
+            <a:pPr marL="0" indent="0">
+              <a:buNone/>
+            </a:pPr>
+            <a:r>
+              <a:rPr lang="en-IN" sz="1800" dirty="0">
+                <a:solidFill>
+                  <a:srgbClr val="000000"/>
+                </a:solidFill>
+                <a:latin typeface="Consolas" panose="020B0609020204030204" pitchFamily="49" charset="0"/>
+              </a:rPr>
+              <a:t>                                {</a:t>
+            </a:r>
+          </a:p>
+          <a:p>
+            <a:pPr marL="0" indent="0">
+              <a:buNone/>
+            </a:pPr>
+            <a:r>
+              <a:rPr lang="en-IN" sz="1800" dirty="0">
+                <a:solidFill>
+                  <a:srgbClr val="000000"/>
+                </a:solidFill>
+                <a:latin typeface="Consolas" panose="020B0609020204030204" pitchFamily="49" charset="0"/>
+              </a:rPr>
+              <a:t>                                    </a:t>
+            </a:r>
+            <a:r>
+              <a:rPr lang="en-IN" sz="1800" dirty="0" err="1">
+                <a:solidFill>
+                  <a:srgbClr val="000000"/>
+                </a:solidFill>
+                <a:latin typeface="Consolas" panose="020B0609020204030204" pitchFamily="49" charset="0"/>
+              </a:rPr>
+              <a:t>Cname</a:t>
+            </a:r>
+            <a:r>
+              <a:rPr lang="en-IN" sz="1800" dirty="0">
+                <a:solidFill>
+                  <a:srgbClr val="000000"/>
+                </a:solidFill>
+                <a:latin typeface="Consolas" panose="020B0609020204030204" pitchFamily="49" charset="0"/>
+              </a:rPr>
+              <a:t> = </a:t>
+            </a:r>
+            <a:r>
+              <a:rPr lang="en-IN" sz="1800" dirty="0" err="1">
+                <a:solidFill>
+                  <a:srgbClr val="000000"/>
+                </a:solidFill>
+                <a:latin typeface="Consolas" panose="020B0609020204030204" pitchFamily="49" charset="0"/>
+              </a:rPr>
+              <a:t>s.CnameNavigation.Cname</a:t>
+            </a:r>
+            <a:r>
+              <a:rPr lang="en-IN" sz="1800" dirty="0">
+                <a:solidFill>
+                  <a:srgbClr val="000000"/>
+                </a:solidFill>
+                <a:latin typeface="Consolas" panose="020B0609020204030204" pitchFamily="49" charset="0"/>
+              </a:rPr>
+              <a:t>,</a:t>
+            </a:r>
+          </a:p>
+          <a:p>
+            <a:pPr marL="0" indent="0">
+              <a:buNone/>
+            </a:pPr>
+            <a:r>
+              <a:rPr lang="en-IN" sz="1800" dirty="0">
+                <a:solidFill>
+                  <a:srgbClr val="000000"/>
+                </a:solidFill>
+                <a:latin typeface="Consolas" panose="020B0609020204030204" pitchFamily="49" charset="0"/>
+              </a:rPr>
+              <a:t>                                    City = </a:t>
+            </a:r>
+            <a:r>
+              <a:rPr lang="en-IN" sz="1800" dirty="0" err="1">
+                <a:solidFill>
+                  <a:srgbClr val="000000"/>
+                </a:solidFill>
+                <a:latin typeface="Consolas" panose="020B0609020204030204" pitchFamily="49" charset="0"/>
+              </a:rPr>
+              <a:t>s.CnameNavigation.City</a:t>
+            </a:r>
+            <a:endParaRPr lang="en-IN" sz="1800" dirty="0">
+              <a:solidFill>
+                <a:srgbClr val="000000"/>
+              </a:solidFill>
+              <a:latin typeface="Consolas" panose="020B0609020204030204" pitchFamily="49" charset="0"/>
+            </a:endParaRPr>
+          </a:p>
+          <a:p>
+            <a:pPr marL="0" indent="0">
+              <a:buNone/>
+            </a:pPr>
+            <a:r>
+              <a:rPr lang="en-IN" sz="1800" dirty="0">
+                <a:solidFill>
+                  <a:srgbClr val="000000"/>
+                </a:solidFill>
+                <a:latin typeface="Consolas" panose="020B0609020204030204" pitchFamily="49" charset="0"/>
+              </a:rPr>
+              <a:t>                                }</a:t>
+            </a:r>
+          </a:p>
+          <a:p>
+            <a:pPr marL="0" indent="0">
+              <a:buNone/>
+            </a:pPr>
+            <a:r>
+              <a:rPr lang="en-IN" sz="1800" dirty="0">
+                <a:solidFill>
+                  <a:srgbClr val="000000"/>
+                </a:solidFill>
+                <a:latin typeface="Consolas" panose="020B0609020204030204" pitchFamily="49" charset="0"/>
+              </a:rPr>
+              <a:t>                            })</a:t>
+            </a:r>
+          </a:p>
+          <a:p>
+            <a:pPr marL="0" indent="0">
+              <a:buNone/>
+            </a:pPr>
+            <a:r>
+              <a:rPr lang="en-IN" sz="1800" dirty="0">
+                <a:solidFill>
+                  <a:srgbClr val="000000"/>
+                </a:solidFill>
+                <a:latin typeface="Consolas" panose="020B0609020204030204" pitchFamily="49" charset="0"/>
+              </a:rPr>
+              <a:t>                            .</a:t>
+            </a:r>
+            <a:r>
+              <a:rPr lang="en-IN" sz="1800" dirty="0" err="1">
+                <a:solidFill>
+                  <a:srgbClr val="000000"/>
+                </a:solidFill>
+                <a:latin typeface="Consolas" panose="020B0609020204030204" pitchFamily="49" charset="0"/>
+              </a:rPr>
+              <a:t>ToList</a:t>
+            </a:r>
+            <a:r>
+              <a:rPr lang="en-IN" sz="1800" dirty="0">
+                <a:solidFill>
+                  <a:srgbClr val="000000"/>
+                </a:solidFill>
+                <a:latin typeface="Consolas" panose="020B0609020204030204" pitchFamily="49" charset="0"/>
+              </a:rPr>
+              <a:t>();</a:t>
+            </a:r>
+            <a:endParaRPr lang="en-IN" dirty="0"/>
           </a:p>
         </p:txBody>
       </p:sp>
     </p:spTree>
     <p:extLst>
       <p:ext uri="{BB962C8B-B14F-4D97-AF65-F5344CB8AC3E}">
-        <p14:creationId xmlns:p14="http://schemas.microsoft.com/office/powerpoint/2010/main" val="1164267246"/>
+        <p14:creationId xmlns:p14="http://schemas.microsoft.com/office/powerpoint/2010/main" val="2128928399"/>
       </p:ext>
     </p:extLst>
   </p:cSld>
@@ -6531,7 +7174,7 @@
           <p:cNvPr id="2" name="Title 1">
             <a:extLst>
               <a:ext uri="{FF2B5EF4-FFF2-40B4-BE49-F238E27FC236}">
-                <a16:creationId xmlns:a16="http://schemas.microsoft.com/office/drawing/2014/main" id="{FA928D7E-0C3B-48F7-BAD7-ABC81851601C}"/>
+                <a16:creationId xmlns:a16="http://schemas.microsoft.com/office/drawing/2014/main" id="{04C65B7C-D335-492A-8E07-6B343430E28D}"/>
               </a:ext>
             </a:extLst>
           </p:cNvPr>
@@ -6545,18 +7188,14 @@
         <p:spPr>
           <a:xfrm>
             <a:off x="646111" y="452718"/>
-            <a:ext cx="9404723" cy="728012"/>
+            <a:ext cx="9404723" cy="156883"/>
           </a:xfrm>
         </p:spPr>
         <p:txBody>
           <a:bodyPr/>
           <a:lstStyle/>
           <a:p>
-            <a:r>
-              <a:rPr lang="en-US" dirty="0" err="1"/>
-              <a:t>HttpPost</a:t>
-            </a:r>
-            <a:endParaRPr lang="en-IN" dirty="0"/>
+            <a:endParaRPr lang="en-IN" sz="800" dirty="0"/>
           </a:p>
         </p:txBody>
       </p:sp>
@@ -6565,7 +7204,7 @@
           <p:cNvPr id="3" name="Content Placeholder 2">
             <a:extLst>
               <a:ext uri="{FF2B5EF4-FFF2-40B4-BE49-F238E27FC236}">
-                <a16:creationId xmlns:a16="http://schemas.microsoft.com/office/drawing/2014/main" id="{30AFA9CF-8AB9-4629-AAFF-12AE1CA7D5EF}"/>
+                <a16:creationId xmlns:a16="http://schemas.microsoft.com/office/drawing/2014/main" id="{96B24E16-BD3B-4F1D-BC87-D82E42C4C82C}"/>
               </a:ext>
             </a:extLst>
           </p:cNvPr>
@@ -6578,87 +7217,110 @@
         </p:nvSpPr>
         <p:spPr>
           <a:xfrm>
-            <a:off x="1103312" y="1180730"/>
-            <a:ext cx="8946541" cy="5067669"/>
+            <a:off x="1103312" y="692458"/>
+            <a:ext cx="8946541" cy="5956917"/>
           </a:xfrm>
         </p:spPr>
         <p:txBody>
-          <a:bodyPr/>
+          <a:bodyPr>
+            <a:normAutofit/>
+          </a:bodyPr>
           <a:lstStyle/>
           <a:p>
-            <a:r>
-              <a:rPr lang="en-US" sz="1600" dirty="0">
-                <a:latin typeface="Times New Roman" panose="02020603050405020304" pitchFamily="18" charset="0"/>
-                <a:cs typeface="Times New Roman" panose="02020603050405020304" pitchFamily="18" charset="0"/>
-              </a:rPr>
-              <a:t>In Controller,</a:t>
-            </a:r>
-            <a:r>
-              <a:rPr lang="en-US" sz="1600" dirty="0"/>
+            <a:pPr marL="0" indent="0">
+              <a:buNone/>
+            </a:pPr>
+            <a:r>
+              <a:rPr lang="en-IN" sz="1400" dirty="0">
+                <a:solidFill>
+                  <a:srgbClr val="0000FF"/>
+                </a:solidFill>
+                <a:latin typeface="Consolas" panose="020B0609020204030204" pitchFamily="49" charset="0"/>
+              </a:rPr>
+              <a:t>if</a:t>
+            </a:r>
+            <a:r>
+              <a:rPr lang="en-IN" sz="1400" dirty="0">
+                <a:solidFill>
+                  <a:srgbClr val="000000"/>
+                </a:solidFill>
+                <a:latin typeface="Consolas" panose="020B0609020204030204" pitchFamily="49" charset="0"/>
+              </a:rPr>
+              <a:t> (</a:t>
+            </a:r>
+            <a:r>
+              <a:rPr lang="en-IN" sz="1400" dirty="0" err="1">
+                <a:solidFill>
+                  <a:srgbClr val="000000"/>
+                </a:solidFill>
+                <a:latin typeface="Consolas" panose="020B0609020204030204" pitchFamily="49" charset="0"/>
+              </a:rPr>
+              <a:t>cust.Count</a:t>
+            </a:r>
+            <a:r>
+              <a:rPr lang="en-IN" sz="1400" dirty="0">
+                <a:solidFill>
+                  <a:srgbClr val="000000"/>
+                </a:solidFill>
+                <a:latin typeface="Consolas" panose="020B0609020204030204" pitchFamily="49" charset="0"/>
+              </a:rPr>
+              <a:t> == 0)</a:t>
+            </a:r>
+          </a:p>
+          <a:p>
+            <a:pPr marL="0" indent="0">
+              <a:buNone/>
+            </a:pPr>
+            <a:r>
+              <a:rPr lang="en-IN" sz="1400" dirty="0">
+                <a:solidFill>
+                  <a:srgbClr val="000000"/>
+                </a:solidFill>
+                <a:latin typeface="Consolas" panose="020B0609020204030204" pitchFamily="49" charset="0"/>
+              </a:rPr>
+              <a:t>            {</a:t>
+            </a:r>
+          </a:p>
+          <a:p>
+            <a:pPr marL="0" indent="0">
+              <a:buNone/>
+            </a:pPr>
+            <a:r>
+              <a:rPr lang="en-IN" sz="1400" dirty="0">
+                <a:solidFill>
+                  <a:srgbClr val="000000"/>
+                </a:solidFill>
+                <a:latin typeface="Consolas" panose="020B0609020204030204" pitchFamily="49" charset="0"/>
+              </a:rPr>
+              <a:t>                </a:t>
+            </a:r>
+            <a:r>
+              <a:rPr lang="en-IN" sz="1400" dirty="0">
+                <a:solidFill>
+                  <a:srgbClr val="0000FF"/>
+                </a:solidFill>
+                <a:latin typeface="Consolas" panose="020B0609020204030204" pitchFamily="49" charset="0"/>
+              </a:rPr>
+              <a:t>return</a:t>
+            </a:r>
+            <a:r>
+              <a:rPr lang="en-IN" sz="1400" dirty="0">
+                <a:solidFill>
+                  <a:srgbClr val="000000"/>
+                </a:solidFill>
+                <a:latin typeface="Consolas" panose="020B0609020204030204" pitchFamily="49" charset="0"/>
+              </a:rPr>
               <a:t> </a:t>
             </a:r>
             <a:r>
-              <a:rPr lang="en-US" sz="1600" dirty="0">
-                <a:solidFill>
-                  <a:srgbClr val="181717"/>
-                </a:solidFill>
-                <a:latin typeface="Times New Roman" panose="02020603050405020304" pitchFamily="18" charset="0"/>
-                <a:cs typeface="Times New Roman" panose="02020603050405020304" pitchFamily="18" charset="0"/>
-              </a:rPr>
-              <a:t>Post</a:t>
-            </a:r>
-            <a:r>
-              <a:rPr lang="en-US" sz="1600" b="0" i="0" dirty="0">
-                <a:solidFill>
-                  <a:srgbClr val="181717"/>
-                </a:solidFill>
-                <a:effectLst/>
-                <a:latin typeface="Times New Roman" panose="02020603050405020304" pitchFamily="18" charset="0"/>
-                <a:cs typeface="Times New Roman" panose="02020603050405020304" pitchFamily="18" charset="0"/>
-              </a:rPr>
-              <a:t>() method will handle HTTP POST request</a:t>
-            </a:r>
-          </a:p>
-          <a:p>
-            <a:r>
-              <a:rPr lang="en-US" sz="1600" dirty="0">
-                <a:solidFill>
-                  <a:srgbClr val="181717"/>
-                </a:solidFill>
-                <a:latin typeface="Times New Roman" panose="02020603050405020304" pitchFamily="18" charset="0"/>
-                <a:cs typeface="Times New Roman" panose="02020603050405020304" pitchFamily="18" charset="0"/>
-              </a:rPr>
-              <a:t>It will create new record in the data source</a:t>
-            </a:r>
-          </a:p>
-          <a:p>
-            <a:r>
-              <a:rPr lang="en-US" sz="1600" dirty="0">
-                <a:solidFill>
-                  <a:srgbClr val="181717"/>
-                </a:solidFill>
-                <a:latin typeface="Times New Roman" panose="02020603050405020304" pitchFamily="18" charset="0"/>
-                <a:cs typeface="Times New Roman" panose="02020603050405020304" pitchFamily="18" charset="0"/>
-              </a:rPr>
-              <a:t>Method name should start with Post</a:t>
-            </a:r>
-          </a:p>
-          <a:p>
-            <a:r>
-              <a:rPr lang="en-US" sz="1600" dirty="0">
-                <a:solidFill>
-                  <a:srgbClr val="181717"/>
-                </a:solidFill>
-                <a:latin typeface="Times New Roman" panose="02020603050405020304" pitchFamily="18" charset="0"/>
-                <a:cs typeface="Times New Roman" panose="02020603050405020304" pitchFamily="18" charset="0"/>
-              </a:rPr>
-              <a:t>For Ex:</a:t>
-            </a:r>
-          </a:p>
-          <a:p>
-            <a:pPr marL="0" indent="0">
-              <a:buNone/>
-            </a:pPr>
+              <a:rPr lang="en-IN" sz="1400" dirty="0" err="1">
+                <a:solidFill>
+                  <a:srgbClr val="000000"/>
+                </a:solidFill>
+                <a:latin typeface="Consolas" panose="020B0609020204030204" pitchFamily="49" charset="0"/>
+              </a:rPr>
+              <a:t>NotFound</a:t>
+            </a:r>
             <a:r>
               <a:rPr lang="en-IN" sz="1400" dirty="0">
                 <a:solidFill>
@@ -6666,7 +7328,64 @@
                 </a:solidFill>
                 <a:latin typeface="Consolas" panose="020B0609020204030204" pitchFamily="49" charset="0"/>
               </a:rPr>
-              <a:t>[</a:t>
+              <a:t>();</a:t>
+            </a:r>
+          </a:p>
+          <a:p>
+            <a:pPr marL="0" indent="0">
+              <a:buNone/>
+            </a:pPr>
+            <a:r>
+              <a:rPr lang="en-IN" sz="1400" dirty="0">
+                <a:solidFill>
+                  <a:srgbClr val="000000"/>
+                </a:solidFill>
+                <a:latin typeface="Consolas" panose="020B0609020204030204" pitchFamily="49" charset="0"/>
+              </a:rPr>
+              <a:t>            }</a:t>
+            </a:r>
+          </a:p>
+          <a:p>
+            <a:pPr marL="0" indent="0">
+              <a:buNone/>
+            </a:pPr>
+            <a:endParaRPr lang="en-IN" sz="1400" dirty="0">
+              <a:solidFill>
+                <a:srgbClr val="000000"/>
+              </a:solidFill>
+              <a:latin typeface="Consolas" panose="020B0609020204030204" pitchFamily="49" charset="0"/>
+            </a:endParaRPr>
+          </a:p>
+          <a:p>
+            <a:pPr marL="0" indent="0">
+              <a:buNone/>
+            </a:pPr>
+            <a:r>
+              <a:rPr lang="en-IN" sz="1400" dirty="0">
+                <a:solidFill>
+                  <a:srgbClr val="000000"/>
+                </a:solidFill>
+                <a:latin typeface="Consolas" panose="020B0609020204030204" pitchFamily="49" charset="0"/>
+              </a:rPr>
+              <a:t>            </a:t>
+            </a:r>
+            <a:r>
+              <a:rPr lang="en-IN" sz="1400" dirty="0">
+                <a:solidFill>
+                  <a:srgbClr val="0000FF"/>
+                </a:solidFill>
+                <a:latin typeface="Consolas" panose="020B0609020204030204" pitchFamily="49" charset="0"/>
+              </a:rPr>
+              <a:t>return</a:t>
+            </a:r>
+            <a:r>
+              <a:rPr lang="en-IN" sz="1400" dirty="0">
+                <a:solidFill>
+                  <a:srgbClr val="000000"/>
+                </a:solidFill>
+                <a:latin typeface="Consolas" panose="020B0609020204030204" pitchFamily="49" charset="0"/>
+              </a:rPr>
+              <a:t> Ok(</a:t>
             </a:r>
             <a:r>
               <a:rPr lang="en-IN" sz="1400" dirty="0" err="1">
@@ -6675,7 +7394,7 @@
                 </a:solidFill>
                 <a:latin typeface="Consolas" panose="020B0609020204030204" pitchFamily="49" charset="0"/>
               </a:rPr>
-              <a:t>HttpPost</a:t>
+              <a:t>cust</a:t>
             </a:r>
             <a:r>
               <a:rPr lang="en-IN" sz="1400" dirty="0">
@@ -6684,93 +7403,7 @@
                 </a:solidFill>
                 <a:latin typeface="Consolas" panose="020B0609020204030204" pitchFamily="49" charset="0"/>
               </a:rPr>
-              <a:t>]</a:t>
-            </a:r>
-          </a:p>
-          <a:p>
-            <a:pPr marL="0" indent="0">
-              <a:buNone/>
-            </a:pPr>
-            <a:r>
-              <a:rPr lang="en-US" sz="1400" dirty="0">
-                <a:solidFill>
-                  <a:srgbClr val="000000"/>
-                </a:solidFill>
-                <a:latin typeface="Consolas" panose="020B0609020204030204" pitchFamily="49" charset="0"/>
-              </a:rPr>
-              <a:t>        </a:t>
-            </a:r>
-            <a:r>
-              <a:rPr lang="en-US" sz="1400" dirty="0">
-                <a:solidFill>
-                  <a:srgbClr val="0000FF"/>
-                </a:solidFill>
-                <a:latin typeface="Consolas" panose="020B0609020204030204" pitchFamily="49" charset="0"/>
-              </a:rPr>
-              <a:t>public</a:t>
-            </a:r>
-            <a:r>
-              <a:rPr lang="en-US" sz="1400" dirty="0">
-                <a:solidFill>
-                  <a:srgbClr val="000000"/>
-                </a:solidFill>
-                <a:latin typeface="Consolas" panose="020B0609020204030204" pitchFamily="49" charset="0"/>
-              </a:rPr>
-              <a:t> </a:t>
-            </a:r>
-            <a:r>
-              <a:rPr lang="en-US" sz="1400" dirty="0">
-                <a:solidFill>
-                  <a:srgbClr val="0000FF"/>
-                </a:solidFill>
-                <a:latin typeface="Consolas" panose="020B0609020204030204" pitchFamily="49" charset="0"/>
-              </a:rPr>
-              <a:t>void</a:t>
-            </a:r>
-            <a:r>
-              <a:rPr lang="en-US" sz="1400" dirty="0">
-                <a:solidFill>
-                  <a:srgbClr val="000000"/>
-                </a:solidFill>
-                <a:latin typeface="Consolas" panose="020B0609020204030204" pitchFamily="49" charset="0"/>
-              </a:rPr>
-              <a:t> Post([</a:t>
-            </a:r>
-            <a:r>
-              <a:rPr lang="en-US" sz="1400" dirty="0" err="1">
-                <a:solidFill>
-                  <a:srgbClr val="000000"/>
-                </a:solidFill>
-                <a:latin typeface="Consolas" panose="020B0609020204030204" pitchFamily="49" charset="0"/>
-              </a:rPr>
-              <a:t>FromBody</a:t>
-            </a:r>
-            <a:r>
-              <a:rPr lang="en-US" sz="1400" dirty="0">
-                <a:solidFill>
-                  <a:srgbClr val="000000"/>
-                </a:solidFill>
-                <a:latin typeface="Consolas" panose="020B0609020204030204" pitchFamily="49" charset="0"/>
-              </a:rPr>
-              <a:t>] </a:t>
-            </a:r>
-            <a:r>
-              <a:rPr lang="en-US" sz="1400" dirty="0">
-                <a:solidFill>
-                  <a:srgbClr val="0000FF"/>
-                </a:solidFill>
-                <a:latin typeface="Consolas" panose="020B0609020204030204" pitchFamily="49" charset="0"/>
-              </a:rPr>
-              <a:t>string</a:t>
-            </a:r>
-            <a:r>
-              <a:rPr lang="en-US" sz="1400" dirty="0">
-                <a:solidFill>
-                  <a:srgbClr val="000000"/>
-                </a:solidFill>
-                <a:latin typeface="Consolas" panose="020B0609020204030204" pitchFamily="49" charset="0"/>
-              </a:rPr>
-              <a:t> value)</a:t>
+              <a:t>);</a:t>
             </a:r>
           </a:p>
           <a:p>
@@ -6784,89 +7417,77 @@
                 </a:solidFill>
                 <a:latin typeface="Consolas" panose="020B0609020204030204" pitchFamily="49" charset="0"/>
               </a:rPr>
-              <a:t>        {</a:t>
-            </a:r>
-          </a:p>
-          <a:p>
-            <a:pPr marL="0" indent="0">
-              <a:buNone/>
-            </a:pPr>
-            <a:r>
-              <a:rPr lang="en-IN" sz="1400" dirty="0">
-                <a:solidFill>
-                  <a:srgbClr val="000000"/>
-                </a:solidFill>
-                <a:latin typeface="Consolas" panose="020B0609020204030204" pitchFamily="49" charset="0"/>
-              </a:rPr>
-              <a:t>            </a:t>
-            </a:r>
-            <a:r>
-              <a:rPr lang="en-IN" sz="1400" dirty="0" err="1">
-                <a:solidFill>
-                  <a:srgbClr val="000000"/>
-                </a:solidFill>
-                <a:latin typeface="Consolas" panose="020B0609020204030204" pitchFamily="49" charset="0"/>
-              </a:rPr>
-              <a:t>languages.Add</a:t>
-            </a:r>
-            <a:r>
-              <a:rPr lang="en-IN" sz="1400" dirty="0">
-                <a:solidFill>
-                  <a:srgbClr val="000000"/>
-                </a:solidFill>
-                <a:latin typeface="Consolas" panose="020B0609020204030204" pitchFamily="49" charset="0"/>
-              </a:rPr>
-              <a:t>(value);</a:t>
-            </a:r>
-          </a:p>
-          <a:p>
-            <a:pPr marL="0" indent="0">
-              <a:buNone/>
-            </a:pPr>
-            <a:r>
-              <a:rPr lang="en-IN" sz="1400" dirty="0">
-                <a:solidFill>
-                  <a:srgbClr val="000000"/>
-                </a:solidFill>
-                <a:latin typeface="Consolas" panose="020B0609020204030204" pitchFamily="49" charset="0"/>
-              </a:rPr>
               <a:t>        }</a:t>
             </a:r>
-            <a:endParaRPr lang="en-US" sz="1400" dirty="0">
+            <a:endParaRPr lang="en-IN" sz="1400" dirty="0">
               <a:solidFill>
-                <a:srgbClr val="181717"/>
+                <a:srgbClr val="000000"/>
               </a:solidFill>
               <a:latin typeface="Times New Roman" panose="02020603050405020304" pitchFamily="18" charset="0"/>
               <a:cs typeface="Times New Roman" panose="02020603050405020304" pitchFamily="18" charset="0"/>
             </a:endParaRPr>
           </a:p>
           <a:p>
-            <a:r>
-              <a:rPr lang="en-IN" sz="1600" dirty="0">
-                <a:latin typeface="Times New Roman" panose="02020603050405020304" pitchFamily="18" charset="0"/>
-                <a:cs typeface="Times New Roman" panose="02020603050405020304" pitchFamily="18" charset="0"/>
-              </a:rPr>
-              <a:t>Output:</a:t>
-            </a:r>
-          </a:p>
-          <a:p>
-            <a:pPr marL="0" indent="0">
-              <a:buNone/>
-            </a:pPr>
-            <a:r>
-              <a:rPr lang="en-IN" sz="1600" dirty="0">
-                <a:latin typeface="Times New Roman" panose="02020603050405020304" pitchFamily="18" charset="0"/>
-                <a:cs typeface="Times New Roman" panose="02020603050405020304" pitchFamily="18" charset="0"/>
-              </a:rPr>
-              <a:t>It will add new value in languages Array</a:t>
-            </a:r>
+            <a:pPr marL="0" indent="0">
+              <a:buNone/>
+            </a:pPr>
+            <a:endParaRPr lang="en-US" sz="1800" b="0" i="0" dirty="0">
+              <a:solidFill>
+                <a:srgbClr val="181717"/>
+              </a:solidFill>
+              <a:effectLst/>
+              <a:latin typeface="Times New Roman" panose="02020603050405020304" pitchFamily="18" charset="0"/>
+              <a:cs typeface="Times New Roman" panose="02020603050405020304" pitchFamily="18" charset="0"/>
+            </a:endParaRPr>
+          </a:p>
+          <a:p>
+            <a:pPr marL="0" indent="0">
+              <a:buNone/>
+            </a:pPr>
+            <a:r>
+              <a:rPr lang="en-US" sz="1800" b="0" i="0" dirty="0">
+                <a:solidFill>
+                  <a:srgbClr val="181717"/>
+                </a:solidFill>
+                <a:effectLst/>
+                <a:latin typeface="Times New Roman" panose="02020603050405020304" pitchFamily="18" charset="0"/>
+                <a:cs typeface="Times New Roman" panose="02020603050405020304" pitchFamily="18" charset="0"/>
+              </a:rPr>
+              <a:t>If an HTTP request contains </a:t>
+            </a:r>
+            <a:r>
+              <a:rPr lang="en-US" sz="1800" b="0" i="0" dirty="0" err="1">
+                <a:solidFill>
+                  <a:srgbClr val="181717"/>
+                </a:solidFill>
+                <a:effectLst/>
+                <a:latin typeface="Times New Roman" panose="02020603050405020304" pitchFamily="18" charset="0"/>
+                <a:cs typeface="Times New Roman" panose="02020603050405020304" pitchFamily="18" charset="0"/>
+              </a:rPr>
+              <a:t>includeCustomer</a:t>
+            </a:r>
+            <a:r>
+              <a:rPr lang="en-US" sz="1800" b="0" i="0" dirty="0">
+                <a:solidFill>
+                  <a:srgbClr val="181717"/>
+                </a:solidFill>
+                <a:effectLst/>
+                <a:latin typeface="Times New Roman" panose="02020603050405020304" pitchFamily="18" charset="0"/>
+                <a:cs typeface="Times New Roman" panose="02020603050405020304" pitchFamily="18" charset="0"/>
+              </a:rPr>
+              <a:t> parameter in the query string with value true then it will return all depositors name and city otherwise it will return deposit information without depositor name and city</a:t>
+            </a:r>
+            <a:endParaRPr lang="en-IN" sz="1800" dirty="0">
+              <a:latin typeface="Times New Roman" panose="02020603050405020304" pitchFamily="18" charset="0"/>
+              <a:cs typeface="Times New Roman" panose="02020603050405020304" pitchFamily="18" charset="0"/>
+            </a:endParaRPr>
           </a:p>
         </p:txBody>
       </p:sp>
     </p:spTree>
     <p:extLst>
       <p:ext uri="{BB962C8B-B14F-4D97-AF65-F5344CB8AC3E}">
-        <p14:creationId xmlns:p14="http://schemas.microsoft.com/office/powerpoint/2010/main" val="2410005043"/>
+        <p14:creationId xmlns:p14="http://schemas.microsoft.com/office/powerpoint/2010/main" val="1164267246"/>
       </p:ext>
     </p:extLst>
   </p:cSld>
@@ -6877,6 +7498,791 @@
 </file>
 
 <file path=ppt/slides/slide12.xml><?xml version="1.0" encoding="utf-8"?>
+<p:sld xmlns:a="http://schemas.openxmlformats.org/drawingml/2006/main" xmlns:r="http://schemas.openxmlformats.org/officeDocument/2006/relationships" xmlns:p="http://schemas.openxmlformats.org/presentationml/2006/main">
+  <p:cSld>
+    <p:spTree>
+      <p:nvGrpSpPr>
+        <p:cNvPr id="1" name=""/>
+        <p:cNvGrpSpPr/>
+        <p:nvPr/>
+      </p:nvGrpSpPr>
+      <p:grpSpPr>
+        <a:xfrm>
+          <a:off x="0" y="0"/>
+          <a:ext cx="0" cy="0"/>
+          <a:chOff x="0" y="0"/>
+          <a:chExt cx="0" cy="0"/>
+        </a:xfrm>
+      </p:grpSpPr>
+      <p:sp>
+        <p:nvSpPr>
+          <p:cNvPr id="2" name="Title 1">
+            <a:extLst>
+              <a:ext uri="{FF2B5EF4-FFF2-40B4-BE49-F238E27FC236}">
+                <a16:creationId xmlns:a16="http://schemas.microsoft.com/office/drawing/2014/main" id="{A58E4FC5-4BD8-4D23-B48D-2D4B18B58D64}"/>
+              </a:ext>
+            </a:extLst>
+          </p:cNvPr>
+          <p:cNvSpPr>
+            <a:spLocks noGrp="1"/>
+          </p:cNvSpPr>
+          <p:nvPr>
+            <p:ph type="title"/>
+          </p:nvPr>
+        </p:nvSpPr>
+        <p:spPr>
+          <a:xfrm>
+            <a:off x="646111" y="452718"/>
+            <a:ext cx="9404723" cy="834544"/>
+          </a:xfrm>
+        </p:spPr>
+        <p:txBody>
+          <a:bodyPr/>
+          <a:lstStyle/>
+          <a:p>
+            <a:r>
+              <a:rPr lang="en-US" dirty="0"/>
+              <a:t>Binding Source Parameters</a:t>
+            </a:r>
+            <a:endParaRPr lang="en-IN" dirty="0"/>
+          </a:p>
+        </p:txBody>
+      </p:sp>
+      <p:sp>
+        <p:nvSpPr>
+          <p:cNvPr id="3" name="Content Placeholder 2">
+            <a:extLst>
+              <a:ext uri="{FF2B5EF4-FFF2-40B4-BE49-F238E27FC236}">
+                <a16:creationId xmlns:a16="http://schemas.microsoft.com/office/drawing/2014/main" id="{2EFE3C62-9EC7-453B-9742-AA4057B9EFFA}"/>
+              </a:ext>
+            </a:extLst>
+          </p:cNvPr>
+          <p:cNvSpPr>
+            <a:spLocks noGrp="1"/>
+          </p:cNvSpPr>
+          <p:nvPr>
+            <p:ph idx="1"/>
+          </p:nvPr>
+        </p:nvSpPr>
+        <p:spPr>
+          <a:xfrm>
+            <a:off x="1103312" y="1757779"/>
+            <a:ext cx="8946541" cy="4490620"/>
+          </a:xfrm>
+        </p:spPr>
+        <p:txBody>
+          <a:bodyPr/>
+          <a:lstStyle/>
+          <a:p>
+            <a:r>
+              <a:rPr lang="en-US" b="0" i="0" dirty="0">
+                <a:solidFill>
+                  <a:srgbClr val="171717"/>
+                </a:solidFill>
+                <a:effectLst/>
+                <a:latin typeface="Times New Roman" panose="02020603050405020304" pitchFamily="18" charset="0"/>
+                <a:cs typeface="Times New Roman" panose="02020603050405020304" pitchFamily="18" charset="0"/>
+              </a:rPr>
+              <a:t>A binding source attribute defines the location at which an action parameter's value is found. Some of the binding source attributes are:</a:t>
+            </a:r>
+          </a:p>
+          <a:p>
+            <a:endParaRPr lang="en-IN" dirty="0">
+              <a:latin typeface="Times New Roman" panose="02020603050405020304" pitchFamily="18" charset="0"/>
+              <a:cs typeface="Times New Roman" panose="02020603050405020304" pitchFamily="18" charset="0"/>
+            </a:endParaRPr>
+          </a:p>
+        </p:txBody>
+      </p:sp>
+      <p:graphicFrame>
+        <p:nvGraphicFramePr>
+          <p:cNvPr id="4" name="Table 3">
+            <a:extLst>
+              <a:ext uri="{FF2B5EF4-FFF2-40B4-BE49-F238E27FC236}">
+                <a16:creationId xmlns:a16="http://schemas.microsoft.com/office/drawing/2014/main" id="{BCF4CDEF-4DB6-458D-BA84-368F7A8093B7}"/>
+              </a:ext>
+            </a:extLst>
+          </p:cNvPr>
+          <p:cNvGraphicFramePr>
+            <a:graphicFrameLocks noGrp="1"/>
+          </p:cNvGraphicFramePr>
+          <p:nvPr>
+            <p:extLst>
+              <p:ext uri="{D42A27DB-BD31-4B8C-83A1-F6EECF244321}">
+                <p14:modId xmlns:p14="http://schemas.microsoft.com/office/powerpoint/2010/main" val="2817104400"/>
+              </p:ext>
+            </p:extLst>
+          </p:nvPr>
+        </p:nvGraphicFramePr>
+        <p:xfrm>
+          <a:off x="1722268" y="2752078"/>
+          <a:ext cx="7483876" cy="2889680"/>
+        </p:xfrm>
+        <a:graphic>
+          <a:graphicData uri="http://schemas.openxmlformats.org/drawingml/2006/table">
+            <a:tbl>
+              <a:tblPr/>
+              <a:tblGrid>
+                <a:gridCol w="3741938">
+                  <a:extLst>
+                    <a:ext uri="{9D8B030D-6E8A-4147-A177-3AD203B41FA5}">
+                      <a16:colId xmlns:a16="http://schemas.microsoft.com/office/drawing/2014/main" val="629815475"/>
+                    </a:ext>
+                  </a:extLst>
+                </a:gridCol>
+                <a:gridCol w="3741938">
+                  <a:extLst>
+                    <a:ext uri="{9D8B030D-6E8A-4147-A177-3AD203B41FA5}">
+                      <a16:colId xmlns:a16="http://schemas.microsoft.com/office/drawing/2014/main" val="1994188234"/>
+                    </a:ext>
+                  </a:extLst>
+                </a:gridCol>
+              </a:tblGrid>
+              <a:tr h="577936">
+                <a:tc>
+                  <a:txBody>
+                    <a:bodyPr/>
+                    <a:lstStyle/>
+                    <a:p>
+                      <a:pPr algn="l" fontAlgn="t"/>
+                      <a:r>
+                        <a:rPr lang="en-IN">
+                          <a:effectLst/>
+                        </a:rPr>
+                        <a:t>Attribute</a:t>
+                      </a:r>
+                    </a:p>
+                  </a:txBody>
+                  <a:tcPr>
+                    <a:lnL w="12700" cap="flat" cmpd="sng" algn="ctr">
+                      <a:solidFill>
+                        <a:srgbClr val="1092E8"/>
+                      </a:solidFill>
+                      <a:prstDash val="solid"/>
+                      <a:round/>
+                      <a:headEnd type="none" w="med" len="med"/>
+                      <a:tailEnd type="none" w="med" len="med"/>
+                    </a:lnL>
+                    <a:lnR w="12700" cap="flat" cmpd="sng" algn="ctr">
+                      <a:solidFill>
+                        <a:srgbClr val="D08FE8"/>
+                      </a:solidFill>
+                      <a:prstDash val="solid"/>
+                      <a:round/>
+                      <a:headEnd type="none" w="med" len="med"/>
+                      <a:tailEnd type="none" w="med" len="med"/>
+                    </a:lnR>
+                    <a:lnT>
+                      <a:noFill/>
+                    </a:lnT>
+                    <a:lnB w="9525" cap="flat" cmpd="sng" algn="ctr">
+                      <a:solidFill>
+                        <a:schemeClr val="bg1"/>
+                      </a:solidFill>
+                      <a:prstDash val="solid"/>
+                      <a:round/>
+                      <a:headEnd type="none" w="med" len="med"/>
+                      <a:tailEnd type="none" w="med" len="med"/>
+                    </a:lnB>
+                    <a:solidFill>
+                      <a:srgbClr val="FFFFFF"/>
+                    </a:solidFill>
+                  </a:tcPr>
+                </a:tc>
+                <a:tc>
+                  <a:txBody>
+                    <a:bodyPr/>
+                    <a:lstStyle/>
+                    <a:p>
+                      <a:pPr algn="l" fontAlgn="t"/>
+                      <a:r>
+                        <a:rPr lang="en-IN">
+                          <a:effectLst/>
+                        </a:rPr>
+                        <a:t>Binding source</a:t>
+                      </a:r>
+                    </a:p>
+                  </a:txBody>
+                  <a:tcPr>
+                    <a:lnL w="12700" cap="flat" cmpd="sng" algn="ctr">
+                      <a:solidFill>
+                        <a:srgbClr val="D08FE8"/>
+                      </a:solidFill>
+                      <a:prstDash val="solid"/>
+                      <a:round/>
+                      <a:headEnd type="none" w="med" len="med"/>
+                      <a:tailEnd type="none" w="med" len="med"/>
+                    </a:lnL>
+                    <a:lnR w="12700" cap="flat" cmpd="sng" algn="ctr">
+                      <a:solidFill>
+                        <a:srgbClr val="D08FE8"/>
+                      </a:solidFill>
+                      <a:prstDash val="solid"/>
+                      <a:round/>
+                      <a:headEnd type="none" w="med" len="med"/>
+                      <a:tailEnd type="none" w="med" len="med"/>
+                    </a:lnR>
+                    <a:lnT>
+                      <a:noFill/>
+                    </a:lnT>
+                    <a:lnB w="9525" cap="flat" cmpd="sng" algn="ctr">
+                      <a:solidFill>
+                        <a:schemeClr val="bg1"/>
+                      </a:solidFill>
+                      <a:prstDash val="solid"/>
+                      <a:round/>
+                      <a:headEnd type="none" w="med" len="med"/>
+                      <a:tailEnd type="none" w="med" len="med"/>
+                    </a:lnB>
+                    <a:solidFill>
+                      <a:srgbClr val="FFFFFF"/>
+                    </a:solidFill>
+                  </a:tcPr>
+                </a:tc>
+                <a:extLst>
+                  <a:ext uri="{0D108BD9-81ED-4DB2-BD59-A6C34878D82A}">
+                    <a16:rowId xmlns:a16="http://schemas.microsoft.com/office/drawing/2014/main" val="1059075703"/>
+                  </a:ext>
+                </a:extLst>
+              </a:tr>
+              <a:tr h="577936">
+                <a:tc>
+                  <a:txBody>
+                    <a:bodyPr/>
+                    <a:lstStyle/>
+                    <a:p>
+                      <a:pPr algn="l" fontAlgn="t"/>
+                      <a:r>
+                        <a:rPr lang="en-IN" u="none" strike="noStrike">
+                          <a:effectLst/>
+                          <a:hlinkClick r:id="rId2"/>
+                        </a:rPr>
+                        <a:t>[FromBody]</a:t>
+                      </a:r>
+                      <a:endParaRPr lang="en-IN">
+                        <a:effectLst/>
+                      </a:endParaRPr>
+                    </a:p>
+                  </a:txBody>
+                  <a:tcPr>
+                    <a:lnL w="9525" cap="flat" cmpd="sng" algn="ctr">
+                      <a:solidFill>
+                        <a:schemeClr val="bg1"/>
+                      </a:solidFill>
+                      <a:prstDash val="solid"/>
+                      <a:round/>
+                      <a:headEnd type="none" w="med" len="med"/>
+                      <a:tailEnd type="none" w="med" len="med"/>
+                    </a:lnL>
+                    <a:lnR w="9525" cap="flat" cmpd="sng" algn="ctr">
+                      <a:solidFill>
+                        <a:schemeClr val="bg1"/>
+                      </a:solidFill>
+                      <a:prstDash val="solid"/>
+                      <a:round/>
+                      <a:headEnd type="none" w="med" len="med"/>
+                      <a:tailEnd type="none" w="med" len="med"/>
+                    </a:lnR>
+                    <a:lnT w="9525" cap="flat" cmpd="sng" algn="ctr">
+                      <a:solidFill>
+                        <a:schemeClr val="bg1"/>
+                      </a:solidFill>
+                      <a:prstDash val="solid"/>
+                      <a:round/>
+                      <a:headEnd type="none" w="med" len="med"/>
+                      <a:tailEnd type="none" w="med" len="med"/>
+                    </a:lnT>
+                    <a:lnB w="9525" cap="flat" cmpd="sng" algn="ctr">
+                      <a:solidFill>
+                        <a:schemeClr val="bg1"/>
+                      </a:solidFill>
+                      <a:prstDash val="solid"/>
+                      <a:round/>
+                      <a:headEnd type="none" w="med" len="med"/>
+                      <a:tailEnd type="none" w="med" len="med"/>
+                    </a:lnB>
+                    <a:solidFill>
+                      <a:srgbClr val="FFFFFF"/>
+                    </a:solidFill>
+                  </a:tcPr>
+                </a:tc>
+                <a:tc>
+                  <a:txBody>
+                    <a:bodyPr/>
+                    <a:lstStyle/>
+                    <a:p>
+                      <a:pPr algn="l" fontAlgn="t"/>
+                      <a:r>
+                        <a:rPr lang="en-IN">
+                          <a:effectLst/>
+                        </a:rPr>
+                        <a:t>Request body</a:t>
+                      </a:r>
+                    </a:p>
+                  </a:txBody>
+                  <a:tcPr>
+                    <a:lnL w="9525" cap="flat" cmpd="sng" algn="ctr">
+                      <a:solidFill>
+                        <a:schemeClr val="bg1"/>
+                      </a:solidFill>
+                      <a:prstDash val="solid"/>
+                      <a:round/>
+                      <a:headEnd type="none" w="med" len="med"/>
+                      <a:tailEnd type="none" w="med" len="med"/>
+                    </a:lnL>
+                    <a:lnR w="9525" cap="flat" cmpd="sng" algn="ctr">
+                      <a:solidFill>
+                        <a:schemeClr val="bg1"/>
+                      </a:solidFill>
+                      <a:prstDash val="solid"/>
+                      <a:round/>
+                      <a:headEnd type="none" w="med" len="med"/>
+                      <a:tailEnd type="none" w="med" len="med"/>
+                    </a:lnR>
+                    <a:lnT w="9525" cap="flat" cmpd="sng" algn="ctr">
+                      <a:solidFill>
+                        <a:schemeClr val="bg1"/>
+                      </a:solidFill>
+                      <a:prstDash val="solid"/>
+                      <a:round/>
+                      <a:headEnd type="none" w="med" len="med"/>
+                      <a:tailEnd type="none" w="med" len="med"/>
+                    </a:lnT>
+                    <a:lnB w="9525" cap="flat" cmpd="sng" algn="ctr">
+                      <a:solidFill>
+                        <a:schemeClr val="bg1"/>
+                      </a:solidFill>
+                      <a:prstDash val="solid"/>
+                      <a:round/>
+                      <a:headEnd type="none" w="med" len="med"/>
+                      <a:tailEnd type="none" w="med" len="med"/>
+                    </a:lnB>
+                    <a:solidFill>
+                      <a:srgbClr val="FFFFFF"/>
+                    </a:solidFill>
+                  </a:tcPr>
+                </a:tc>
+                <a:extLst>
+                  <a:ext uri="{0D108BD9-81ED-4DB2-BD59-A6C34878D82A}">
+                    <a16:rowId xmlns:a16="http://schemas.microsoft.com/office/drawing/2014/main" val="2803792787"/>
+                  </a:ext>
+                </a:extLst>
+              </a:tr>
+              <a:tr h="577936">
+                <a:tc>
+                  <a:txBody>
+                    <a:bodyPr/>
+                    <a:lstStyle/>
+                    <a:p>
+                      <a:pPr algn="l" fontAlgn="t"/>
+                      <a:r>
+                        <a:rPr lang="en-IN" u="none" strike="noStrike" dirty="0">
+                          <a:effectLst/>
+                          <a:hlinkClick r:id="rId3"/>
+                        </a:rPr>
+                        <a:t>[</a:t>
+                      </a:r>
+                      <a:r>
+                        <a:rPr lang="en-IN" u="none" strike="noStrike" dirty="0" err="1">
+                          <a:effectLst/>
+                          <a:hlinkClick r:id="rId3"/>
+                        </a:rPr>
+                        <a:t>FromForm</a:t>
+                      </a:r>
+                      <a:r>
+                        <a:rPr lang="en-IN" u="none" strike="noStrike" dirty="0">
+                          <a:effectLst/>
+                          <a:hlinkClick r:id="rId3"/>
+                        </a:rPr>
+                        <a:t>]</a:t>
+                      </a:r>
+                      <a:endParaRPr lang="en-IN" dirty="0">
+                        <a:effectLst/>
+                      </a:endParaRPr>
+                    </a:p>
+                  </a:txBody>
+                  <a:tcPr>
+                    <a:lnL w="9525" cap="flat" cmpd="sng" algn="ctr">
+                      <a:solidFill>
+                        <a:schemeClr val="bg1"/>
+                      </a:solidFill>
+                      <a:prstDash val="solid"/>
+                      <a:round/>
+                      <a:headEnd type="none" w="med" len="med"/>
+                      <a:tailEnd type="none" w="med" len="med"/>
+                    </a:lnL>
+                    <a:lnR w="9525" cap="flat" cmpd="sng" algn="ctr">
+                      <a:solidFill>
+                        <a:schemeClr val="bg1"/>
+                      </a:solidFill>
+                      <a:prstDash val="solid"/>
+                      <a:round/>
+                      <a:headEnd type="none" w="med" len="med"/>
+                      <a:tailEnd type="none" w="med" len="med"/>
+                    </a:lnR>
+                    <a:lnT w="9525" cap="flat" cmpd="sng" algn="ctr">
+                      <a:solidFill>
+                        <a:schemeClr val="bg1"/>
+                      </a:solidFill>
+                      <a:prstDash val="solid"/>
+                      <a:round/>
+                      <a:headEnd type="none" w="med" len="med"/>
+                      <a:tailEnd type="none" w="med" len="med"/>
+                    </a:lnT>
+                    <a:lnB w="9525" cap="flat" cmpd="sng" algn="ctr">
+                      <a:solidFill>
+                        <a:schemeClr val="bg1"/>
+                      </a:solidFill>
+                      <a:prstDash val="solid"/>
+                      <a:round/>
+                      <a:headEnd type="none" w="med" len="med"/>
+                      <a:tailEnd type="none" w="med" len="med"/>
+                    </a:lnB>
+                    <a:solidFill>
+                      <a:srgbClr val="FFFFFF"/>
+                    </a:solidFill>
+                  </a:tcPr>
+                </a:tc>
+                <a:tc>
+                  <a:txBody>
+                    <a:bodyPr/>
+                    <a:lstStyle/>
+                    <a:p>
+                      <a:pPr algn="l" fontAlgn="t"/>
+                      <a:r>
+                        <a:rPr lang="en-US">
+                          <a:effectLst/>
+                        </a:rPr>
+                        <a:t>Form data in the request body</a:t>
+                      </a:r>
+                    </a:p>
+                  </a:txBody>
+                  <a:tcPr>
+                    <a:lnL w="9525" cap="flat" cmpd="sng" algn="ctr">
+                      <a:solidFill>
+                        <a:schemeClr val="bg1"/>
+                      </a:solidFill>
+                      <a:prstDash val="solid"/>
+                      <a:round/>
+                      <a:headEnd type="none" w="med" len="med"/>
+                      <a:tailEnd type="none" w="med" len="med"/>
+                    </a:lnL>
+                    <a:lnR w="9525" cap="flat" cmpd="sng" algn="ctr">
+                      <a:solidFill>
+                        <a:schemeClr val="bg1"/>
+                      </a:solidFill>
+                      <a:prstDash val="solid"/>
+                      <a:round/>
+                      <a:headEnd type="none" w="med" len="med"/>
+                      <a:tailEnd type="none" w="med" len="med"/>
+                    </a:lnR>
+                    <a:lnT w="9525" cap="flat" cmpd="sng" algn="ctr">
+                      <a:solidFill>
+                        <a:schemeClr val="bg1"/>
+                      </a:solidFill>
+                      <a:prstDash val="solid"/>
+                      <a:round/>
+                      <a:headEnd type="none" w="med" len="med"/>
+                      <a:tailEnd type="none" w="med" len="med"/>
+                    </a:lnT>
+                    <a:lnB w="9525" cap="flat" cmpd="sng" algn="ctr">
+                      <a:solidFill>
+                        <a:schemeClr val="bg1"/>
+                      </a:solidFill>
+                      <a:prstDash val="solid"/>
+                      <a:round/>
+                      <a:headEnd type="none" w="med" len="med"/>
+                      <a:tailEnd type="none" w="med" len="med"/>
+                    </a:lnB>
+                    <a:solidFill>
+                      <a:srgbClr val="FFFFFF"/>
+                    </a:solidFill>
+                  </a:tcPr>
+                </a:tc>
+                <a:extLst>
+                  <a:ext uri="{0D108BD9-81ED-4DB2-BD59-A6C34878D82A}">
+                    <a16:rowId xmlns:a16="http://schemas.microsoft.com/office/drawing/2014/main" val="1393033322"/>
+                  </a:ext>
+                </a:extLst>
+              </a:tr>
+              <a:tr h="577936">
+                <a:tc>
+                  <a:txBody>
+                    <a:bodyPr/>
+                    <a:lstStyle/>
+                    <a:p>
+                      <a:pPr algn="l" fontAlgn="t"/>
+                      <a:r>
+                        <a:rPr lang="en-IN" u="none" strike="noStrike">
+                          <a:effectLst/>
+                          <a:hlinkClick r:id="rId4"/>
+                        </a:rPr>
+                        <a:t>[FromHeader]</a:t>
+                      </a:r>
+                      <a:endParaRPr lang="en-IN">
+                        <a:effectLst/>
+                      </a:endParaRPr>
+                    </a:p>
+                  </a:txBody>
+                  <a:tcPr>
+                    <a:lnL w="9525" cap="flat" cmpd="sng" algn="ctr">
+                      <a:solidFill>
+                        <a:schemeClr val="bg1"/>
+                      </a:solidFill>
+                      <a:prstDash val="solid"/>
+                      <a:round/>
+                      <a:headEnd type="none" w="med" len="med"/>
+                      <a:tailEnd type="none" w="med" len="med"/>
+                    </a:lnL>
+                    <a:lnR w="9525" cap="flat" cmpd="sng" algn="ctr">
+                      <a:solidFill>
+                        <a:schemeClr val="bg1"/>
+                      </a:solidFill>
+                      <a:prstDash val="solid"/>
+                      <a:round/>
+                      <a:headEnd type="none" w="med" len="med"/>
+                      <a:tailEnd type="none" w="med" len="med"/>
+                    </a:lnR>
+                    <a:lnT w="9525" cap="flat" cmpd="sng" algn="ctr">
+                      <a:solidFill>
+                        <a:schemeClr val="bg1"/>
+                      </a:solidFill>
+                      <a:prstDash val="solid"/>
+                      <a:round/>
+                      <a:headEnd type="none" w="med" len="med"/>
+                      <a:tailEnd type="none" w="med" len="med"/>
+                    </a:lnT>
+                    <a:lnB w="9525" cap="flat" cmpd="sng" algn="ctr">
+                      <a:solidFill>
+                        <a:schemeClr val="bg1"/>
+                      </a:solidFill>
+                      <a:prstDash val="solid"/>
+                      <a:round/>
+                      <a:headEnd type="none" w="med" len="med"/>
+                      <a:tailEnd type="none" w="med" len="med"/>
+                    </a:lnB>
+                    <a:solidFill>
+                      <a:srgbClr val="FFFFFF"/>
+                    </a:solidFill>
+                  </a:tcPr>
+                </a:tc>
+                <a:tc>
+                  <a:txBody>
+                    <a:bodyPr/>
+                    <a:lstStyle/>
+                    <a:p>
+                      <a:pPr algn="l" fontAlgn="t"/>
+                      <a:r>
+                        <a:rPr lang="en-IN">
+                          <a:effectLst/>
+                        </a:rPr>
+                        <a:t>Request header</a:t>
+                      </a:r>
+                    </a:p>
+                  </a:txBody>
+                  <a:tcPr>
+                    <a:lnL w="9525" cap="flat" cmpd="sng" algn="ctr">
+                      <a:solidFill>
+                        <a:schemeClr val="bg1"/>
+                      </a:solidFill>
+                      <a:prstDash val="solid"/>
+                      <a:round/>
+                      <a:headEnd type="none" w="med" len="med"/>
+                      <a:tailEnd type="none" w="med" len="med"/>
+                    </a:lnL>
+                    <a:lnR w="9525" cap="flat" cmpd="sng" algn="ctr">
+                      <a:solidFill>
+                        <a:schemeClr val="bg1"/>
+                      </a:solidFill>
+                      <a:prstDash val="solid"/>
+                      <a:round/>
+                      <a:headEnd type="none" w="med" len="med"/>
+                      <a:tailEnd type="none" w="med" len="med"/>
+                    </a:lnR>
+                    <a:lnT w="9525" cap="flat" cmpd="sng" algn="ctr">
+                      <a:solidFill>
+                        <a:schemeClr val="bg1"/>
+                      </a:solidFill>
+                      <a:prstDash val="solid"/>
+                      <a:round/>
+                      <a:headEnd type="none" w="med" len="med"/>
+                      <a:tailEnd type="none" w="med" len="med"/>
+                    </a:lnT>
+                    <a:lnB w="9525" cap="flat" cmpd="sng" algn="ctr">
+                      <a:solidFill>
+                        <a:schemeClr val="bg1"/>
+                      </a:solidFill>
+                      <a:prstDash val="solid"/>
+                      <a:round/>
+                      <a:headEnd type="none" w="med" len="med"/>
+                      <a:tailEnd type="none" w="med" len="med"/>
+                    </a:lnB>
+                    <a:solidFill>
+                      <a:srgbClr val="FFFFFF"/>
+                    </a:solidFill>
+                  </a:tcPr>
+                </a:tc>
+                <a:extLst>
+                  <a:ext uri="{0D108BD9-81ED-4DB2-BD59-A6C34878D82A}">
+                    <a16:rowId xmlns:a16="http://schemas.microsoft.com/office/drawing/2014/main" val="3549816282"/>
+                  </a:ext>
+                </a:extLst>
+              </a:tr>
+              <a:tr h="577936">
+                <a:tc>
+                  <a:txBody>
+                    <a:bodyPr/>
+                    <a:lstStyle/>
+                    <a:p>
+                      <a:pPr algn="l" fontAlgn="t"/>
+                      <a:r>
+                        <a:rPr lang="en-IN" u="none" strike="noStrike" dirty="0">
+                          <a:effectLst/>
+                          <a:hlinkClick r:id="rId5"/>
+                        </a:rPr>
+                        <a:t>[</a:t>
+                      </a:r>
+                      <a:r>
+                        <a:rPr lang="en-IN" u="none" strike="noStrike" dirty="0" err="1">
+                          <a:effectLst/>
+                          <a:hlinkClick r:id="rId5"/>
+                        </a:rPr>
+                        <a:t>FromQuery</a:t>
+                      </a:r>
+                      <a:r>
+                        <a:rPr lang="en-IN" u="none" strike="noStrike" dirty="0">
+                          <a:effectLst/>
+                          <a:hlinkClick r:id="rId5"/>
+                        </a:rPr>
+                        <a:t>]</a:t>
+                      </a:r>
+                      <a:endParaRPr lang="en-IN" dirty="0">
+                        <a:effectLst/>
+                      </a:endParaRPr>
+                    </a:p>
+                  </a:txBody>
+                  <a:tcPr>
+                    <a:lnL w="9525" cap="flat" cmpd="sng" algn="ctr">
+                      <a:solidFill>
+                        <a:schemeClr val="bg1"/>
+                      </a:solidFill>
+                      <a:prstDash val="solid"/>
+                      <a:round/>
+                      <a:headEnd type="none" w="med" len="med"/>
+                      <a:tailEnd type="none" w="med" len="med"/>
+                    </a:lnL>
+                    <a:lnR w="9525" cap="flat" cmpd="sng" algn="ctr">
+                      <a:solidFill>
+                        <a:schemeClr val="bg1"/>
+                      </a:solidFill>
+                      <a:prstDash val="solid"/>
+                      <a:round/>
+                      <a:headEnd type="none" w="med" len="med"/>
+                      <a:tailEnd type="none" w="med" len="med"/>
+                    </a:lnR>
+                    <a:lnT w="9525" cap="flat" cmpd="sng" algn="ctr">
+                      <a:solidFill>
+                        <a:schemeClr val="bg1"/>
+                      </a:solidFill>
+                      <a:prstDash val="solid"/>
+                      <a:round/>
+                      <a:headEnd type="none" w="med" len="med"/>
+                      <a:tailEnd type="none" w="med" len="med"/>
+                    </a:lnT>
+                    <a:lnB w="9525" cap="flat" cmpd="sng" algn="ctr">
+                      <a:solidFill>
+                        <a:schemeClr val="bg1"/>
+                      </a:solidFill>
+                      <a:prstDash val="solid"/>
+                      <a:round/>
+                      <a:headEnd type="none" w="med" len="med"/>
+                      <a:tailEnd type="none" w="med" len="med"/>
+                    </a:lnB>
+                    <a:solidFill>
+                      <a:srgbClr val="FFFFFF"/>
+                    </a:solidFill>
+                  </a:tcPr>
+                </a:tc>
+                <a:tc>
+                  <a:txBody>
+                    <a:bodyPr/>
+                    <a:lstStyle/>
+                    <a:p>
+                      <a:pPr algn="l" fontAlgn="t"/>
+                      <a:r>
+                        <a:rPr lang="en-IN" dirty="0">
+                          <a:effectLst/>
+                        </a:rPr>
+                        <a:t>Request query string parameter</a:t>
+                      </a:r>
+                    </a:p>
+                  </a:txBody>
+                  <a:tcPr>
+                    <a:lnL w="9525" cap="flat" cmpd="sng" algn="ctr">
+                      <a:solidFill>
+                        <a:schemeClr val="bg1"/>
+                      </a:solidFill>
+                      <a:prstDash val="solid"/>
+                      <a:round/>
+                      <a:headEnd type="none" w="med" len="med"/>
+                      <a:tailEnd type="none" w="med" len="med"/>
+                    </a:lnL>
+                    <a:lnR w="9525" cap="flat" cmpd="sng" algn="ctr">
+                      <a:solidFill>
+                        <a:schemeClr val="bg1"/>
+                      </a:solidFill>
+                      <a:prstDash val="solid"/>
+                      <a:round/>
+                      <a:headEnd type="none" w="med" len="med"/>
+                      <a:tailEnd type="none" w="med" len="med"/>
+                    </a:lnR>
+                    <a:lnT w="9525" cap="flat" cmpd="sng" algn="ctr">
+                      <a:solidFill>
+                        <a:schemeClr val="bg1"/>
+                      </a:solidFill>
+                      <a:prstDash val="solid"/>
+                      <a:round/>
+                      <a:headEnd type="none" w="med" len="med"/>
+                      <a:tailEnd type="none" w="med" len="med"/>
+                    </a:lnT>
+                    <a:lnB w="9525" cap="flat" cmpd="sng" algn="ctr">
+                      <a:solidFill>
+                        <a:schemeClr val="bg1"/>
+                      </a:solidFill>
+                      <a:prstDash val="solid"/>
+                      <a:round/>
+                      <a:headEnd type="none" w="med" len="med"/>
+                      <a:tailEnd type="none" w="med" len="med"/>
+                    </a:lnB>
+                    <a:solidFill>
+                      <a:srgbClr val="FFFFFF"/>
+                    </a:solidFill>
+                  </a:tcPr>
+                </a:tc>
+                <a:extLst>
+                  <a:ext uri="{0D108BD9-81ED-4DB2-BD59-A6C34878D82A}">
+                    <a16:rowId xmlns:a16="http://schemas.microsoft.com/office/drawing/2014/main" val="3311519531"/>
+                  </a:ext>
+                </a:extLst>
+              </a:tr>
+            </a:tbl>
+          </a:graphicData>
+        </a:graphic>
+      </p:graphicFrame>
+    </p:spTree>
+    <p:extLst>
+      <p:ext uri="{BB962C8B-B14F-4D97-AF65-F5344CB8AC3E}">
+        <p14:creationId xmlns:p14="http://schemas.microsoft.com/office/powerpoint/2010/main" val="1858788120"/>
+      </p:ext>
+    </p:extLst>
+  </p:cSld>
+  <p:clrMapOvr>
+    <a:masterClrMapping/>
+  </p:clrMapOvr>
+</p:sld>
+</file>
+
+<file path=ppt/slides/slide13.xml><?xml version="1.0" encoding="utf-8"?>
 <p:sld xmlns:a="http://schemas.openxmlformats.org/drawingml/2006/main" xmlns:r="http://schemas.openxmlformats.org/officeDocument/2006/relationships" xmlns:p="http://schemas.openxmlformats.org/presentationml/2006/main">
   <p:cSld>
     <p:spTree>
@@ -6947,26 +8353,9 @@
         </p:spPr>
         <p:txBody>
           <a:bodyPr>
-            <a:normAutofit lnSpcReduction="10000"/>
+            <a:normAutofit/>
           </a:bodyPr>
           <a:lstStyle/>
-          <a:p>
-            <a:r>
-              <a:rPr lang="en-US" sz="1800" b="0" i="0" dirty="0">
-                <a:solidFill>
-                  <a:srgbClr val="181717"/>
-                </a:solidFill>
-                <a:effectLst/>
-                <a:latin typeface="Times New Roman" panose="02020603050405020304" pitchFamily="18" charset="0"/>
-                <a:cs typeface="Times New Roman" panose="02020603050405020304" pitchFamily="18" charset="0"/>
-              </a:rPr>
-              <a:t>Web API binds action method parameters either with URL's query string or with request body depending on the parameter type.</a:t>
-            </a:r>
-            <a:endParaRPr lang="en-IN" sz="1800" dirty="0">
-              <a:latin typeface="Times New Roman" panose="02020603050405020304" pitchFamily="18" charset="0"/>
-              <a:cs typeface="Times New Roman" panose="02020603050405020304" pitchFamily="18" charset="0"/>
-            </a:endParaRPr>
-          </a:p>
           <a:p>
             <a:r>
               <a:rPr lang="en-IN" sz="1800" dirty="0">
@@ -7146,7 +8535,7 @@
                 <a:latin typeface="Times New Roman" panose="02020603050405020304" pitchFamily="18" charset="0"/>
                 <a:cs typeface="Times New Roman" panose="02020603050405020304" pitchFamily="18" charset="0"/>
               </a:rPr>
-              <a:t>FromUri</a:t>
+              <a:t>FromQuery</a:t>
             </a:r>
             <a:r>
               <a:rPr lang="en-US" sz="1600" b="0" i="0" dirty="0">
@@ -7221,14 +8610,14 @@
           <p:nvPr>
             <p:extLst>
               <p:ext uri="{D42A27DB-BD31-4B8C-83A1-F6EECF244321}">
-                <p14:modId xmlns:p14="http://schemas.microsoft.com/office/powerpoint/2010/main" val="3614394477"/>
+                <p14:modId xmlns:p14="http://schemas.microsoft.com/office/powerpoint/2010/main" val="2157452710"/>
               </p:ext>
             </p:extLst>
           </p:nvPr>
         </p:nvGraphicFramePr>
         <p:xfrm>
-          <a:off x="2413064" y="2396971"/>
-          <a:ext cx="6327648" cy="2377440"/>
+          <a:off x="2413064" y="2121763"/>
+          <a:ext cx="6327648" cy="2432482"/>
         </p:xfrm>
         <a:graphic>
           <a:graphicData uri="http://schemas.openxmlformats.org/drawingml/2006/table">
@@ -7257,7 +8646,7 @@
                   </a:extLst>
                 </a:gridCol>
               </a:tblGrid>
-              <a:tr h="364667">
+              <a:tr h="374228">
                 <a:tc>
                   <a:txBody>
                     <a:bodyPr/>
@@ -7441,7 +8830,7 @@
                   </a:ext>
                 </a:extLst>
               </a:tr>
-              <a:tr h="638168">
+              <a:tr h="654899">
                 <a:tc>
                   <a:txBody>
                     <a:bodyPr/>
@@ -7642,7 +9031,7 @@
                   </a:ext>
                 </a:extLst>
               </a:tr>
-              <a:tr h="364667">
+              <a:tr h="374228">
                 <a:tc>
                   <a:txBody>
                     <a:bodyPr/>
@@ -7826,7 +9215,7 @@
                   </a:ext>
                 </a:extLst>
               </a:tr>
-              <a:tr h="364667">
+              <a:tr h="374228">
                 <a:tc>
                   <a:txBody>
                     <a:bodyPr/>
@@ -8010,7 +9399,7 @@
                   </a:ext>
                 </a:extLst>
               </a:tr>
-              <a:tr h="638168">
+              <a:tr h="654899">
                 <a:tc>
                   <a:txBody>
                     <a:bodyPr/>
@@ -8228,7 +9617,374 @@
 </p:sld>
 </file>
 
-<file path=ppt/slides/slide13.xml><?xml version="1.0" encoding="utf-8"?>
+<file path=ppt/slides/slide14.xml><?xml version="1.0" encoding="utf-8"?>
+<p:sld xmlns:a="http://schemas.openxmlformats.org/drawingml/2006/main" xmlns:r="http://schemas.openxmlformats.org/officeDocument/2006/relationships" xmlns:p="http://schemas.openxmlformats.org/presentationml/2006/main">
+  <p:cSld>
+    <p:spTree>
+      <p:nvGrpSpPr>
+        <p:cNvPr id="1" name=""/>
+        <p:cNvGrpSpPr/>
+        <p:nvPr/>
+      </p:nvGrpSpPr>
+      <p:grpSpPr>
+        <a:xfrm>
+          <a:off x="0" y="0"/>
+          <a:ext cx="0" cy="0"/>
+          <a:chOff x="0" y="0"/>
+          <a:chExt cx="0" cy="0"/>
+        </a:xfrm>
+      </p:grpSpPr>
+      <p:sp>
+        <p:nvSpPr>
+          <p:cNvPr id="2" name="Title 1">
+            <a:extLst>
+              <a:ext uri="{FF2B5EF4-FFF2-40B4-BE49-F238E27FC236}">
+                <a16:creationId xmlns:a16="http://schemas.microsoft.com/office/drawing/2014/main" id="{FA928D7E-0C3B-48F7-BAD7-ABC81851601C}"/>
+              </a:ext>
+            </a:extLst>
+          </p:cNvPr>
+          <p:cNvSpPr>
+            <a:spLocks noGrp="1"/>
+          </p:cNvSpPr>
+          <p:nvPr>
+            <p:ph type="title"/>
+          </p:nvPr>
+        </p:nvSpPr>
+        <p:spPr>
+          <a:xfrm>
+            <a:off x="646111" y="452718"/>
+            <a:ext cx="9404723" cy="728012"/>
+          </a:xfrm>
+        </p:spPr>
+        <p:txBody>
+          <a:bodyPr/>
+          <a:lstStyle/>
+          <a:p>
+            <a:r>
+              <a:rPr lang="en-US" dirty="0" err="1"/>
+              <a:t>HttpPost</a:t>
+            </a:r>
+            <a:endParaRPr lang="en-IN" dirty="0"/>
+          </a:p>
+        </p:txBody>
+      </p:sp>
+      <p:sp>
+        <p:nvSpPr>
+          <p:cNvPr id="3" name="Content Placeholder 2">
+            <a:extLst>
+              <a:ext uri="{FF2B5EF4-FFF2-40B4-BE49-F238E27FC236}">
+                <a16:creationId xmlns:a16="http://schemas.microsoft.com/office/drawing/2014/main" id="{30AFA9CF-8AB9-4629-AAFF-12AE1CA7D5EF}"/>
+              </a:ext>
+            </a:extLst>
+          </p:cNvPr>
+          <p:cNvSpPr>
+            <a:spLocks noGrp="1"/>
+          </p:cNvSpPr>
+          <p:nvPr>
+            <p:ph idx="1"/>
+          </p:nvPr>
+        </p:nvSpPr>
+        <p:spPr>
+          <a:xfrm>
+            <a:off x="1103312" y="1180730"/>
+            <a:ext cx="8946541" cy="5067669"/>
+          </a:xfrm>
+        </p:spPr>
+        <p:txBody>
+          <a:bodyPr/>
+          <a:lstStyle/>
+          <a:p>
+            <a:r>
+              <a:rPr lang="en-US" sz="1600" dirty="0">
+                <a:latin typeface="Times New Roman" panose="02020603050405020304" pitchFamily="18" charset="0"/>
+                <a:cs typeface="Times New Roman" panose="02020603050405020304" pitchFamily="18" charset="0"/>
+              </a:rPr>
+              <a:t>In Controller,</a:t>
+            </a:r>
+            <a:r>
+              <a:rPr lang="en-US" sz="1600" dirty="0"/>
+              <a:t> </a:t>
+            </a:r>
+            <a:r>
+              <a:rPr lang="en-US" sz="1600" dirty="0">
+                <a:solidFill>
+                  <a:srgbClr val="181717"/>
+                </a:solidFill>
+                <a:latin typeface="Times New Roman" panose="02020603050405020304" pitchFamily="18" charset="0"/>
+                <a:cs typeface="Times New Roman" panose="02020603050405020304" pitchFamily="18" charset="0"/>
+              </a:rPr>
+              <a:t>Post</a:t>
+            </a:r>
+            <a:r>
+              <a:rPr lang="en-US" sz="1600" b="0" i="0" dirty="0">
+                <a:solidFill>
+                  <a:srgbClr val="181717"/>
+                </a:solidFill>
+                <a:effectLst/>
+                <a:latin typeface="Times New Roman" panose="02020603050405020304" pitchFamily="18" charset="0"/>
+                <a:cs typeface="Times New Roman" panose="02020603050405020304" pitchFamily="18" charset="0"/>
+              </a:rPr>
+              <a:t>() method will handle HTTP POST request</a:t>
+            </a:r>
+          </a:p>
+          <a:p>
+            <a:r>
+              <a:rPr lang="en-US" sz="1600" dirty="0">
+                <a:solidFill>
+                  <a:srgbClr val="181717"/>
+                </a:solidFill>
+                <a:latin typeface="Times New Roman" panose="02020603050405020304" pitchFamily="18" charset="0"/>
+                <a:cs typeface="Times New Roman" panose="02020603050405020304" pitchFamily="18" charset="0"/>
+              </a:rPr>
+              <a:t>It will create new record in the data source</a:t>
+            </a:r>
+          </a:p>
+          <a:p>
+            <a:r>
+              <a:rPr lang="en-US" sz="1600" dirty="0">
+                <a:solidFill>
+                  <a:srgbClr val="181717"/>
+                </a:solidFill>
+                <a:latin typeface="Times New Roman" panose="02020603050405020304" pitchFamily="18" charset="0"/>
+                <a:cs typeface="Times New Roman" panose="02020603050405020304" pitchFamily="18" charset="0"/>
+              </a:rPr>
+              <a:t>Method name should start with Post</a:t>
+            </a:r>
+          </a:p>
+          <a:p>
+            <a:r>
+              <a:rPr lang="en-US" sz="1600" dirty="0">
+                <a:solidFill>
+                  <a:srgbClr val="181717"/>
+                </a:solidFill>
+                <a:latin typeface="Times New Roman" panose="02020603050405020304" pitchFamily="18" charset="0"/>
+                <a:cs typeface="Times New Roman" panose="02020603050405020304" pitchFamily="18" charset="0"/>
+              </a:rPr>
+              <a:t>For Ex:</a:t>
+            </a:r>
+          </a:p>
+          <a:p>
+            <a:pPr marL="0" indent="0">
+              <a:buNone/>
+            </a:pPr>
+            <a:r>
+              <a:rPr lang="en-IN" sz="1400" dirty="0">
+                <a:solidFill>
+                  <a:srgbClr val="000000"/>
+                </a:solidFill>
+                <a:latin typeface="Consolas" panose="020B0609020204030204" pitchFamily="49" charset="0"/>
+              </a:rPr>
+              <a:t>[</a:t>
+            </a:r>
+            <a:r>
+              <a:rPr lang="en-IN" sz="1400" dirty="0" err="1">
+                <a:solidFill>
+                  <a:srgbClr val="000000"/>
+                </a:solidFill>
+                <a:latin typeface="Consolas" panose="020B0609020204030204" pitchFamily="49" charset="0"/>
+              </a:rPr>
+              <a:t>HttpPost</a:t>
+            </a:r>
+            <a:r>
+              <a:rPr lang="en-IN" sz="1400" dirty="0">
+                <a:solidFill>
+                  <a:srgbClr val="000000"/>
+                </a:solidFill>
+                <a:latin typeface="Consolas" panose="020B0609020204030204" pitchFamily="49" charset="0"/>
+              </a:rPr>
+              <a:t>]</a:t>
+            </a:r>
+          </a:p>
+          <a:p>
+            <a:pPr marL="0" indent="0">
+              <a:buNone/>
+            </a:pPr>
+            <a:r>
+              <a:rPr lang="en-US" sz="1400" dirty="0">
+                <a:solidFill>
+                  <a:srgbClr val="000000"/>
+                </a:solidFill>
+                <a:latin typeface="Consolas" panose="020B0609020204030204" pitchFamily="49" charset="0"/>
+              </a:rPr>
+              <a:t>        </a:t>
+            </a:r>
+            <a:r>
+              <a:rPr lang="en-US" sz="1400" dirty="0">
+                <a:solidFill>
+                  <a:srgbClr val="0000FF"/>
+                </a:solidFill>
+                <a:latin typeface="Consolas" panose="020B0609020204030204" pitchFamily="49" charset="0"/>
+              </a:rPr>
+              <a:t>public</a:t>
+            </a:r>
+            <a:r>
+              <a:rPr lang="en-US" sz="1400" dirty="0">
+                <a:solidFill>
+                  <a:srgbClr val="000000"/>
+                </a:solidFill>
+                <a:latin typeface="Consolas" panose="020B0609020204030204" pitchFamily="49" charset="0"/>
+              </a:rPr>
+              <a:t> </a:t>
+            </a:r>
+            <a:r>
+              <a:rPr lang="en-US" sz="1400" dirty="0">
+                <a:solidFill>
+                  <a:srgbClr val="0000FF"/>
+                </a:solidFill>
+                <a:latin typeface="Consolas" panose="020B0609020204030204" pitchFamily="49" charset="0"/>
+              </a:rPr>
+              <a:t>void</a:t>
+            </a:r>
+            <a:r>
+              <a:rPr lang="en-US" sz="1400" dirty="0">
+                <a:solidFill>
+                  <a:srgbClr val="000000"/>
+                </a:solidFill>
+                <a:latin typeface="Consolas" panose="020B0609020204030204" pitchFamily="49" charset="0"/>
+              </a:rPr>
+              <a:t> Post([</a:t>
+            </a:r>
+            <a:r>
+              <a:rPr lang="en-US" sz="1400" dirty="0" err="1">
+                <a:solidFill>
+                  <a:srgbClr val="000000"/>
+                </a:solidFill>
+                <a:latin typeface="Consolas" panose="020B0609020204030204" pitchFamily="49" charset="0"/>
+              </a:rPr>
+              <a:t>FromBody</a:t>
+            </a:r>
+            <a:r>
+              <a:rPr lang="en-US" sz="1400" dirty="0">
+                <a:solidFill>
+                  <a:srgbClr val="000000"/>
+                </a:solidFill>
+                <a:latin typeface="Consolas" panose="020B0609020204030204" pitchFamily="49" charset="0"/>
+              </a:rPr>
+              <a:t>] </a:t>
+            </a:r>
+            <a:r>
+              <a:rPr lang="en-US" sz="1400" dirty="0">
+                <a:solidFill>
+                  <a:srgbClr val="0000FF"/>
+                </a:solidFill>
+                <a:latin typeface="Consolas" panose="020B0609020204030204" pitchFamily="49" charset="0"/>
+              </a:rPr>
+              <a:t>string</a:t>
+            </a:r>
+            <a:r>
+              <a:rPr lang="en-US" sz="1400" dirty="0">
+                <a:solidFill>
+                  <a:srgbClr val="000000"/>
+                </a:solidFill>
+                <a:latin typeface="Consolas" panose="020B0609020204030204" pitchFamily="49" charset="0"/>
+              </a:rPr>
+              <a:t> value)</a:t>
+            </a:r>
+          </a:p>
+          <a:p>
+            <a:pPr marL="0" indent="0">
+              <a:buNone/>
+            </a:pPr>
+            <a:r>
+              <a:rPr lang="en-IN" sz="1400" dirty="0">
+                <a:solidFill>
+                  <a:srgbClr val="000000"/>
+                </a:solidFill>
+                <a:latin typeface="Consolas" panose="020B0609020204030204" pitchFamily="49" charset="0"/>
+              </a:rPr>
+              <a:t>        {</a:t>
+            </a:r>
+          </a:p>
+          <a:p>
+            <a:pPr marL="0" indent="0">
+              <a:buNone/>
+            </a:pPr>
+            <a:r>
+              <a:rPr lang="en-IN" sz="1400" dirty="0">
+                <a:solidFill>
+                  <a:srgbClr val="000000"/>
+                </a:solidFill>
+                <a:latin typeface="Consolas" panose="020B0609020204030204" pitchFamily="49" charset="0"/>
+              </a:rPr>
+              <a:t>            </a:t>
+            </a:r>
+            <a:r>
+              <a:rPr lang="en-IN" sz="1400" dirty="0" err="1">
+                <a:solidFill>
+                  <a:srgbClr val="000000"/>
+                </a:solidFill>
+                <a:latin typeface="Consolas" panose="020B0609020204030204" pitchFamily="49" charset="0"/>
+              </a:rPr>
+              <a:t>languages.Add</a:t>
+            </a:r>
+            <a:r>
+              <a:rPr lang="en-IN" sz="1400" dirty="0">
+                <a:solidFill>
+                  <a:srgbClr val="000000"/>
+                </a:solidFill>
+                <a:latin typeface="Consolas" panose="020B0609020204030204" pitchFamily="49" charset="0"/>
+              </a:rPr>
+              <a:t>(value);</a:t>
+            </a:r>
+          </a:p>
+          <a:p>
+            <a:pPr marL="0" indent="0">
+              <a:buNone/>
+            </a:pPr>
+            <a:r>
+              <a:rPr lang="en-IN" sz="1400" dirty="0">
+                <a:solidFill>
+                  <a:srgbClr val="000000"/>
+                </a:solidFill>
+                <a:latin typeface="Consolas" panose="020B0609020204030204" pitchFamily="49" charset="0"/>
+              </a:rPr>
+              <a:t>        }</a:t>
+            </a:r>
+            <a:endParaRPr lang="en-US" sz="1400" dirty="0">
+              <a:solidFill>
+                <a:srgbClr val="181717"/>
+              </a:solidFill>
+              <a:latin typeface="Times New Roman" panose="02020603050405020304" pitchFamily="18" charset="0"/>
+              <a:cs typeface="Times New Roman" panose="02020603050405020304" pitchFamily="18" charset="0"/>
+            </a:endParaRPr>
+          </a:p>
+          <a:p>
+            <a:r>
+              <a:rPr lang="en-IN" sz="1600" dirty="0">
+                <a:latin typeface="Times New Roman" panose="02020603050405020304" pitchFamily="18" charset="0"/>
+                <a:cs typeface="Times New Roman" panose="02020603050405020304" pitchFamily="18" charset="0"/>
+              </a:rPr>
+              <a:t>Output:</a:t>
+            </a:r>
+          </a:p>
+          <a:p>
+            <a:pPr marL="0" indent="0">
+              <a:buNone/>
+            </a:pPr>
+            <a:r>
+              <a:rPr lang="en-IN" sz="1600" dirty="0">
+                <a:latin typeface="Times New Roman" panose="02020603050405020304" pitchFamily="18" charset="0"/>
+                <a:cs typeface="Times New Roman" panose="02020603050405020304" pitchFamily="18" charset="0"/>
+              </a:rPr>
+              <a:t>It will add new value in languages Array</a:t>
+            </a:r>
+          </a:p>
+        </p:txBody>
+      </p:sp>
+    </p:spTree>
+    <p:extLst>
+      <p:ext uri="{BB962C8B-B14F-4D97-AF65-F5344CB8AC3E}">
+        <p14:creationId xmlns:p14="http://schemas.microsoft.com/office/powerpoint/2010/main" val="2410005043"/>
+      </p:ext>
+    </p:extLst>
+  </p:cSld>
+  <p:clrMapOvr>
+    <a:masterClrMapping/>
+  </p:clrMapOvr>
+</p:sld>
+</file>
+
+<file path=ppt/slides/slide15.xml><?xml version="1.0" encoding="utf-8"?>
 <p:sld xmlns:a="http://schemas.openxmlformats.org/drawingml/2006/main" xmlns:r="http://schemas.openxmlformats.org/officeDocument/2006/relationships" xmlns:p="http://schemas.openxmlformats.org/presentationml/2006/main">
   <p:cSld>
     <p:spTree>
@@ -8314,7 +10070,7 @@
                 <a:latin typeface="Times New Roman" panose="02020603050405020304" pitchFamily="18" charset="0"/>
                 <a:cs typeface="Times New Roman" panose="02020603050405020304" pitchFamily="18" charset="0"/>
               </a:rPr>
-              <a:t>It can be used to add new entry to the database table:</a:t>
+              <a:t>It can also be used to add new entry to the database table:</a:t>
             </a:r>
           </a:p>
           <a:p>
@@ -8943,7 +10699,7 @@
 </p:sld>
 </file>
 
-<file path=ppt/slides/slide14.xml><?xml version="1.0" encoding="utf-8"?>
+<file path=ppt/slides/slide16.xml><?xml version="1.0" encoding="utf-8"?>
 <p:sld xmlns:a="http://schemas.openxmlformats.org/drawingml/2006/main" xmlns:r="http://schemas.openxmlformats.org/officeDocument/2006/relationships" xmlns:p="http://schemas.openxmlformats.org/presentationml/2006/main">
   <p:cSld>
     <p:spTree>
@@ -9327,7 +11083,7 @@
 </p:sld>
 </file>
 
-<file path=ppt/slides/slide15.xml><?xml version="1.0" encoding="utf-8"?>
+<file path=ppt/slides/slide17.xml><?xml version="1.0" encoding="utf-8"?>
 <p:sld xmlns:a="http://schemas.openxmlformats.org/drawingml/2006/main" xmlns:r="http://schemas.openxmlformats.org/officeDocument/2006/relationships" xmlns:p="http://schemas.openxmlformats.org/presentationml/2006/main">
   <p:cSld>
     <p:spTree>
@@ -10255,7 +12011,7 @@
 </p:sld>
 </file>
 
-<file path=ppt/slides/slide16.xml><?xml version="1.0" encoding="utf-8"?>
+<file path=ppt/slides/slide18.xml><?xml version="1.0" encoding="utf-8"?>
 <p:sld xmlns:a="http://schemas.openxmlformats.org/drawingml/2006/main" xmlns:r="http://schemas.openxmlformats.org/officeDocument/2006/relationships" xmlns:p="http://schemas.openxmlformats.org/presentationml/2006/main">
   <p:cSld>
     <p:spTree>
@@ -10626,7 +12382,7 @@
 </p:sld>
 </file>
 
-<file path=ppt/slides/slide17.xml><?xml version="1.0" encoding="utf-8"?>
+<file path=ppt/slides/slide19.xml><?xml version="1.0" encoding="utf-8"?>
 <p:sld xmlns:a="http://schemas.openxmlformats.org/drawingml/2006/main" xmlns:r="http://schemas.openxmlformats.org/officeDocument/2006/relationships" xmlns:p="http://schemas.openxmlformats.org/presentationml/2006/main">
   <p:cSld>
     <p:spTree>
@@ -11316,554 +13072,6 @@
     <p:extLst>
       <p:ext uri="{BB962C8B-B14F-4D97-AF65-F5344CB8AC3E}">
         <p14:creationId xmlns:p14="http://schemas.microsoft.com/office/powerpoint/2010/main" val="2232381497"/>
-      </p:ext>
-    </p:extLst>
-  </p:cSld>
-  <p:clrMapOvr>
-    <a:masterClrMapping/>
-  </p:clrMapOvr>
-</p:sld>
-</file>
-
-<file path=ppt/slides/slide18.xml><?xml version="1.0" encoding="utf-8"?>
-<p:sld xmlns:a="http://schemas.openxmlformats.org/drawingml/2006/main" xmlns:r="http://schemas.openxmlformats.org/officeDocument/2006/relationships" xmlns:p="http://schemas.openxmlformats.org/presentationml/2006/main">
-  <p:cSld>
-    <p:spTree>
-      <p:nvGrpSpPr>
-        <p:cNvPr id="1" name=""/>
-        <p:cNvGrpSpPr/>
-        <p:nvPr/>
-      </p:nvGrpSpPr>
-      <p:grpSpPr>
-        <a:xfrm>
-          <a:off x="0" y="0"/>
-          <a:ext cx="0" cy="0"/>
-          <a:chOff x="0" y="0"/>
-          <a:chExt cx="0" cy="0"/>
-        </a:xfrm>
-      </p:grpSpPr>
-      <p:sp>
-        <p:nvSpPr>
-          <p:cNvPr id="2" name="Title 1">
-            <a:extLst>
-              <a:ext uri="{FF2B5EF4-FFF2-40B4-BE49-F238E27FC236}">
-                <a16:creationId xmlns:a16="http://schemas.microsoft.com/office/drawing/2014/main" id="{44AE579C-1DAA-40FF-A702-B281C5BDB84F}"/>
-              </a:ext>
-            </a:extLst>
-          </p:cNvPr>
-          <p:cNvSpPr>
-            <a:spLocks noGrp="1"/>
-          </p:cNvSpPr>
-          <p:nvPr>
-            <p:ph type="title"/>
-          </p:nvPr>
-        </p:nvSpPr>
-        <p:spPr>
-          <a:xfrm>
-            <a:off x="646111" y="452718"/>
-            <a:ext cx="9404723" cy="772400"/>
-          </a:xfrm>
-        </p:spPr>
-        <p:txBody>
-          <a:bodyPr/>
-          <a:lstStyle/>
-          <a:p>
-            <a:r>
-              <a:rPr lang="en-US" dirty="0"/>
-              <a:t>Repository Pattern</a:t>
-            </a:r>
-            <a:endParaRPr lang="en-IN" dirty="0"/>
-          </a:p>
-        </p:txBody>
-      </p:sp>
-      <p:sp>
-        <p:nvSpPr>
-          <p:cNvPr id="3" name="Content Placeholder 2">
-            <a:extLst>
-              <a:ext uri="{FF2B5EF4-FFF2-40B4-BE49-F238E27FC236}">
-                <a16:creationId xmlns:a16="http://schemas.microsoft.com/office/drawing/2014/main" id="{ACEE6DA5-2E50-4726-BE6D-F075A1A2E62F}"/>
-              </a:ext>
-            </a:extLst>
-          </p:cNvPr>
-          <p:cNvSpPr>
-            <a:spLocks noGrp="1"/>
-          </p:cNvSpPr>
-          <p:nvPr>
-            <p:ph idx="1"/>
-          </p:nvPr>
-        </p:nvSpPr>
-        <p:spPr>
-          <a:xfrm>
-            <a:off x="1103312" y="1313896"/>
-            <a:ext cx="8946541" cy="5299968"/>
-          </a:xfrm>
-        </p:spPr>
-        <p:txBody>
-          <a:bodyPr>
-            <a:normAutofit/>
-          </a:bodyPr>
-          <a:lstStyle/>
-          <a:p>
-            <a:r>
-              <a:rPr lang="en-US" sz="1800" b="0" i="0" dirty="0">
-                <a:solidFill>
-                  <a:srgbClr val="212121"/>
-                </a:solidFill>
-                <a:effectLst/>
-                <a:latin typeface="Times New Roman" panose="02020603050405020304" pitchFamily="18" charset="0"/>
-                <a:cs typeface="Times New Roman" panose="02020603050405020304" pitchFamily="18" charset="0"/>
-              </a:rPr>
-              <a:t>The main advantage of using design pattern is to keep the modules loosely coupled and to help developers address change requests with minimal changes to the code</a:t>
-            </a:r>
-          </a:p>
-          <a:p>
-            <a:r>
-              <a:rPr lang="en-US" sz="1800" b="0" i="0" dirty="0">
-                <a:solidFill>
-                  <a:srgbClr val="212121"/>
-                </a:solidFill>
-                <a:effectLst/>
-                <a:latin typeface="Times New Roman" panose="02020603050405020304" pitchFamily="18" charset="0"/>
-                <a:cs typeface="Times New Roman" panose="02020603050405020304" pitchFamily="18" charset="0"/>
-              </a:rPr>
-              <a:t>Advantage of using the repository pattern is to keep the data access logic centralized.</a:t>
-            </a:r>
-            <a:endParaRPr lang="en-US" sz="1800" b="0" i="0" dirty="0">
-              <a:solidFill>
-                <a:srgbClr val="333333"/>
-              </a:solidFill>
-              <a:effectLst/>
-              <a:latin typeface="Times New Roman" panose="02020603050405020304" pitchFamily="18" charset="0"/>
-              <a:cs typeface="Times New Roman" panose="02020603050405020304" pitchFamily="18" charset="0"/>
-            </a:endParaRPr>
-          </a:p>
-          <a:p>
-            <a:r>
-              <a:rPr lang="en-US" sz="1800" b="0" i="0" dirty="0">
-                <a:solidFill>
-                  <a:srgbClr val="333333"/>
-                </a:solidFill>
-                <a:effectLst/>
-                <a:latin typeface="Times New Roman" panose="02020603050405020304" pitchFamily="18" charset="0"/>
-                <a:cs typeface="Times New Roman" panose="02020603050405020304" pitchFamily="18" charset="0"/>
-              </a:rPr>
-              <a:t>It hides the details of how exactly the data is saved or retrieved from the underlying data source.</a:t>
-            </a:r>
-          </a:p>
-          <a:p>
-            <a:r>
-              <a:rPr lang="en-US" sz="1800" b="0" i="0" dirty="0">
-                <a:solidFill>
-                  <a:srgbClr val="333333"/>
-                </a:solidFill>
-                <a:effectLst/>
-                <a:latin typeface="Times New Roman" panose="02020603050405020304" pitchFamily="18" charset="0"/>
-                <a:cs typeface="Times New Roman" panose="02020603050405020304" pitchFamily="18" charset="0"/>
-              </a:rPr>
-              <a:t> The details of how the data is stored and retrieved is in the respective repository.</a:t>
-            </a:r>
-          </a:p>
-          <a:p>
-            <a:pPr algn="l"/>
-            <a:r>
-              <a:rPr lang="en-US" sz="1800" b="0" i="0" dirty="0">
-                <a:solidFill>
-                  <a:srgbClr val="333333"/>
-                </a:solidFill>
-                <a:effectLst/>
-                <a:latin typeface="Times New Roman" panose="02020603050405020304" pitchFamily="18" charset="0"/>
-                <a:cs typeface="Times New Roman" panose="02020603050405020304" pitchFamily="18" charset="0"/>
-              </a:rPr>
-              <a:t>The interface in the repository pattern specifies:</a:t>
-            </a:r>
-          </a:p>
-          <a:p>
-            <a:pPr lvl="1">
-              <a:buFont typeface="Wingdings" panose="05000000000000000000" pitchFamily="2" charset="2"/>
-              <a:buChar char="Ø"/>
-            </a:pPr>
-            <a:r>
-              <a:rPr lang="en-US" sz="1600" b="0" i="0" dirty="0">
-                <a:solidFill>
-                  <a:srgbClr val="333333"/>
-                </a:solidFill>
-                <a:effectLst/>
-                <a:latin typeface="Times New Roman" panose="02020603050405020304" pitchFamily="18" charset="0"/>
-                <a:cs typeface="Times New Roman" panose="02020603050405020304" pitchFamily="18" charset="0"/>
-              </a:rPr>
-              <a:t>What operations (</a:t>
-            </a:r>
-            <a:r>
-              <a:rPr lang="en-US" sz="1600" b="0" i="0" dirty="0" err="1">
-                <a:solidFill>
-                  <a:srgbClr val="333333"/>
-                </a:solidFill>
-                <a:effectLst/>
-                <a:latin typeface="Times New Roman" panose="02020603050405020304" pitchFamily="18" charset="0"/>
-                <a:cs typeface="Times New Roman" panose="02020603050405020304" pitchFamily="18" charset="0"/>
-              </a:rPr>
-              <a:t>i.e</a:t>
-            </a:r>
-            <a:r>
-              <a:rPr lang="en-US" sz="1600" b="0" i="0" dirty="0">
-                <a:solidFill>
-                  <a:srgbClr val="333333"/>
-                </a:solidFill>
-                <a:effectLst/>
-                <a:latin typeface="Times New Roman" panose="02020603050405020304" pitchFamily="18" charset="0"/>
-                <a:cs typeface="Times New Roman" panose="02020603050405020304" pitchFamily="18" charset="0"/>
-              </a:rPr>
-              <a:t> methods) are supported by the repository</a:t>
-            </a:r>
-          </a:p>
-          <a:p>
-            <a:pPr lvl="1">
-              <a:buFont typeface="Wingdings" panose="05000000000000000000" pitchFamily="2" charset="2"/>
-              <a:buChar char="Ø"/>
-            </a:pPr>
-            <a:r>
-              <a:rPr lang="en-US" sz="1600" b="0" i="0" dirty="0">
-                <a:solidFill>
-                  <a:srgbClr val="333333"/>
-                </a:solidFill>
-                <a:effectLst/>
-                <a:latin typeface="Times New Roman" panose="02020603050405020304" pitchFamily="18" charset="0"/>
-                <a:cs typeface="Times New Roman" panose="02020603050405020304" pitchFamily="18" charset="0"/>
-              </a:rPr>
-              <a:t>The data required for each of the operations </a:t>
-            </a:r>
-            <a:r>
-              <a:rPr lang="en-US" sz="1600" b="0" i="0" dirty="0" err="1">
-                <a:solidFill>
-                  <a:srgbClr val="333333"/>
-                </a:solidFill>
-                <a:effectLst/>
-                <a:latin typeface="Times New Roman" panose="02020603050405020304" pitchFamily="18" charset="0"/>
-                <a:cs typeface="Times New Roman" panose="02020603050405020304" pitchFamily="18" charset="0"/>
-              </a:rPr>
-              <a:t>i.e</a:t>
-            </a:r>
-            <a:r>
-              <a:rPr lang="en-US" sz="1600" b="0" i="0" dirty="0">
-                <a:solidFill>
-                  <a:srgbClr val="333333"/>
-                </a:solidFill>
-                <a:effectLst/>
-                <a:latin typeface="Times New Roman" panose="02020603050405020304" pitchFamily="18" charset="0"/>
-                <a:cs typeface="Times New Roman" panose="02020603050405020304" pitchFamily="18" charset="0"/>
-              </a:rPr>
-              <a:t> the parameters that need to be passed to the method and the data the method returns</a:t>
-            </a:r>
-          </a:p>
-          <a:p>
-            <a:pPr lvl="1">
-              <a:buFont typeface="Wingdings" panose="05000000000000000000" pitchFamily="2" charset="2"/>
-              <a:buChar char="Ø"/>
-            </a:pPr>
-            <a:r>
-              <a:rPr lang="en-US" sz="1600" b="0" i="0" dirty="0">
-                <a:solidFill>
-                  <a:srgbClr val="333333"/>
-                </a:solidFill>
-                <a:effectLst/>
-                <a:latin typeface="Times New Roman" panose="02020603050405020304" pitchFamily="18" charset="0"/>
-                <a:cs typeface="Times New Roman" panose="02020603050405020304" pitchFamily="18" charset="0"/>
-              </a:rPr>
-              <a:t>The implementation details are in the respective repository class that implements the repository Interface</a:t>
-            </a:r>
-          </a:p>
-          <a:p>
-            <a:pPr marL="0" indent="0">
-              <a:buNone/>
-            </a:pPr>
-            <a:endParaRPr lang="en-IN" dirty="0"/>
-          </a:p>
-        </p:txBody>
-      </p:sp>
-    </p:spTree>
-    <p:extLst>
-      <p:ext uri="{BB962C8B-B14F-4D97-AF65-F5344CB8AC3E}">
-        <p14:creationId xmlns:p14="http://schemas.microsoft.com/office/powerpoint/2010/main" val="1978066413"/>
-      </p:ext>
-    </p:extLst>
-  </p:cSld>
-  <p:clrMapOvr>
-    <a:masterClrMapping/>
-  </p:clrMapOvr>
-</p:sld>
-</file>
-
-<file path=ppt/slides/slide19.xml><?xml version="1.0" encoding="utf-8"?>
-<p:sld xmlns:a="http://schemas.openxmlformats.org/drawingml/2006/main" xmlns:r="http://schemas.openxmlformats.org/officeDocument/2006/relationships" xmlns:p="http://schemas.openxmlformats.org/presentationml/2006/main">
-  <p:cSld>
-    <p:spTree>
-      <p:nvGrpSpPr>
-        <p:cNvPr id="1" name=""/>
-        <p:cNvGrpSpPr/>
-        <p:nvPr/>
-      </p:nvGrpSpPr>
-      <p:grpSpPr>
-        <a:xfrm>
-          <a:off x="0" y="0"/>
-          <a:ext cx="0" cy="0"/>
-          <a:chOff x="0" y="0"/>
-          <a:chExt cx="0" cy="0"/>
-        </a:xfrm>
-      </p:grpSpPr>
-      <p:sp>
-        <p:nvSpPr>
-          <p:cNvPr id="2" name="Title 1">
-            <a:extLst>
-              <a:ext uri="{FF2B5EF4-FFF2-40B4-BE49-F238E27FC236}">
-                <a16:creationId xmlns:a16="http://schemas.microsoft.com/office/drawing/2014/main" id="{DFCE79AF-8B37-41B1-9849-80E001238B13}"/>
-              </a:ext>
-            </a:extLst>
-          </p:cNvPr>
-          <p:cNvSpPr>
-            <a:spLocks noGrp="1"/>
-          </p:cNvSpPr>
-          <p:nvPr>
-            <p:ph type="title"/>
-          </p:nvPr>
-        </p:nvSpPr>
-        <p:spPr>
-          <a:xfrm>
-            <a:off x="646111" y="452718"/>
-            <a:ext cx="9404723" cy="53309"/>
-          </a:xfrm>
-        </p:spPr>
-        <p:txBody>
-          <a:bodyPr/>
-          <a:lstStyle/>
-          <a:p>
-            <a:endParaRPr lang="en-IN" sz="200" dirty="0"/>
-          </a:p>
-        </p:txBody>
-      </p:sp>
-      <p:sp>
-        <p:nvSpPr>
-          <p:cNvPr id="3" name="Content Placeholder 2">
-            <a:extLst>
-              <a:ext uri="{FF2B5EF4-FFF2-40B4-BE49-F238E27FC236}">
-                <a16:creationId xmlns:a16="http://schemas.microsoft.com/office/drawing/2014/main" id="{6D3F9C78-45CC-4C25-8731-1B3C32F9682C}"/>
-              </a:ext>
-            </a:extLst>
-          </p:cNvPr>
-          <p:cNvSpPr>
-            <a:spLocks noGrp="1"/>
-          </p:cNvSpPr>
-          <p:nvPr>
-            <p:ph idx="1"/>
-          </p:nvPr>
-        </p:nvSpPr>
-        <p:spPr>
-          <a:xfrm>
-            <a:off x="1103312" y="621437"/>
-            <a:ext cx="8946541" cy="6072325"/>
-          </a:xfrm>
-        </p:spPr>
-        <p:txBody>
-          <a:bodyPr>
-            <a:noAutofit/>
-          </a:bodyPr>
-          <a:lstStyle/>
-          <a:p>
-            <a:r>
-              <a:rPr lang="en-US" sz="1600" dirty="0">
-                <a:latin typeface="Times New Roman" panose="02020603050405020304" pitchFamily="18" charset="0"/>
-                <a:cs typeface="Times New Roman" panose="02020603050405020304" pitchFamily="18" charset="0"/>
-              </a:rPr>
-              <a:t>All Interfaces and classes will be stored in Repository folder</a:t>
-            </a:r>
-          </a:p>
-          <a:p>
-            <a:r>
-              <a:rPr lang="en-US" sz="1600" dirty="0">
-                <a:latin typeface="Times New Roman" panose="02020603050405020304" pitchFamily="18" charset="0"/>
-                <a:cs typeface="Times New Roman" panose="02020603050405020304" pitchFamily="18" charset="0"/>
-              </a:rPr>
-              <a:t>For Ex:</a:t>
-            </a:r>
-          </a:p>
-          <a:p>
-            <a:r>
-              <a:rPr lang="en-US" sz="1600" dirty="0">
-                <a:latin typeface="Times New Roman" panose="02020603050405020304" pitchFamily="18" charset="0"/>
-                <a:cs typeface="Times New Roman" panose="02020603050405020304" pitchFamily="18" charset="0"/>
-              </a:rPr>
-              <a:t>Depositor </a:t>
-            </a:r>
-            <a:r>
-              <a:rPr lang="en-US" sz="1600" dirty="0" err="1">
-                <a:latin typeface="Times New Roman" panose="02020603050405020304" pitchFamily="18" charset="0"/>
-                <a:cs typeface="Times New Roman" panose="02020603050405020304" pitchFamily="18" charset="0"/>
-              </a:rPr>
-              <a:t>Inferface</a:t>
-            </a:r>
-            <a:r>
-              <a:rPr lang="en-US" sz="1600" dirty="0">
-                <a:latin typeface="Times New Roman" panose="02020603050405020304" pitchFamily="18" charset="0"/>
-                <a:cs typeface="Times New Roman" panose="02020603050405020304" pitchFamily="18" charset="0"/>
-              </a:rPr>
-              <a:t>:</a:t>
-            </a:r>
-          </a:p>
-          <a:p>
-            <a:pPr marL="0" indent="0">
-              <a:buNone/>
-            </a:pPr>
-            <a:r>
-              <a:rPr lang="en-IN" sz="1600" dirty="0">
-                <a:solidFill>
-                  <a:srgbClr val="0000FF"/>
-                </a:solidFill>
-                <a:latin typeface="Consolas" panose="020B0609020204030204" pitchFamily="49" charset="0"/>
-              </a:rPr>
-              <a:t>public</a:t>
-            </a:r>
-            <a:r>
-              <a:rPr lang="en-IN" sz="1600" dirty="0">
-                <a:solidFill>
-                  <a:srgbClr val="000000"/>
-                </a:solidFill>
-                <a:latin typeface="Consolas" panose="020B0609020204030204" pitchFamily="49" charset="0"/>
-              </a:rPr>
-              <a:t> </a:t>
-            </a:r>
-            <a:r>
-              <a:rPr lang="en-IN" sz="1600" dirty="0">
-                <a:solidFill>
-                  <a:srgbClr val="0000FF"/>
-                </a:solidFill>
-                <a:latin typeface="Consolas" panose="020B0609020204030204" pitchFamily="49" charset="0"/>
-              </a:rPr>
-              <a:t>interface</a:t>
-            </a:r>
-            <a:r>
-              <a:rPr lang="en-IN" sz="1600" dirty="0">
-                <a:solidFill>
-                  <a:srgbClr val="000000"/>
-                </a:solidFill>
-                <a:latin typeface="Consolas" panose="020B0609020204030204" pitchFamily="49" charset="0"/>
-              </a:rPr>
-              <a:t> </a:t>
-            </a:r>
-            <a:r>
-              <a:rPr lang="en-IN" sz="1600" dirty="0" err="1">
-                <a:solidFill>
-                  <a:srgbClr val="2B91AF"/>
-                </a:solidFill>
-                <a:latin typeface="Consolas" panose="020B0609020204030204" pitchFamily="49" charset="0"/>
-              </a:rPr>
-              <a:t>IDepositors</a:t>
-            </a:r>
-            <a:endParaRPr lang="en-IN" sz="1600" dirty="0">
-              <a:solidFill>
-                <a:srgbClr val="000000"/>
-              </a:solidFill>
-              <a:latin typeface="Consolas" panose="020B0609020204030204" pitchFamily="49" charset="0"/>
-            </a:endParaRPr>
-          </a:p>
-          <a:p>
-            <a:pPr marL="0" indent="0">
-              <a:buNone/>
-            </a:pPr>
-            <a:r>
-              <a:rPr lang="en-IN" sz="1600" dirty="0">
-                <a:solidFill>
-                  <a:srgbClr val="000000"/>
-                </a:solidFill>
-                <a:latin typeface="Consolas" panose="020B0609020204030204" pitchFamily="49" charset="0"/>
-              </a:rPr>
-              <a:t>    {</a:t>
-            </a:r>
-          </a:p>
-          <a:p>
-            <a:pPr marL="0" indent="0">
-              <a:buNone/>
-            </a:pPr>
-            <a:r>
-              <a:rPr lang="en-IN" sz="1600" dirty="0">
-                <a:solidFill>
-                  <a:srgbClr val="000000"/>
-                </a:solidFill>
-                <a:latin typeface="Consolas" panose="020B0609020204030204" pitchFamily="49" charset="0"/>
-              </a:rPr>
-              <a:t>        List&lt;Deposit&gt; </a:t>
-            </a:r>
-            <a:r>
-              <a:rPr lang="en-IN" sz="1600" dirty="0" err="1">
-                <a:solidFill>
-                  <a:srgbClr val="000000"/>
-                </a:solidFill>
-                <a:latin typeface="Consolas" panose="020B0609020204030204" pitchFamily="49" charset="0"/>
-              </a:rPr>
-              <a:t>GetAll</a:t>
-            </a:r>
-            <a:r>
-              <a:rPr lang="en-IN" sz="1600" dirty="0">
-                <a:solidFill>
-                  <a:srgbClr val="000000"/>
-                </a:solidFill>
-                <a:latin typeface="Consolas" panose="020B0609020204030204" pitchFamily="49" charset="0"/>
-              </a:rPr>
-              <a:t>();</a:t>
-            </a:r>
-          </a:p>
-          <a:p>
-            <a:pPr marL="0" indent="0">
-              <a:buNone/>
-            </a:pPr>
-            <a:r>
-              <a:rPr lang="en-IN" sz="1600" dirty="0">
-                <a:solidFill>
-                  <a:srgbClr val="000000"/>
-                </a:solidFill>
-                <a:latin typeface="Consolas" panose="020B0609020204030204" pitchFamily="49" charset="0"/>
-              </a:rPr>
-              <a:t>    }</a:t>
-            </a:r>
-          </a:p>
-          <a:p>
-            <a:pPr marL="0" indent="0">
-              <a:buNone/>
-            </a:pPr>
-            <a:endParaRPr lang="en-IN" sz="1600" dirty="0">
-              <a:solidFill>
-                <a:srgbClr val="000000"/>
-              </a:solidFill>
-              <a:latin typeface="Consolas" panose="020B0609020204030204" pitchFamily="49" charset="0"/>
-            </a:endParaRPr>
-          </a:p>
-          <a:p>
-            <a:pPr marL="0" indent="0">
-              <a:buNone/>
-            </a:pPr>
-            <a:r>
-              <a:rPr lang="en-IN" sz="1600" dirty="0" err="1">
-                <a:solidFill>
-                  <a:srgbClr val="000000"/>
-                </a:solidFill>
-                <a:latin typeface="Consolas" panose="020B0609020204030204" pitchFamily="49" charset="0"/>
-              </a:rPr>
-              <a:t>GetAll</a:t>
-            </a:r>
-            <a:r>
-              <a:rPr lang="en-IN" sz="1600" dirty="0">
-                <a:solidFill>
-                  <a:srgbClr val="000000"/>
-                </a:solidFill>
-                <a:latin typeface="Consolas" panose="020B0609020204030204" pitchFamily="49" charset="0"/>
-              </a:rPr>
-              <a:t> method is declared here, it will return all the information of depositors in the form List of type Deposit class</a:t>
-            </a:r>
-          </a:p>
-        </p:txBody>
-      </p:sp>
-    </p:spTree>
-    <p:extLst>
-      <p:ext uri="{BB962C8B-B14F-4D97-AF65-F5344CB8AC3E}">
-        <p14:creationId xmlns:p14="http://schemas.microsoft.com/office/powerpoint/2010/main" val="3083428192"/>
       </p:ext>
     </p:extLst>
   </p:cSld>
@@ -12051,6 +13259,554 @@
           <p:cNvPr id="2" name="Title 1">
             <a:extLst>
               <a:ext uri="{FF2B5EF4-FFF2-40B4-BE49-F238E27FC236}">
+                <a16:creationId xmlns:a16="http://schemas.microsoft.com/office/drawing/2014/main" id="{44AE579C-1DAA-40FF-A702-B281C5BDB84F}"/>
+              </a:ext>
+            </a:extLst>
+          </p:cNvPr>
+          <p:cNvSpPr>
+            <a:spLocks noGrp="1"/>
+          </p:cNvSpPr>
+          <p:nvPr>
+            <p:ph type="title"/>
+          </p:nvPr>
+        </p:nvSpPr>
+        <p:spPr>
+          <a:xfrm>
+            <a:off x="646111" y="452718"/>
+            <a:ext cx="9404723" cy="772400"/>
+          </a:xfrm>
+        </p:spPr>
+        <p:txBody>
+          <a:bodyPr/>
+          <a:lstStyle/>
+          <a:p>
+            <a:r>
+              <a:rPr lang="en-US" dirty="0"/>
+              <a:t>Repository Pattern</a:t>
+            </a:r>
+            <a:endParaRPr lang="en-IN" dirty="0"/>
+          </a:p>
+        </p:txBody>
+      </p:sp>
+      <p:sp>
+        <p:nvSpPr>
+          <p:cNvPr id="3" name="Content Placeholder 2">
+            <a:extLst>
+              <a:ext uri="{FF2B5EF4-FFF2-40B4-BE49-F238E27FC236}">
+                <a16:creationId xmlns:a16="http://schemas.microsoft.com/office/drawing/2014/main" id="{ACEE6DA5-2E50-4726-BE6D-F075A1A2E62F}"/>
+              </a:ext>
+            </a:extLst>
+          </p:cNvPr>
+          <p:cNvSpPr>
+            <a:spLocks noGrp="1"/>
+          </p:cNvSpPr>
+          <p:nvPr>
+            <p:ph idx="1"/>
+          </p:nvPr>
+        </p:nvSpPr>
+        <p:spPr>
+          <a:xfrm>
+            <a:off x="1103312" y="1313896"/>
+            <a:ext cx="8946541" cy="5299968"/>
+          </a:xfrm>
+        </p:spPr>
+        <p:txBody>
+          <a:bodyPr>
+            <a:normAutofit/>
+          </a:bodyPr>
+          <a:lstStyle/>
+          <a:p>
+            <a:r>
+              <a:rPr lang="en-US" sz="1800" b="0" i="0" dirty="0">
+                <a:solidFill>
+                  <a:srgbClr val="212121"/>
+                </a:solidFill>
+                <a:effectLst/>
+                <a:latin typeface="Times New Roman" panose="02020603050405020304" pitchFamily="18" charset="0"/>
+                <a:cs typeface="Times New Roman" panose="02020603050405020304" pitchFamily="18" charset="0"/>
+              </a:rPr>
+              <a:t>The main advantage of using design pattern is to keep the modules loosely coupled and to help developers address change requests with minimal changes to the code</a:t>
+            </a:r>
+          </a:p>
+          <a:p>
+            <a:r>
+              <a:rPr lang="en-US" sz="1800" b="0" i="0" dirty="0">
+                <a:solidFill>
+                  <a:srgbClr val="212121"/>
+                </a:solidFill>
+                <a:effectLst/>
+                <a:latin typeface="Times New Roman" panose="02020603050405020304" pitchFamily="18" charset="0"/>
+                <a:cs typeface="Times New Roman" panose="02020603050405020304" pitchFamily="18" charset="0"/>
+              </a:rPr>
+              <a:t>Advantage of using the repository pattern is to keep the data access logic centralized.</a:t>
+            </a:r>
+            <a:endParaRPr lang="en-US" sz="1800" b="0" i="0" dirty="0">
+              <a:solidFill>
+                <a:srgbClr val="333333"/>
+              </a:solidFill>
+              <a:effectLst/>
+              <a:latin typeface="Times New Roman" panose="02020603050405020304" pitchFamily="18" charset="0"/>
+              <a:cs typeface="Times New Roman" panose="02020603050405020304" pitchFamily="18" charset="0"/>
+            </a:endParaRPr>
+          </a:p>
+          <a:p>
+            <a:r>
+              <a:rPr lang="en-US" sz="1800" b="0" i="0" dirty="0">
+                <a:solidFill>
+                  <a:srgbClr val="333333"/>
+                </a:solidFill>
+                <a:effectLst/>
+                <a:latin typeface="Times New Roman" panose="02020603050405020304" pitchFamily="18" charset="0"/>
+                <a:cs typeface="Times New Roman" panose="02020603050405020304" pitchFamily="18" charset="0"/>
+              </a:rPr>
+              <a:t>It hides the details of how exactly the data is saved or retrieved from the underlying data source.</a:t>
+            </a:r>
+          </a:p>
+          <a:p>
+            <a:r>
+              <a:rPr lang="en-US" sz="1800" b="0" i="0" dirty="0">
+                <a:solidFill>
+                  <a:srgbClr val="333333"/>
+                </a:solidFill>
+                <a:effectLst/>
+                <a:latin typeface="Times New Roman" panose="02020603050405020304" pitchFamily="18" charset="0"/>
+                <a:cs typeface="Times New Roman" panose="02020603050405020304" pitchFamily="18" charset="0"/>
+              </a:rPr>
+              <a:t> The details of how the data is stored and retrieved is in the respective repository.</a:t>
+            </a:r>
+          </a:p>
+          <a:p>
+            <a:pPr algn="l"/>
+            <a:r>
+              <a:rPr lang="en-US" sz="1800" b="0" i="0" dirty="0">
+                <a:solidFill>
+                  <a:srgbClr val="333333"/>
+                </a:solidFill>
+                <a:effectLst/>
+                <a:latin typeface="Times New Roman" panose="02020603050405020304" pitchFamily="18" charset="0"/>
+                <a:cs typeface="Times New Roman" panose="02020603050405020304" pitchFamily="18" charset="0"/>
+              </a:rPr>
+              <a:t>The interface in the repository pattern specifies:</a:t>
+            </a:r>
+          </a:p>
+          <a:p>
+            <a:pPr lvl="1">
+              <a:buFont typeface="Wingdings" panose="05000000000000000000" pitchFamily="2" charset="2"/>
+              <a:buChar char="Ø"/>
+            </a:pPr>
+            <a:r>
+              <a:rPr lang="en-US" sz="1600" b="0" i="0" dirty="0">
+                <a:solidFill>
+                  <a:srgbClr val="333333"/>
+                </a:solidFill>
+                <a:effectLst/>
+                <a:latin typeface="Times New Roman" panose="02020603050405020304" pitchFamily="18" charset="0"/>
+                <a:cs typeface="Times New Roman" panose="02020603050405020304" pitchFamily="18" charset="0"/>
+              </a:rPr>
+              <a:t>What operations (</a:t>
+            </a:r>
+            <a:r>
+              <a:rPr lang="en-US" sz="1600" b="0" i="0" dirty="0" err="1">
+                <a:solidFill>
+                  <a:srgbClr val="333333"/>
+                </a:solidFill>
+                <a:effectLst/>
+                <a:latin typeface="Times New Roman" panose="02020603050405020304" pitchFamily="18" charset="0"/>
+                <a:cs typeface="Times New Roman" panose="02020603050405020304" pitchFamily="18" charset="0"/>
+              </a:rPr>
+              <a:t>i.e</a:t>
+            </a:r>
+            <a:r>
+              <a:rPr lang="en-US" sz="1600" b="0" i="0" dirty="0">
+                <a:solidFill>
+                  <a:srgbClr val="333333"/>
+                </a:solidFill>
+                <a:effectLst/>
+                <a:latin typeface="Times New Roman" panose="02020603050405020304" pitchFamily="18" charset="0"/>
+                <a:cs typeface="Times New Roman" panose="02020603050405020304" pitchFamily="18" charset="0"/>
+              </a:rPr>
+              <a:t> methods) are supported by the repository</a:t>
+            </a:r>
+          </a:p>
+          <a:p>
+            <a:pPr lvl="1">
+              <a:buFont typeface="Wingdings" panose="05000000000000000000" pitchFamily="2" charset="2"/>
+              <a:buChar char="Ø"/>
+            </a:pPr>
+            <a:r>
+              <a:rPr lang="en-US" sz="1600" b="0" i="0" dirty="0">
+                <a:solidFill>
+                  <a:srgbClr val="333333"/>
+                </a:solidFill>
+                <a:effectLst/>
+                <a:latin typeface="Times New Roman" panose="02020603050405020304" pitchFamily="18" charset="0"/>
+                <a:cs typeface="Times New Roman" panose="02020603050405020304" pitchFamily="18" charset="0"/>
+              </a:rPr>
+              <a:t>The data required for each of the operations </a:t>
+            </a:r>
+            <a:r>
+              <a:rPr lang="en-US" sz="1600" b="0" i="0" dirty="0" err="1">
+                <a:solidFill>
+                  <a:srgbClr val="333333"/>
+                </a:solidFill>
+                <a:effectLst/>
+                <a:latin typeface="Times New Roman" panose="02020603050405020304" pitchFamily="18" charset="0"/>
+                <a:cs typeface="Times New Roman" panose="02020603050405020304" pitchFamily="18" charset="0"/>
+              </a:rPr>
+              <a:t>i.e</a:t>
+            </a:r>
+            <a:r>
+              <a:rPr lang="en-US" sz="1600" b="0" i="0" dirty="0">
+                <a:solidFill>
+                  <a:srgbClr val="333333"/>
+                </a:solidFill>
+                <a:effectLst/>
+                <a:latin typeface="Times New Roman" panose="02020603050405020304" pitchFamily="18" charset="0"/>
+                <a:cs typeface="Times New Roman" panose="02020603050405020304" pitchFamily="18" charset="0"/>
+              </a:rPr>
+              <a:t> the parameters that need to be passed to the method and the data the method returns</a:t>
+            </a:r>
+          </a:p>
+          <a:p>
+            <a:pPr lvl="1">
+              <a:buFont typeface="Wingdings" panose="05000000000000000000" pitchFamily="2" charset="2"/>
+              <a:buChar char="Ø"/>
+            </a:pPr>
+            <a:r>
+              <a:rPr lang="en-US" sz="1600" b="0" i="0" dirty="0">
+                <a:solidFill>
+                  <a:srgbClr val="333333"/>
+                </a:solidFill>
+                <a:effectLst/>
+                <a:latin typeface="Times New Roman" panose="02020603050405020304" pitchFamily="18" charset="0"/>
+                <a:cs typeface="Times New Roman" panose="02020603050405020304" pitchFamily="18" charset="0"/>
+              </a:rPr>
+              <a:t>The implementation details are in the respective repository class that implements the repository Interface</a:t>
+            </a:r>
+          </a:p>
+          <a:p>
+            <a:pPr marL="0" indent="0">
+              <a:buNone/>
+            </a:pPr>
+            <a:endParaRPr lang="en-IN" dirty="0"/>
+          </a:p>
+        </p:txBody>
+      </p:sp>
+    </p:spTree>
+    <p:extLst>
+      <p:ext uri="{BB962C8B-B14F-4D97-AF65-F5344CB8AC3E}">
+        <p14:creationId xmlns:p14="http://schemas.microsoft.com/office/powerpoint/2010/main" val="1978066413"/>
+      </p:ext>
+    </p:extLst>
+  </p:cSld>
+  <p:clrMapOvr>
+    <a:masterClrMapping/>
+  </p:clrMapOvr>
+</p:sld>
+</file>
+
+<file path=ppt/slides/slide21.xml><?xml version="1.0" encoding="utf-8"?>
+<p:sld xmlns:a="http://schemas.openxmlformats.org/drawingml/2006/main" xmlns:r="http://schemas.openxmlformats.org/officeDocument/2006/relationships" xmlns:p="http://schemas.openxmlformats.org/presentationml/2006/main">
+  <p:cSld>
+    <p:spTree>
+      <p:nvGrpSpPr>
+        <p:cNvPr id="1" name=""/>
+        <p:cNvGrpSpPr/>
+        <p:nvPr/>
+      </p:nvGrpSpPr>
+      <p:grpSpPr>
+        <a:xfrm>
+          <a:off x="0" y="0"/>
+          <a:ext cx="0" cy="0"/>
+          <a:chOff x="0" y="0"/>
+          <a:chExt cx="0" cy="0"/>
+        </a:xfrm>
+      </p:grpSpPr>
+      <p:sp>
+        <p:nvSpPr>
+          <p:cNvPr id="2" name="Title 1">
+            <a:extLst>
+              <a:ext uri="{FF2B5EF4-FFF2-40B4-BE49-F238E27FC236}">
+                <a16:creationId xmlns:a16="http://schemas.microsoft.com/office/drawing/2014/main" id="{DFCE79AF-8B37-41B1-9849-80E001238B13}"/>
+              </a:ext>
+            </a:extLst>
+          </p:cNvPr>
+          <p:cNvSpPr>
+            <a:spLocks noGrp="1"/>
+          </p:cNvSpPr>
+          <p:nvPr>
+            <p:ph type="title"/>
+          </p:nvPr>
+        </p:nvSpPr>
+        <p:spPr>
+          <a:xfrm>
+            <a:off x="646111" y="452718"/>
+            <a:ext cx="9404723" cy="53309"/>
+          </a:xfrm>
+        </p:spPr>
+        <p:txBody>
+          <a:bodyPr/>
+          <a:lstStyle/>
+          <a:p>
+            <a:endParaRPr lang="en-IN" sz="200" dirty="0"/>
+          </a:p>
+        </p:txBody>
+      </p:sp>
+      <p:sp>
+        <p:nvSpPr>
+          <p:cNvPr id="3" name="Content Placeholder 2">
+            <a:extLst>
+              <a:ext uri="{FF2B5EF4-FFF2-40B4-BE49-F238E27FC236}">
+                <a16:creationId xmlns:a16="http://schemas.microsoft.com/office/drawing/2014/main" id="{6D3F9C78-45CC-4C25-8731-1B3C32F9682C}"/>
+              </a:ext>
+            </a:extLst>
+          </p:cNvPr>
+          <p:cNvSpPr>
+            <a:spLocks noGrp="1"/>
+          </p:cNvSpPr>
+          <p:nvPr>
+            <p:ph idx="1"/>
+          </p:nvPr>
+        </p:nvSpPr>
+        <p:spPr>
+          <a:xfrm>
+            <a:off x="1103312" y="621437"/>
+            <a:ext cx="8946541" cy="6072325"/>
+          </a:xfrm>
+        </p:spPr>
+        <p:txBody>
+          <a:bodyPr>
+            <a:noAutofit/>
+          </a:bodyPr>
+          <a:lstStyle/>
+          <a:p>
+            <a:r>
+              <a:rPr lang="en-US" sz="1600" dirty="0">
+                <a:latin typeface="Times New Roman" panose="02020603050405020304" pitchFamily="18" charset="0"/>
+                <a:cs typeface="Times New Roman" panose="02020603050405020304" pitchFamily="18" charset="0"/>
+              </a:rPr>
+              <a:t>All Interfaces and classes will be stored in Repository folder</a:t>
+            </a:r>
+          </a:p>
+          <a:p>
+            <a:r>
+              <a:rPr lang="en-US" sz="1600" dirty="0">
+                <a:latin typeface="Times New Roman" panose="02020603050405020304" pitchFamily="18" charset="0"/>
+                <a:cs typeface="Times New Roman" panose="02020603050405020304" pitchFamily="18" charset="0"/>
+              </a:rPr>
+              <a:t>For Ex:</a:t>
+            </a:r>
+          </a:p>
+          <a:p>
+            <a:r>
+              <a:rPr lang="en-US" sz="1600" dirty="0">
+                <a:latin typeface="Times New Roman" panose="02020603050405020304" pitchFamily="18" charset="0"/>
+                <a:cs typeface="Times New Roman" panose="02020603050405020304" pitchFamily="18" charset="0"/>
+              </a:rPr>
+              <a:t>Depositor </a:t>
+            </a:r>
+            <a:r>
+              <a:rPr lang="en-US" sz="1600" dirty="0" err="1">
+                <a:latin typeface="Times New Roman" panose="02020603050405020304" pitchFamily="18" charset="0"/>
+                <a:cs typeface="Times New Roman" panose="02020603050405020304" pitchFamily="18" charset="0"/>
+              </a:rPr>
+              <a:t>Inferface</a:t>
+            </a:r>
+            <a:r>
+              <a:rPr lang="en-US" sz="1600" dirty="0">
+                <a:latin typeface="Times New Roman" panose="02020603050405020304" pitchFamily="18" charset="0"/>
+                <a:cs typeface="Times New Roman" panose="02020603050405020304" pitchFamily="18" charset="0"/>
+              </a:rPr>
+              <a:t>:</a:t>
+            </a:r>
+          </a:p>
+          <a:p>
+            <a:pPr marL="0" indent="0">
+              <a:buNone/>
+            </a:pPr>
+            <a:r>
+              <a:rPr lang="en-IN" sz="1600" dirty="0">
+                <a:solidFill>
+                  <a:srgbClr val="0000FF"/>
+                </a:solidFill>
+                <a:latin typeface="Consolas" panose="020B0609020204030204" pitchFamily="49" charset="0"/>
+              </a:rPr>
+              <a:t>public</a:t>
+            </a:r>
+            <a:r>
+              <a:rPr lang="en-IN" sz="1600" dirty="0">
+                <a:solidFill>
+                  <a:srgbClr val="000000"/>
+                </a:solidFill>
+                <a:latin typeface="Consolas" panose="020B0609020204030204" pitchFamily="49" charset="0"/>
+              </a:rPr>
+              <a:t> </a:t>
+            </a:r>
+            <a:r>
+              <a:rPr lang="en-IN" sz="1600" dirty="0">
+                <a:solidFill>
+                  <a:srgbClr val="0000FF"/>
+                </a:solidFill>
+                <a:latin typeface="Consolas" panose="020B0609020204030204" pitchFamily="49" charset="0"/>
+              </a:rPr>
+              <a:t>interface</a:t>
+            </a:r>
+            <a:r>
+              <a:rPr lang="en-IN" sz="1600" dirty="0">
+                <a:solidFill>
+                  <a:srgbClr val="000000"/>
+                </a:solidFill>
+                <a:latin typeface="Consolas" panose="020B0609020204030204" pitchFamily="49" charset="0"/>
+              </a:rPr>
+              <a:t> </a:t>
+            </a:r>
+            <a:r>
+              <a:rPr lang="en-IN" sz="1600" dirty="0" err="1">
+                <a:solidFill>
+                  <a:srgbClr val="2B91AF"/>
+                </a:solidFill>
+                <a:latin typeface="Consolas" panose="020B0609020204030204" pitchFamily="49" charset="0"/>
+              </a:rPr>
+              <a:t>IDepositors</a:t>
+            </a:r>
+            <a:endParaRPr lang="en-IN" sz="1600" dirty="0">
+              <a:solidFill>
+                <a:srgbClr val="000000"/>
+              </a:solidFill>
+              <a:latin typeface="Consolas" panose="020B0609020204030204" pitchFamily="49" charset="0"/>
+            </a:endParaRPr>
+          </a:p>
+          <a:p>
+            <a:pPr marL="0" indent="0">
+              <a:buNone/>
+            </a:pPr>
+            <a:r>
+              <a:rPr lang="en-IN" sz="1600" dirty="0">
+                <a:solidFill>
+                  <a:srgbClr val="000000"/>
+                </a:solidFill>
+                <a:latin typeface="Consolas" panose="020B0609020204030204" pitchFamily="49" charset="0"/>
+              </a:rPr>
+              <a:t>    {</a:t>
+            </a:r>
+          </a:p>
+          <a:p>
+            <a:pPr marL="0" indent="0">
+              <a:buNone/>
+            </a:pPr>
+            <a:r>
+              <a:rPr lang="en-IN" sz="1600" dirty="0">
+                <a:solidFill>
+                  <a:srgbClr val="000000"/>
+                </a:solidFill>
+                <a:latin typeface="Consolas" panose="020B0609020204030204" pitchFamily="49" charset="0"/>
+              </a:rPr>
+              <a:t>        List&lt;Deposit&gt; </a:t>
+            </a:r>
+            <a:r>
+              <a:rPr lang="en-IN" sz="1600" dirty="0" err="1">
+                <a:solidFill>
+                  <a:srgbClr val="000000"/>
+                </a:solidFill>
+                <a:latin typeface="Consolas" panose="020B0609020204030204" pitchFamily="49" charset="0"/>
+              </a:rPr>
+              <a:t>GetAll</a:t>
+            </a:r>
+            <a:r>
+              <a:rPr lang="en-IN" sz="1600" dirty="0">
+                <a:solidFill>
+                  <a:srgbClr val="000000"/>
+                </a:solidFill>
+                <a:latin typeface="Consolas" panose="020B0609020204030204" pitchFamily="49" charset="0"/>
+              </a:rPr>
+              <a:t>();</a:t>
+            </a:r>
+          </a:p>
+          <a:p>
+            <a:pPr marL="0" indent="0">
+              <a:buNone/>
+            </a:pPr>
+            <a:r>
+              <a:rPr lang="en-IN" sz="1600" dirty="0">
+                <a:solidFill>
+                  <a:srgbClr val="000000"/>
+                </a:solidFill>
+                <a:latin typeface="Consolas" panose="020B0609020204030204" pitchFamily="49" charset="0"/>
+              </a:rPr>
+              <a:t>    }</a:t>
+            </a:r>
+          </a:p>
+          <a:p>
+            <a:pPr marL="0" indent="0">
+              <a:buNone/>
+            </a:pPr>
+            <a:endParaRPr lang="en-IN" sz="1600" dirty="0">
+              <a:solidFill>
+                <a:srgbClr val="000000"/>
+              </a:solidFill>
+              <a:latin typeface="Consolas" panose="020B0609020204030204" pitchFamily="49" charset="0"/>
+            </a:endParaRPr>
+          </a:p>
+          <a:p>
+            <a:pPr marL="0" indent="0">
+              <a:buNone/>
+            </a:pPr>
+            <a:r>
+              <a:rPr lang="en-IN" sz="1600" dirty="0" err="1">
+                <a:solidFill>
+                  <a:srgbClr val="000000"/>
+                </a:solidFill>
+                <a:latin typeface="Consolas" panose="020B0609020204030204" pitchFamily="49" charset="0"/>
+              </a:rPr>
+              <a:t>GetAll</a:t>
+            </a:r>
+            <a:r>
+              <a:rPr lang="en-IN" sz="1600" dirty="0">
+                <a:solidFill>
+                  <a:srgbClr val="000000"/>
+                </a:solidFill>
+                <a:latin typeface="Consolas" panose="020B0609020204030204" pitchFamily="49" charset="0"/>
+              </a:rPr>
+              <a:t> method is declared here, it will return all the information of depositors in the form List of type Deposit class</a:t>
+            </a:r>
+          </a:p>
+        </p:txBody>
+      </p:sp>
+    </p:spTree>
+    <p:extLst>
+      <p:ext uri="{BB962C8B-B14F-4D97-AF65-F5344CB8AC3E}">
+        <p14:creationId xmlns:p14="http://schemas.microsoft.com/office/powerpoint/2010/main" val="3083428192"/>
+      </p:ext>
+    </p:extLst>
+  </p:cSld>
+  <p:clrMapOvr>
+    <a:masterClrMapping/>
+  </p:clrMapOvr>
+</p:sld>
+</file>
+
+<file path=ppt/slides/slide22.xml><?xml version="1.0" encoding="utf-8"?>
+<p:sld xmlns:a="http://schemas.openxmlformats.org/drawingml/2006/main" xmlns:r="http://schemas.openxmlformats.org/officeDocument/2006/relationships" xmlns:p="http://schemas.openxmlformats.org/presentationml/2006/main">
+  <p:cSld>
+    <p:spTree>
+      <p:nvGrpSpPr>
+        <p:cNvPr id="1" name=""/>
+        <p:cNvGrpSpPr/>
+        <p:nvPr/>
+      </p:nvGrpSpPr>
+      <p:grpSpPr>
+        <a:xfrm>
+          <a:off x="0" y="0"/>
+          <a:ext cx="0" cy="0"/>
+          <a:chOff x="0" y="0"/>
+          <a:chExt cx="0" cy="0"/>
+        </a:xfrm>
+      </p:grpSpPr>
+      <p:sp>
+        <p:nvSpPr>
+          <p:cNvPr id="2" name="Title 1">
+            <a:extLst>
+              <a:ext uri="{FF2B5EF4-FFF2-40B4-BE49-F238E27FC236}">
                 <a16:creationId xmlns:a16="http://schemas.microsoft.com/office/drawing/2014/main" id="{87EA1151-ACBB-4D47-80D7-C204126E69B4}"/>
               </a:ext>
             </a:extLst>
@@ -12684,7 +14440,7 @@
 </p:sld>
 </file>
 
-<file path=ppt/slides/slide21.xml><?xml version="1.0" encoding="utf-8"?>
+<file path=ppt/slides/slide23.xml><?xml version="1.0" encoding="utf-8"?>
 <p:sld xmlns:a="http://schemas.openxmlformats.org/drawingml/2006/main" xmlns:r="http://schemas.openxmlformats.org/officeDocument/2006/relationships" xmlns:p="http://schemas.openxmlformats.org/presentationml/2006/main">
   <p:cSld>
     <p:spTree>
@@ -12755,7 +14511,7 @@
         </p:spPr>
         <p:txBody>
           <a:bodyPr>
-            <a:normAutofit/>
+            <a:normAutofit fontScale="70000" lnSpcReduction="20000"/>
           </a:bodyPr>
           <a:lstStyle/>
           <a:p>
@@ -12817,16 +14573,30 @@
                 </a:solidFill>
                 <a:latin typeface="Consolas" panose="020B0609020204030204" pitchFamily="49" charset="0"/>
               </a:rPr>
-              <a:t> depositors = </a:t>
-            </a:r>
+              <a:t> depositors;</a:t>
+            </a:r>
+          </a:p>
+          <a:p>
+            <a:pPr marL="0" indent="0">
+              <a:buNone/>
+            </a:pPr>
             <a:r>
               <a:rPr lang="en-IN" sz="1600" dirty="0">
                 <a:solidFill>
+                  <a:srgbClr val="000000"/>
+                </a:solidFill>
+                <a:latin typeface="Consolas" panose="020B0609020204030204" pitchFamily="49" charset="0"/>
+              </a:rPr>
+              <a:t> </a:t>
+            </a:r>
+            <a:r>
+              <a:rPr lang="en-IN" sz="1600" dirty="0">
+                <a:solidFill>
                   <a:srgbClr val="0000FF"/>
                 </a:solidFill>
                 <a:latin typeface="Consolas" panose="020B0609020204030204" pitchFamily="49" charset="0"/>
               </a:rPr>
-              <a:t>null</a:t>
+              <a:t>public</a:t>
             </a:r>
             <a:r>
               <a:rPr lang="en-IN" sz="1600" dirty="0">
@@ -12835,13 +14605,17 @@
                 </a:solidFill>
                 <a:latin typeface="Consolas" panose="020B0609020204030204" pitchFamily="49" charset="0"/>
               </a:rPr>
-              <a:t>;</a:t>
-            </a:r>
-          </a:p>
-          <a:p>
-            <a:pPr marL="0" indent="0">
-              <a:buNone/>
-            </a:pPr>
+              <a:t> </a:t>
+            </a:r>
+            <a:r>
+              <a:rPr lang="en-IN" sz="1600" dirty="0" err="1">
+                <a:solidFill>
+                  <a:srgbClr val="2B91AF"/>
+                </a:solidFill>
+                <a:latin typeface="Consolas" panose="020B0609020204030204" pitchFamily="49" charset="0"/>
+              </a:rPr>
+              <a:t>TestsController</a:t>
+            </a:r>
             <a:r>
               <a:rPr lang="en-IN" sz="1600" dirty="0">
                 <a:solidFill>
@@ -12849,16 +14623,980 @@
                 </a:solidFill>
                 <a:latin typeface="Consolas" panose="020B0609020204030204" pitchFamily="49" charset="0"/>
               </a:rPr>
+              <a:t>(</a:t>
+            </a:r>
+            <a:r>
+              <a:rPr lang="en-IN" sz="1600" dirty="0" err="1">
+                <a:solidFill>
+                  <a:srgbClr val="000000"/>
+                </a:solidFill>
+                <a:latin typeface="Consolas" panose="020B0609020204030204" pitchFamily="49" charset="0"/>
+              </a:rPr>
+              <a:t>IDepositors</a:t>
+            </a:r>
+            <a:r>
+              <a:rPr lang="en-IN" sz="1600" dirty="0">
+                <a:solidFill>
+                  <a:srgbClr val="000000"/>
+                </a:solidFill>
+                <a:latin typeface="Consolas" panose="020B0609020204030204" pitchFamily="49" charset="0"/>
+              </a:rPr>
+              <a:t> repo)</a:t>
+            </a:r>
+          </a:p>
+          <a:p>
+            <a:pPr marL="0" indent="0">
+              <a:buNone/>
+            </a:pPr>
+            <a:r>
+              <a:rPr lang="en-IN" sz="1600" dirty="0">
+                <a:solidFill>
+                  <a:srgbClr val="000000"/>
+                </a:solidFill>
+                <a:latin typeface="Consolas" panose="020B0609020204030204" pitchFamily="49" charset="0"/>
+              </a:rPr>
+              <a:t> {</a:t>
+            </a:r>
+          </a:p>
+          <a:p>
+            <a:pPr marL="0" indent="0">
+              <a:buNone/>
+            </a:pPr>
+            <a:r>
+              <a:rPr lang="en-IN" sz="1600" dirty="0">
+                <a:solidFill>
+                  <a:srgbClr val="000000"/>
+                </a:solidFill>
+                <a:latin typeface="Consolas" panose="020B0609020204030204" pitchFamily="49" charset="0"/>
+              </a:rPr>
+              <a:t>     depositors = repo;</a:t>
+            </a:r>
+          </a:p>
+          <a:p>
+            <a:pPr marL="0" indent="0">
+              <a:buNone/>
+            </a:pPr>
+            <a:r>
+              <a:rPr lang="en-IN" sz="1600" dirty="0">
+                <a:solidFill>
+                  <a:srgbClr val="000000"/>
+                </a:solidFill>
+                <a:latin typeface="Consolas" panose="020B0609020204030204" pitchFamily="49" charset="0"/>
+              </a:rPr>
+              <a:t> }</a:t>
+            </a:r>
+          </a:p>
+          <a:p>
+            <a:pPr marL="0" indent="0">
+              <a:buNone/>
+            </a:pPr>
+            <a:r>
+              <a:rPr lang="en-IN" sz="1800" dirty="0">
+                <a:solidFill>
+                  <a:srgbClr val="000000"/>
+                </a:solidFill>
+                <a:latin typeface="Consolas" panose="020B0609020204030204" pitchFamily="49" charset="0"/>
+              </a:rPr>
+              <a:t>[</a:t>
+            </a:r>
+            <a:r>
+              <a:rPr lang="en-IN" sz="1800" dirty="0" err="1">
+                <a:solidFill>
+                  <a:srgbClr val="000000"/>
+                </a:solidFill>
+                <a:latin typeface="Consolas" panose="020B0609020204030204" pitchFamily="49" charset="0"/>
+              </a:rPr>
+              <a:t>HttpGet</a:t>
+            </a:r>
+            <a:r>
+              <a:rPr lang="en-IN" sz="1800" dirty="0">
+                <a:solidFill>
+                  <a:srgbClr val="000000"/>
+                </a:solidFill>
+                <a:latin typeface="Consolas" panose="020B0609020204030204" pitchFamily="49" charset="0"/>
+              </a:rPr>
+              <a:t>]</a:t>
+            </a:r>
+          </a:p>
+          <a:p>
+            <a:pPr marL="0" indent="0">
+              <a:buNone/>
+            </a:pPr>
+            <a:r>
+              <a:rPr lang="en-US" sz="1800" dirty="0">
+                <a:solidFill>
+                  <a:srgbClr val="000000"/>
+                </a:solidFill>
+                <a:latin typeface="Consolas" panose="020B0609020204030204" pitchFamily="49" charset="0"/>
+              </a:rPr>
+              <a:t>        </a:t>
+            </a:r>
+            <a:r>
+              <a:rPr lang="en-US" sz="1800" dirty="0">
+                <a:solidFill>
+                  <a:srgbClr val="0000FF"/>
+                </a:solidFill>
+                <a:latin typeface="Consolas" panose="020B0609020204030204" pitchFamily="49" charset="0"/>
+              </a:rPr>
+              <a:t>public</a:t>
+            </a:r>
+            <a:r>
+              <a:rPr lang="en-US" sz="1800" dirty="0">
+                <a:solidFill>
+                  <a:srgbClr val="000000"/>
+                </a:solidFill>
+                <a:latin typeface="Consolas" panose="020B0609020204030204" pitchFamily="49" charset="0"/>
+              </a:rPr>
               <a:t> </a:t>
             </a:r>
             <a:r>
+              <a:rPr lang="en-US" sz="1800" dirty="0" err="1">
+                <a:solidFill>
+                  <a:srgbClr val="000000"/>
+                </a:solidFill>
+                <a:latin typeface="Consolas" panose="020B0609020204030204" pitchFamily="49" charset="0"/>
+              </a:rPr>
+              <a:t>ActionResult</a:t>
+            </a:r>
+            <a:r>
+              <a:rPr lang="en-US" sz="1800" dirty="0">
+                <a:solidFill>
+                  <a:srgbClr val="000000"/>
+                </a:solidFill>
+                <a:latin typeface="Consolas" panose="020B0609020204030204" pitchFamily="49" charset="0"/>
+              </a:rPr>
+              <a:t>&lt;List&lt;Deposit&gt;&gt; </a:t>
+            </a:r>
+            <a:r>
+              <a:rPr lang="en-US" sz="1800" dirty="0" err="1">
+                <a:solidFill>
+                  <a:srgbClr val="000000"/>
+                </a:solidFill>
+                <a:latin typeface="Consolas" panose="020B0609020204030204" pitchFamily="49" charset="0"/>
+              </a:rPr>
+              <a:t>GetAllDepositors</a:t>
+            </a:r>
+            <a:r>
+              <a:rPr lang="en-US" sz="1800" dirty="0">
+                <a:solidFill>
+                  <a:srgbClr val="000000"/>
+                </a:solidFill>
+                <a:latin typeface="Consolas" panose="020B0609020204030204" pitchFamily="49" charset="0"/>
+              </a:rPr>
+              <a:t>()</a:t>
+            </a:r>
+          </a:p>
+          <a:p>
+            <a:pPr marL="0" indent="0">
+              <a:buNone/>
+            </a:pPr>
+            <a:r>
+              <a:rPr lang="en-IN" sz="1800" dirty="0">
+                <a:solidFill>
+                  <a:srgbClr val="000000"/>
+                </a:solidFill>
+                <a:latin typeface="Consolas" panose="020B0609020204030204" pitchFamily="49" charset="0"/>
+              </a:rPr>
+              <a:t>        {</a:t>
+            </a:r>
+          </a:p>
+          <a:p>
+            <a:pPr marL="0" indent="0">
+              <a:buNone/>
+            </a:pPr>
+            <a:r>
+              <a:rPr lang="en-IN" sz="1800" dirty="0">
+                <a:solidFill>
+                  <a:srgbClr val="000000"/>
+                </a:solidFill>
+                <a:latin typeface="Consolas" panose="020B0609020204030204" pitchFamily="49" charset="0"/>
+              </a:rPr>
+              <a:t>            </a:t>
+            </a:r>
+            <a:r>
+              <a:rPr lang="en-IN" sz="1800" dirty="0">
+                <a:solidFill>
+                  <a:srgbClr val="0000FF"/>
+                </a:solidFill>
+                <a:latin typeface="Consolas" panose="020B0609020204030204" pitchFamily="49" charset="0"/>
+              </a:rPr>
+              <a:t>var</a:t>
+            </a:r>
+            <a:r>
+              <a:rPr lang="en-IN" sz="1800" dirty="0">
+                <a:solidFill>
+                  <a:srgbClr val="000000"/>
+                </a:solidFill>
+                <a:latin typeface="Consolas" panose="020B0609020204030204" pitchFamily="49" charset="0"/>
+              </a:rPr>
+              <a:t> </a:t>
+            </a:r>
+            <a:r>
+              <a:rPr lang="en-IN" sz="1800" dirty="0" err="1">
+                <a:solidFill>
+                  <a:srgbClr val="000000"/>
+                </a:solidFill>
+                <a:latin typeface="Consolas" panose="020B0609020204030204" pitchFamily="49" charset="0"/>
+              </a:rPr>
+              <a:t>allDepositors</a:t>
+            </a:r>
+            <a:r>
+              <a:rPr lang="en-IN" sz="1800" dirty="0">
+                <a:solidFill>
+                  <a:srgbClr val="000000"/>
+                </a:solidFill>
+                <a:latin typeface="Consolas" panose="020B0609020204030204" pitchFamily="49" charset="0"/>
+              </a:rPr>
+              <a:t> = </a:t>
+            </a:r>
+            <a:r>
+              <a:rPr lang="en-IN" sz="1800" dirty="0" err="1">
+                <a:solidFill>
+                  <a:srgbClr val="000000"/>
+                </a:solidFill>
+                <a:latin typeface="Consolas" panose="020B0609020204030204" pitchFamily="49" charset="0"/>
+              </a:rPr>
+              <a:t>depositors.GetAll</a:t>
+            </a:r>
+            <a:r>
+              <a:rPr lang="en-IN" sz="1800" dirty="0">
+                <a:solidFill>
+                  <a:srgbClr val="000000"/>
+                </a:solidFill>
+                <a:latin typeface="Consolas" panose="020B0609020204030204" pitchFamily="49" charset="0"/>
+              </a:rPr>
+              <a:t>();</a:t>
+            </a:r>
+          </a:p>
+          <a:p>
+            <a:pPr marL="0" indent="0">
+              <a:buNone/>
+            </a:pPr>
+            <a:endParaRPr lang="en-IN" sz="1800" dirty="0">
+              <a:solidFill>
+                <a:srgbClr val="000000"/>
+              </a:solidFill>
+              <a:latin typeface="Consolas" panose="020B0609020204030204" pitchFamily="49" charset="0"/>
+            </a:endParaRPr>
+          </a:p>
+          <a:p>
+            <a:pPr marL="0" indent="0">
+              <a:buNone/>
+            </a:pPr>
+            <a:r>
+              <a:rPr lang="en-IN" sz="1800" dirty="0">
+                <a:solidFill>
+                  <a:srgbClr val="000000"/>
+                </a:solidFill>
+                <a:latin typeface="Consolas" panose="020B0609020204030204" pitchFamily="49" charset="0"/>
+              </a:rPr>
+              <a:t>            </a:t>
+            </a:r>
+            <a:r>
+              <a:rPr lang="en-IN" sz="1800" dirty="0">
+                <a:solidFill>
+                  <a:srgbClr val="0000FF"/>
+                </a:solidFill>
+                <a:latin typeface="Consolas" panose="020B0609020204030204" pitchFamily="49" charset="0"/>
+              </a:rPr>
+              <a:t>if</a:t>
+            </a:r>
+            <a:r>
+              <a:rPr lang="en-IN" sz="1800" dirty="0">
+                <a:solidFill>
+                  <a:srgbClr val="000000"/>
+                </a:solidFill>
+                <a:latin typeface="Consolas" panose="020B0609020204030204" pitchFamily="49" charset="0"/>
+              </a:rPr>
+              <a:t> (</a:t>
+            </a:r>
+            <a:r>
+              <a:rPr lang="en-IN" sz="1800" dirty="0" err="1">
+                <a:solidFill>
+                  <a:srgbClr val="000000"/>
+                </a:solidFill>
+                <a:latin typeface="Consolas" panose="020B0609020204030204" pitchFamily="49" charset="0"/>
+              </a:rPr>
+              <a:t>allDepositors.Count</a:t>
+            </a:r>
+            <a:r>
+              <a:rPr lang="en-IN" sz="1800" dirty="0">
+                <a:solidFill>
+                  <a:srgbClr val="000000"/>
+                </a:solidFill>
+                <a:latin typeface="Consolas" panose="020B0609020204030204" pitchFamily="49" charset="0"/>
+              </a:rPr>
+              <a:t> == 0)</a:t>
+            </a:r>
+          </a:p>
+          <a:p>
+            <a:pPr marL="0" indent="0">
+              <a:buNone/>
+            </a:pPr>
+            <a:r>
+              <a:rPr lang="en-IN" sz="1800" dirty="0">
+                <a:solidFill>
+                  <a:srgbClr val="000000"/>
+                </a:solidFill>
+                <a:latin typeface="Consolas" panose="020B0609020204030204" pitchFamily="49" charset="0"/>
+              </a:rPr>
+              <a:t>            {</a:t>
+            </a:r>
+          </a:p>
+          <a:p>
+            <a:pPr marL="0" indent="0">
+              <a:buNone/>
+            </a:pPr>
+            <a:r>
+              <a:rPr lang="en-IN" sz="1800" dirty="0">
+                <a:solidFill>
+                  <a:srgbClr val="000000"/>
+                </a:solidFill>
+                <a:latin typeface="Consolas" panose="020B0609020204030204" pitchFamily="49" charset="0"/>
+              </a:rPr>
+              <a:t>                </a:t>
+            </a:r>
+            <a:r>
+              <a:rPr lang="en-IN" sz="1800" dirty="0">
+                <a:solidFill>
+                  <a:srgbClr val="0000FF"/>
+                </a:solidFill>
+                <a:latin typeface="Consolas" panose="020B0609020204030204" pitchFamily="49" charset="0"/>
+              </a:rPr>
+              <a:t>return</a:t>
+            </a:r>
+            <a:r>
+              <a:rPr lang="en-IN" sz="1800" dirty="0">
+                <a:solidFill>
+                  <a:srgbClr val="000000"/>
+                </a:solidFill>
+                <a:latin typeface="Consolas" panose="020B0609020204030204" pitchFamily="49" charset="0"/>
+              </a:rPr>
+              <a:t> </a:t>
+            </a:r>
+            <a:r>
+              <a:rPr lang="en-IN" sz="1800" dirty="0" err="1">
+                <a:solidFill>
+                  <a:srgbClr val="000000"/>
+                </a:solidFill>
+                <a:latin typeface="Consolas" panose="020B0609020204030204" pitchFamily="49" charset="0"/>
+              </a:rPr>
+              <a:t>NotFound</a:t>
+            </a:r>
+            <a:r>
+              <a:rPr lang="en-IN" sz="1800" dirty="0">
+                <a:solidFill>
+                  <a:srgbClr val="000000"/>
+                </a:solidFill>
+                <a:latin typeface="Consolas" panose="020B0609020204030204" pitchFamily="49" charset="0"/>
+              </a:rPr>
+              <a:t>();</a:t>
+            </a:r>
+          </a:p>
+          <a:p>
+            <a:pPr marL="0" indent="0">
+              <a:buNone/>
+            </a:pPr>
+            <a:r>
+              <a:rPr lang="en-IN" sz="1800" dirty="0">
+                <a:solidFill>
+                  <a:srgbClr val="000000"/>
+                </a:solidFill>
+                <a:latin typeface="Consolas" panose="020B0609020204030204" pitchFamily="49" charset="0"/>
+              </a:rPr>
+              <a:t>            }</a:t>
+            </a:r>
+          </a:p>
+          <a:p>
+            <a:pPr marL="0" indent="0">
+              <a:buNone/>
+            </a:pPr>
+            <a:r>
+              <a:rPr lang="en-IN" sz="1800" dirty="0">
+                <a:solidFill>
+                  <a:srgbClr val="000000"/>
+                </a:solidFill>
+                <a:latin typeface="Consolas" panose="020B0609020204030204" pitchFamily="49" charset="0"/>
+              </a:rPr>
+              <a:t>            </a:t>
+            </a:r>
+            <a:r>
+              <a:rPr lang="en-IN" sz="1800" dirty="0">
+                <a:solidFill>
+                  <a:srgbClr val="008000"/>
+                </a:solidFill>
+                <a:latin typeface="Consolas" panose="020B0609020204030204" pitchFamily="49" charset="0"/>
+              </a:rPr>
+              <a:t>// custom header</a:t>
+            </a:r>
+            <a:endParaRPr lang="en-IN" sz="1800" dirty="0">
+              <a:solidFill>
+                <a:srgbClr val="000000"/>
+              </a:solidFill>
+              <a:latin typeface="Consolas" panose="020B0609020204030204" pitchFamily="49" charset="0"/>
+            </a:endParaRPr>
+          </a:p>
+          <a:p>
+            <a:pPr marL="0" indent="0">
+              <a:buNone/>
+            </a:pPr>
+            <a:r>
+              <a:rPr lang="en-IN" sz="1800" dirty="0">
+                <a:solidFill>
+                  <a:srgbClr val="000000"/>
+                </a:solidFill>
+                <a:latin typeface="Consolas" panose="020B0609020204030204" pitchFamily="49" charset="0"/>
+              </a:rPr>
+              <a:t>            </a:t>
+            </a:r>
+            <a:r>
+              <a:rPr lang="en-IN" sz="1800" dirty="0" err="1">
+                <a:solidFill>
+                  <a:srgbClr val="000000"/>
+                </a:solidFill>
+                <a:latin typeface="Consolas" panose="020B0609020204030204" pitchFamily="49" charset="0"/>
+              </a:rPr>
+              <a:t>Response.Headers.Add</a:t>
+            </a:r>
+            <a:r>
+              <a:rPr lang="en-IN" sz="1800" dirty="0">
+                <a:solidFill>
+                  <a:srgbClr val="000000"/>
+                </a:solidFill>
+                <a:latin typeface="Consolas" panose="020B0609020204030204" pitchFamily="49" charset="0"/>
+              </a:rPr>
+              <a:t>(</a:t>
+            </a:r>
+            <a:r>
+              <a:rPr lang="en-IN" sz="1800" dirty="0">
+                <a:solidFill>
+                  <a:srgbClr val="A31515"/>
+                </a:solidFill>
+                <a:latin typeface="Consolas" panose="020B0609020204030204" pitchFamily="49" charset="0"/>
+              </a:rPr>
+              <a:t>"depositors-total-count"</a:t>
+            </a:r>
+            <a:r>
+              <a:rPr lang="en-IN" sz="1800" dirty="0">
+                <a:solidFill>
+                  <a:srgbClr val="000000"/>
+                </a:solidFill>
+                <a:latin typeface="Consolas" panose="020B0609020204030204" pitchFamily="49" charset="0"/>
+              </a:rPr>
+              <a:t>, </a:t>
+            </a:r>
+            <a:r>
+              <a:rPr lang="en-IN" sz="1800" dirty="0" err="1">
+                <a:solidFill>
+                  <a:srgbClr val="000000"/>
+                </a:solidFill>
+                <a:latin typeface="Consolas" panose="020B0609020204030204" pitchFamily="49" charset="0"/>
+              </a:rPr>
+              <a:t>allDepositors.Count.ToString</a:t>
+            </a:r>
+            <a:r>
+              <a:rPr lang="en-IN" sz="1800" dirty="0">
+                <a:solidFill>
+                  <a:srgbClr val="000000"/>
+                </a:solidFill>
+                <a:latin typeface="Consolas" panose="020B0609020204030204" pitchFamily="49" charset="0"/>
+              </a:rPr>
+              <a:t>());</a:t>
+            </a:r>
+          </a:p>
+          <a:p>
+            <a:pPr marL="0" indent="0">
+              <a:buNone/>
+            </a:pPr>
+            <a:r>
+              <a:rPr lang="en-IN" sz="1800" dirty="0">
+                <a:solidFill>
+                  <a:srgbClr val="000000"/>
+                </a:solidFill>
+                <a:latin typeface="Consolas" panose="020B0609020204030204" pitchFamily="49" charset="0"/>
+              </a:rPr>
+              <a:t>            </a:t>
+            </a:r>
+            <a:r>
+              <a:rPr lang="en-IN" sz="1800" dirty="0">
+                <a:solidFill>
+                  <a:srgbClr val="0000FF"/>
+                </a:solidFill>
+                <a:latin typeface="Consolas" panose="020B0609020204030204" pitchFamily="49" charset="0"/>
+              </a:rPr>
+              <a:t>return</a:t>
+            </a:r>
+            <a:r>
+              <a:rPr lang="en-IN" sz="1800" dirty="0">
+                <a:solidFill>
+                  <a:srgbClr val="000000"/>
+                </a:solidFill>
+                <a:latin typeface="Consolas" panose="020B0609020204030204" pitchFamily="49" charset="0"/>
+              </a:rPr>
+              <a:t> Ok(</a:t>
+            </a:r>
+            <a:r>
+              <a:rPr lang="en-IN" sz="1800" dirty="0" err="1">
+                <a:solidFill>
+                  <a:srgbClr val="000000"/>
+                </a:solidFill>
+                <a:latin typeface="Consolas" panose="020B0609020204030204" pitchFamily="49" charset="0"/>
+              </a:rPr>
+              <a:t>allDepositors</a:t>
+            </a:r>
+            <a:r>
+              <a:rPr lang="en-IN" sz="1800" dirty="0">
+                <a:solidFill>
+                  <a:srgbClr val="000000"/>
+                </a:solidFill>
+                <a:latin typeface="Consolas" panose="020B0609020204030204" pitchFamily="49" charset="0"/>
+              </a:rPr>
+              <a:t>);</a:t>
+            </a:r>
+          </a:p>
+          <a:p>
+            <a:pPr marL="0" indent="0">
+              <a:buNone/>
+            </a:pPr>
+            <a:r>
+              <a:rPr lang="en-IN" sz="1800" dirty="0">
+                <a:solidFill>
+                  <a:srgbClr val="000000"/>
+                </a:solidFill>
+                <a:latin typeface="Consolas" panose="020B0609020204030204" pitchFamily="49" charset="0"/>
+              </a:rPr>
+              <a:t>        }</a:t>
+            </a:r>
+            <a:endParaRPr lang="en-IN" dirty="0"/>
+          </a:p>
+        </p:txBody>
+      </p:sp>
+    </p:spTree>
+    <p:extLst>
+      <p:ext uri="{BB962C8B-B14F-4D97-AF65-F5344CB8AC3E}">
+        <p14:creationId xmlns:p14="http://schemas.microsoft.com/office/powerpoint/2010/main" val="756380351"/>
+      </p:ext>
+    </p:extLst>
+  </p:cSld>
+  <p:clrMapOvr>
+    <a:masterClrMapping/>
+  </p:clrMapOvr>
+</p:sld>
+</file>
+
+<file path=ppt/slides/slide24.xml><?xml version="1.0" encoding="utf-8"?>
+<p:sld xmlns:a="http://schemas.openxmlformats.org/drawingml/2006/main" xmlns:r="http://schemas.openxmlformats.org/officeDocument/2006/relationships" xmlns:p="http://schemas.openxmlformats.org/presentationml/2006/main">
+  <p:cSld>
+    <p:spTree>
+      <p:nvGrpSpPr>
+        <p:cNvPr id="1" name=""/>
+        <p:cNvGrpSpPr/>
+        <p:nvPr/>
+      </p:nvGrpSpPr>
+      <p:grpSpPr>
+        <a:xfrm>
+          <a:off x="0" y="0"/>
+          <a:ext cx="0" cy="0"/>
+          <a:chOff x="0" y="0"/>
+          <a:chExt cx="0" cy="0"/>
+        </a:xfrm>
+      </p:grpSpPr>
+      <p:sp>
+        <p:nvSpPr>
+          <p:cNvPr id="2" name="Title 1">
+            <a:extLst>
+              <a:ext uri="{FF2B5EF4-FFF2-40B4-BE49-F238E27FC236}">
+                <a16:creationId xmlns:a16="http://schemas.microsoft.com/office/drawing/2014/main" id="{75CC7D9F-2F22-4A12-A4F3-6FB7FCC2BD41}"/>
+              </a:ext>
+            </a:extLst>
+          </p:cNvPr>
+          <p:cNvSpPr>
+            <a:spLocks noGrp="1"/>
+          </p:cNvSpPr>
+          <p:nvPr>
+            <p:ph type="title"/>
+          </p:nvPr>
+        </p:nvSpPr>
+        <p:spPr>
+          <a:xfrm>
+            <a:off x="646111" y="452718"/>
+            <a:ext cx="9404723" cy="156883"/>
+          </a:xfrm>
+        </p:spPr>
+        <p:txBody>
+          <a:bodyPr/>
+          <a:lstStyle/>
+          <a:p>
+            <a:endParaRPr lang="en-IN" sz="200" dirty="0"/>
+          </a:p>
+        </p:txBody>
+      </p:sp>
+      <p:sp>
+        <p:nvSpPr>
+          <p:cNvPr id="3" name="Content Placeholder 2">
+            <a:extLst>
+              <a:ext uri="{FF2B5EF4-FFF2-40B4-BE49-F238E27FC236}">
+                <a16:creationId xmlns:a16="http://schemas.microsoft.com/office/drawing/2014/main" id="{CEF6EAF6-D223-4326-B750-69D3D0D49961}"/>
+              </a:ext>
+            </a:extLst>
+          </p:cNvPr>
+          <p:cNvSpPr>
+            <a:spLocks noGrp="1"/>
+          </p:cNvSpPr>
+          <p:nvPr>
+            <p:ph idx="1"/>
+          </p:nvPr>
+        </p:nvSpPr>
+        <p:spPr>
+          <a:xfrm>
+            <a:off x="1103312" y="736848"/>
+            <a:ext cx="8946541" cy="5983548"/>
+          </a:xfrm>
+        </p:spPr>
+        <p:txBody>
+          <a:bodyPr>
+            <a:normAutofit lnSpcReduction="10000"/>
+          </a:bodyPr>
+          <a:lstStyle/>
+          <a:p>
+            <a:r>
+              <a:rPr lang="en-US" sz="2000" dirty="0">
+                <a:solidFill>
+                  <a:srgbClr val="212121"/>
+                </a:solidFill>
+                <a:latin typeface="Times New Roman" panose="02020603050405020304" pitchFamily="18" charset="0"/>
+                <a:cs typeface="Times New Roman" panose="02020603050405020304" pitchFamily="18" charset="0"/>
+              </a:rPr>
+              <a:t>Add below code in </a:t>
+            </a:r>
+            <a:r>
+              <a:rPr lang="en-US" sz="2000" dirty="0" err="1">
+                <a:solidFill>
+                  <a:srgbClr val="212121"/>
+                </a:solidFill>
+                <a:latin typeface="Times New Roman" panose="02020603050405020304" pitchFamily="18" charset="0"/>
+                <a:cs typeface="Times New Roman" panose="02020603050405020304" pitchFamily="18" charset="0"/>
+              </a:rPr>
+              <a:t>appsettings.json</a:t>
+            </a:r>
+            <a:r>
+              <a:rPr lang="en-US" sz="2000" dirty="0">
+                <a:solidFill>
+                  <a:srgbClr val="212121"/>
+                </a:solidFill>
+                <a:latin typeface="Times New Roman" panose="02020603050405020304" pitchFamily="18" charset="0"/>
+                <a:cs typeface="Times New Roman" panose="02020603050405020304" pitchFamily="18" charset="0"/>
+              </a:rPr>
+              <a:t>:</a:t>
+            </a:r>
+          </a:p>
+          <a:p>
+            <a:pPr marL="0" indent="0">
+              <a:buNone/>
+            </a:pPr>
+            <a:r>
+              <a:rPr lang="en-IN" sz="1400" dirty="0">
+                <a:solidFill>
+                  <a:srgbClr val="2E75B6"/>
+                </a:solidFill>
+                <a:latin typeface="Consolas" panose="020B0609020204030204" pitchFamily="49" charset="0"/>
+              </a:rPr>
+              <a:t>"</a:t>
+            </a:r>
+            <a:r>
+              <a:rPr lang="en-IN" sz="1400" dirty="0" err="1">
+                <a:solidFill>
+                  <a:srgbClr val="2E75B6"/>
+                </a:solidFill>
+                <a:latin typeface="Consolas" panose="020B0609020204030204" pitchFamily="49" charset="0"/>
+              </a:rPr>
+              <a:t>ConnectionStrings</a:t>
+            </a:r>
+            <a:r>
+              <a:rPr lang="en-IN" sz="1400" dirty="0">
+                <a:solidFill>
+                  <a:srgbClr val="2E75B6"/>
+                </a:solidFill>
+                <a:latin typeface="Consolas" panose="020B0609020204030204" pitchFamily="49" charset="0"/>
+              </a:rPr>
+              <a:t>"</a:t>
+            </a:r>
+            <a:r>
+              <a:rPr lang="en-IN" sz="1400" dirty="0">
+                <a:solidFill>
+                  <a:srgbClr val="000000"/>
+                </a:solidFill>
+                <a:latin typeface="Consolas" panose="020B0609020204030204" pitchFamily="49" charset="0"/>
+              </a:rPr>
+              <a:t>: {</a:t>
+            </a:r>
+          </a:p>
+          <a:p>
+            <a:pPr marL="0" indent="0">
+              <a:buNone/>
+            </a:pPr>
+            <a:r>
+              <a:rPr lang="en-US" sz="1400" dirty="0">
+                <a:solidFill>
+                  <a:srgbClr val="000000"/>
+                </a:solidFill>
+                <a:latin typeface="Consolas" panose="020B0609020204030204" pitchFamily="49" charset="0"/>
+              </a:rPr>
+              <a:t>        </a:t>
+            </a:r>
+            <a:r>
+              <a:rPr lang="en-US" sz="1400" dirty="0">
+                <a:solidFill>
+                  <a:srgbClr val="2E75B6"/>
+                </a:solidFill>
+                <a:latin typeface="Consolas" panose="020B0609020204030204" pitchFamily="49" charset="0"/>
+              </a:rPr>
+              <a:t>"</a:t>
+            </a:r>
+            <a:r>
+              <a:rPr lang="en-US" sz="1400" dirty="0" err="1">
+                <a:solidFill>
+                  <a:srgbClr val="2E75B6"/>
+                </a:solidFill>
+                <a:latin typeface="Consolas" panose="020B0609020204030204" pitchFamily="49" charset="0"/>
+              </a:rPr>
+              <a:t>DefaultConnection</a:t>
+            </a:r>
+            <a:r>
+              <a:rPr lang="en-US" sz="1400" dirty="0">
+                <a:solidFill>
+                  <a:srgbClr val="2E75B6"/>
+                </a:solidFill>
+                <a:latin typeface="Consolas" panose="020B0609020204030204" pitchFamily="49" charset="0"/>
+              </a:rPr>
+              <a:t>"</a:t>
+            </a:r>
+            <a:r>
+              <a:rPr lang="en-US" sz="1400" dirty="0">
+                <a:solidFill>
+                  <a:srgbClr val="000000"/>
+                </a:solidFill>
+                <a:latin typeface="Consolas" panose="020B0609020204030204" pitchFamily="49" charset="0"/>
+              </a:rPr>
+              <a:t>: </a:t>
+            </a:r>
+            <a:r>
+              <a:rPr lang="en-US" sz="1400" dirty="0">
+                <a:solidFill>
+                  <a:srgbClr val="A31515"/>
+                </a:solidFill>
+                <a:latin typeface="Consolas" panose="020B0609020204030204" pitchFamily="49" charset="0"/>
+              </a:rPr>
+              <a:t>"Server=LAPTOP-NLRDC1FB\\SQLEXPRESS01;Database=</a:t>
+            </a:r>
+            <a:r>
+              <a:rPr lang="en-US" sz="1400" dirty="0" err="1">
+                <a:solidFill>
+                  <a:srgbClr val="A31515"/>
+                </a:solidFill>
+                <a:latin typeface="Consolas" panose="020B0609020204030204" pitchFamily="49" charset="0"/>
+              </a:rPr>
+              <a:t>TestDB;Trusted_Connection</a:t>
+            </a:r>
+            <a:r>
+              <a:rPr lang="en-US" sz="1400" dirty="0">
+                <a:solidFill>
+                  <a:srgbClr val="A31515"/>
+                </a:solidFill>
+                <a:latin typeface="Consolas" panose="020B0609020204030204" pitchFamily="49" charset="0"/>
+              </a:rPr>
+              <a:t>=True"</a:t>
+            </a:r>
+            <a:endParaRPr lang="en-US" sz="1400" dirty="0">
+              <a:solidFill>
+                <a:srgbClr val="000000"/>
+              </a:solidFill>
+              <a:latin typeface="Consolas" panose="020B0609020204030204" pitchFamily="49" charset="0"/>
+            </a:endParaRPr>
+          </a:p>
+          <a:p>
+            <a:pPr marL="0" indent="0">
+              <a:buNone/>
+            </a:pPr>
+            <a:r>
+              <a:rPr lang="en-IN" sz="1400" dirty="0">
+                <a:solidFill>
+                  <a:srgbClr val="000000"/>
+                </a:solidFill>
+                <a:latin typeface="Consolas" panose="020B0609020204030204" pitchFamily="49" charset="0"/>
+              </a:rPr>
+              <a:t>    },</a:t>
+            </a:r>
+            <a:endParaRPr lang="en-US" sz="1400" dirty="0">
+              <a:solidFill>
+                <a:srgbClr val="212121"/>
+              </a:solidFill>
+              <a:latin typeface="Times New Roman" panose="02020603050405020304" pitchFamily="18" charset="0"/>
+              <a:cs typeface="Times New Roman" panose="02020603050405020304" pitchFamily="18" charset="0"/>
+            </a:endParaRPr>
+          </a:p>
+          <a:p>
+            <a:r>
+              <a:rPr lang="en-US" dirty="0">
+                <a:solidFill>
+                  <a:srgbClr val="171717"/>
+                </a:solidFill>
+                <a:latin typeface="Times New Roman" panose="02020603050405020304" pitchFamily="18" charset="0"/>
+                <a:cs typeface="Times New Roman" panose="02020603050405020304" pitchFamily="18" charset="0"/>
+              </a:rPr>
+              <a:t>S</a:t>
+            </a:r>
+            <a:r>
+              <a:rPr lang="en-US" b="0" i="0" dirty="0">
+                <a:solidFill>
+                  <a:srgbClr val="171717"/>
+                </a:solidFill>
+                <a:effectLst/>
+                <a:latin typeface="Times New Roman" panose="02020603050405020304" pitchFamily="18" charset="0"/>
+                <a:cs typeface="Times New Roman" panose="02020603050405020304" pitchFamily="18" charset="0"/>
+              </a:rPr>
+              <a:t>ervices such as the DB context must be registered with the </a:t>
+            </a:r>
+            <a:r>
+              <a:rPr lang="en-US" b="0" i="0" u="none" strike="noStrike" dirty="0">
+                <a:effectLst/>
+                <a:latin typeface="Times New Roman" panose="02020603050405020304" pitchFamily="18" charset="0"/>
+                <a:cs typeface="Times New Roman" panose="02020603050405020304" pitchFamily="18" charset="0"/>
+                <a:hlinkClick r:id="rId2"/>
+              </a:rPr>
+              <a:t>dependency injection (DI)</a:t>
+            </a:r>
+            <a:r>
+              <a:rPr lang="en-US" b="0" i="0" dirty="0">
+                <a:solidFill>
+                  <a:srgbClr val="171717"/>
+                </a:solidFill>
+                <a:effectLst/>
+                <a:latin typeface="Times New Roman" panose="02020603050405020304" pitchFamily="18" charset="0"/>
+                <a:cs typeface="Times New Roman" panose="02020603050405020304" pitchFamily="18" charset="0"/>
+              </a:rPr>
+              <a:t> container. The container provides the service to controllers.</a:t>
+            </a:r>
+            <a:endParaRPr lang="en-US" sz="2000" dirty="0">
+              <a:solidFill>
+                <a:srgbClr val="212121"/>
+              </a:solidFill>
+              <a:latin typeface="Times New Roman" panose="02020603050405020304" pitchFamily="18" charset="0"/>
+              <a:cs typeface="Times New Roman" panose="02020603050405020304" pitchFamily="18" charset="0"/>
+            </a:endParaRPr>
+          </a:p>
+          <a:p>
+            <a:r>
+              <a:rPr lang="en-US" sz="2000" dirty="0">
+                <a:solidFill>
+                  <a:srgbClr val="212121"/>
+                </a:solidFill>
+                <a:latin typeface="Times New Roman" panose="02020603050405020304" pitchFamily="18" charset="0"/>
+                <a:cs typeface="Times New Roman" panose="02020603050405020304" pitchFamily="18" charset="0"/>
+              </a:rPr>
+              <a:t>T</a:t>
+            </a:r>
+            <a:r>
+              <a:rPr lang="en-US" sz="2000" b="0" i="0" dirty="0">
+                <a:solidFill>
+                  <a:srgbClr val="212121"/>
+                </a:solidFill>
+                <a:effectLst/>
+                <a:latin typeface="Times New Roman" panose="02020603050405020304" pitchFamily="18" charset="0"/>
+                <a:cs typeface="Times New Roman" panose="02020603050405020304" pitchFamily="18" charset="0"/>
+              </a:rPr>
+              <a:t>o configure the repository in the </a:t>
+            </a:r>
+            <a:r>
+              <a:rPr lang="en-US" sz="2000" b="0" i="0" dirty="0" err="1">
+                <a:solidFill>
+                  <a:srgbClr val="212121"/>
+                </a:solidFill>
+                <a:effectLst/>
+                <a:latin typeface="Times New Roman" panose="02020603050405020304" pitchFamily="18" charset="0"/>
+                <a:cs typeface="Times New Roman" panose="02020603050405020304" pitchFamily="18" charset="0"/>
+              </a:rPr>
+              <a:t>startup.cs</a:t>
+            </a:r>
+            <a:r>
+              <a:rPr lang="en-US" sz="2000" b="0" i="0" dirty="0">
+                <a:solidFill>
+                  <a:srgbClr val="212121"/>
+                </a:solidFill>
+                <a:effectLst/>
+                <a:latin typeface="Times New Roman" panose="02020603050405020304" pitchFamily="18" charset="0"/>
+                <a:cs typeface="Times New Roman" panose="02020603050405020304" pitchFamily="18" charset="0"/>
+              </a:rPr>
+              <a:t> file of the API Project, Add the below lines in </a:t>
+            </a:r>
+            <a:r>
+              <a:rPr lang="en-US" sz="2000" b="0" i="0" dirty="0" err="1">
+                <a:solidFill>
+                  <a:srgbClr val="212121"/>
+                </a:solidFill>
+                <a:effectLst/>
+                <a:latin typeface="Times New Roman" panose="02020603050405020304" pitchFamily="18" charset="0"/>
+                <a:cs typeface="Times New Roman" panose="02020603050405020304" pitchFamily="18" charset="0"/>
+              </a:rPr>
+              <a:t>ConfigurationService</a:t>
+            </a:r>
+            <a:r>
+              <a:rPr lang="en-US" sz="2000" b="0" i="0" dirty="0">
+                <a:solidFill>
+                  <a:srgbClr val="212121"/>
+                </a:solidFill>
+                <a:effectLst/>
+                <a:latin typeface="Times New Roman" panose="02020603050405020304" pitchFamily="18" charset="0"/>
+                <a:cs typeface="Times New Roman" panose="02020603050405020304" pitchFamily="18" charset="0"/>
+              </a:rPr>
+              <a:t> method. :</a:t>
+            </a:r>
+          </a:p>
+          <a:p>
+            <a:endParaRPr lang="en-US" sz="2000" b="0" i="0" dirty="0">
+              <a:solidFill>
+                <a:srgbClr val="212121"/>
+              </a:solidFill>
+              <a:effectLst/>
+              <a:latin typeface="Times New Roman" panose="02020603050405020304" pitchFamily="18" charset="0"/>
+              <a:cs typeface="Times New Roman" panose="02020603050405020304" pitchFamily="18" charset="0"/>
+            </a:endParaRPr>
+          </a:p>
+          <a:p>
+            <a:pPr marL="0" indent="0">
+              <a:buNone/>
+            </a:pPr>
+            <a:r>
+              <a:rPr lang="en-IN" sz="1600" dirty="0" err="1">
+                <a:solidFill>
+                  <a:srgbClr val="000000"/>
+                </a:solidFill>
+                <a:latin typeface="Consolas" panose="020B0609020204030204" pitchFamily="49" charset="0"/>
+              </a:rPr>
+              <a:t>services.AddEntityFrameworkSqlServer</a:t>
+            </a:r>
+            <a:r>
               <a:rPr lang="en-IN" sz="1600" dirty="0">
                 <a:solidFill>
-                  <a:srgbClr val="0000FF"/>
-                </a:solidFill>
-                <a:latin typeface="Consolas" panose="020B0609020204030204" pitchFamily="49" charset="0"/>
-              </a:rPr>
-              <a:t>public</a:t>
+                  <a:srgbClr val="000000"/>
+                </a:solidFill>
+                <a:latin typeface="Consolas" panose="020B0609020204030204" pitchFamily="49" charset="0"/>
+              </a:rPr>
+              <a:t>();</a:t>
+            </a:r>
+          </a:p>
+          <a:p>
+            <a:pPr marL="0" indent="0">
+              <a:buNone/>
+            </a:pPr>
+            <a:r>
+              <a:rPr lang="en-IN" sz="1600" dirty="0" err="1">
+                <a:solidFill>
+                  <a:srgbClr val="000000"/>
+                </a:solidFill>
+                <a:latin typeface="Consolas" panose="020B0609020204030204" pitchFamily="49" charset="0"/>
+              </a:rPr>
+              <a:t>services.AddDbContextPool</a:t>
             </a:r>
             <a:r>
               <a:rPr lang="en-IN" sz="1600" dirty="0">
@@ -12867,16 +15605,16 @@
                 </a:solidFill>
                 <a:latin typeface="Consolas" panose="020B0609020204030204" pitchFamily="49" charset="0"/>
               </a:rPr>
-              <a:t> </a:t>
+              <a:t>&lt;</a:t>
             </a:r>
             <a:r>
               <a:rPr lang="en-IN" sz="1600" dirty="0" err="1">
                 <a:solidFill>
-                  <a:srgbClr val="2B91AF"/>
-                </a:solidFill>
-                <a:latin typeface="Consolas" panose="020B0609020204030204" pitchFamily="49" charset="0"/>
-              </a:rPr>
-              <a:t>TestsController</a:t>
+                  <a:srgbClr val="000000"/>
+                </a:solidFill>
+                <a:latin typeface="Consolas" panose="020B0609020204030204" pitchFamily="49" charset="0"/>
+              </a:rPr>
+              <a:t>TestDBContext</a:t>
             </a:r>
             <a:r>
               <a:rPr lang="en-IN" sz="1600" dirty="0">
@@ -12885,6 +15623,42 @@
                 </a:solidFill>
                 <a:latin typeface="Consolas" panose="020B0609020204030204" pitchFamily="49" charset="0"/>
               </a:rPr>
+              <a:t>&gt;((</a:t>
+            </a:r>
+            <a:r>
+              <a:rPr lang="en-IN" sz="1600" dirty="0" err="1">
+                <a:solidFill>
+                  <a:srgbClr val="000000"/>
+                </a:solidFill>
+                <a:latin typeface="Consolas" panose="020B0609020204030204" pitchFamily="49" charset="0"/>
+              </a:rPr>
+              <a:t>serviceProvider</a:t>
+            </a:r>
+            <a:r>
+              <a:rPr lang="en-IN" sz="1600" dirty="0">
+                <a:solidFill>
+                  <a:srgbClr val="000000"/>
+                </a:solidFill>
+                <a:latin typeface="Consolas" panose="020B0609020204030204" pitchFamily="49" charset="0"/>
+              </a:rPr>
+              <a:t>, options) =&gt; { </a:t>
+            </a:r>
+            <a:r>
+              <a:rPr lang="en-IN" sz="1600" dirty="0" err="1">
+                <a:solidFill>
+                  <a:srgbClr val="000000"/>
+                </a:solidFill>
+                <a:latin typeface="Consolas" panose="020B0609020204030204" pitchFamily="49" charset="0"/>
+              </a:rPr>
+              <a:t>options.UseSqlServer</a:t>
+            </a:r>
+            <a:r>
+              <a:rPr lang="en-IN" sz="1600" dirty="0">
+                <a:solidFill>
+                  <a:srgbClr val="000000"/>
+                </a:solidFill>
+                <a:latin typeface="Consolas" panose="020B0609020204030204" pitchFamily="49" charset="0"/>
+              </a:rPr>
               <a:t>(</a:t>
             </a:r>
             <a:r>
@@ -12894,6 +15668,91 @@
                 </a:solidFill>
                 <a:latin typeface="Consolas" panose="020B0609020204030204" pitchFamily="49" charset="0"/>
               </a:rPr>
+              <a:t>Configuration.GetConnectionString</a:t>
+            </a:r>
+            <a:r>
+              <a:rPr lang="en-IN" sz="1600" dirty="0">
+                <a:solidFill>
+                  <a:srgbClr val="000000"/>
+                </a:solidFill>
+                <a:latin typeface="Consolas" panose="020B0609020204030204" pitchFamily="49" charset="0"/>
+              </a:rPr>
+              <a:t>(</a:t>
+            </a:r>
+            <a:r>
+              <a:rPr lang="en-IN" sz="1600" dirty="0">
+                <a:solidFill>
+                  <a:srgbClr val="A31515"/>
+                </a:solidFill>
+                <a:latin typeface="Consolas" panose="020B0609020204030204" pitchFamily="49" charset="0"/>
+              </a:rPr>
+              <a:t>"</a:t>
+            </a:r>
+            <a:r>
+              <a:rPr lang="en-IN" sz="1600" dirty="0" err="1">
+                <a:solidFill>
+                  <a:srgbClr val="A31515"/>
+                </a:solidFill>
+                <a:latin typeface="Consolas" panose="020B0609020204030204" pitchFamily="49" charset="0"/>
+              </a:rPr>
+              <a:t>DefaultConnection</a:t>
+            </a:r>
+            <a:r>
+              <a:rPr lang="en-IN" sz="1600" dirty="0">
+                <a:solidFill>
+                  <a:srgbClr val="A31515"/>
+                </a:solidFill>
+                <a:latin typeface="Consolas" panose="020B0609020204030204" pitchFamily="49" charset="0"/>
+              </a:rPr>
+              <a:t>"</a:t>
+            </a:r>
+            <a:r>
+              <a:rPr lang="en-IN" sz="1600" dirty="0">
+                <a:solidFill>
+                  <a:srgbClr val="000000"/>
+                </a:solidFill>
+                <a:latin typeface="Consolas" panose="020B0609020204030204" pitchFamily="49" charset="0"/>
+              </a:rPr>
+              <a:t>)); });</a:t>
+            </a:r>
+            <a:endParaRPr lang="en-US" sz="1600" b="0" i="0" dirty="0">
+              <a:solidFill>
+                <a:srgbClr val="212121"/>
+              </a:solidFill>
+              <a:effectLst/>
+              <a:latin typeface="Times New Roman" panose="02020603050405020304" pitchFamily="18" charset="0"/>
+              <a:cs typeface="Times New Roman" panose="02020603050405020304" pitchFamily="18" charset="0"/>
+            </a:endParaRPr>
+          </a:p>
+          <a:p>
+            <a:pPr marL="0" indent="0">
+              <a:buNone/>
+            </a:pPr>
+            <a:r>
+              <a:rPr lang="en-IN" sz="1600" dirty="0" err="1">
+                <a:solidFill>
+                  <a:srgbClr val="000000"/>
+                </a:solidFill>
+                <a:latin typeface="Consolas" panose="020B0609020204030204" pitchFamily="49" charset="0"/>
+              </a:rPr>
+              <a:t>services.AddScoped</a:t>
+            </a:r>
+            <a:r>
+              <a:rPr lang="en-IN" sz="1600" dirty="0">
+                <a:solidFill>
+                  <a:srgbClr val="000000"/>
+                </a:solidFill>
+                <a:latin typeface="Consolas" panose="020B0609020204030204" pitchFamily="49" charset="0"/>
+              </a:rPr>
+              <a:t>&lt;</a:t>
+            </a:r>
+            <a:r>
+              <a:rPr lang="en-IN" sz="1600" dirty="0" err="1">
+                <a:solidFill>
+                  <a:srgbClr val="000000"/>
+                </a:solidFill>
+                <a:latin typeface="Consolas" panose="020B0609020204030204" pitchFamily="49" charset="0"/>
+              </a:rPr>
               <a:t>IDepositors</a:t>
             </a:r>
             <a:r>
@@ -12903,13 +15762,17 @@
                 </a:solidFill>
                 <a:latin typeface="Consolas" panose="020B0609020204030204" pitchFamily="49" charset="0"/>
               </a:rPr>
-              <a:t> repo)</a:t>
-            </a:r>
-          </a:p>
-          <a:p>
-            <a:pPr marL="0" indent="0">
-              <a:buNone/>
-            </a:pPr>
+              <a:t>, </a:t>
+            </a:r>
+            <a:r>
+              <a:rPr lang="en-IN" sz="1600" dirty="0" err="1">
+                <a:solidFill>
+                  <a:srgbClr val="000000"/>
+                </a:solidFill>
+                <a:latin typeface="Consolas" panose="020B0609020204030204" pitchFamily="49" charset="0"/>
+              </a:rPr>
+              <a:t>DepositorRepository</a:t>
+            </a:r>
             <a:r>
               <a:rPr lang="en-IN" sz="1600" dirty="0">
                 <a:solidFill>
@@ -12917,340 +15780,13 @@
                 </a:solidFill>
                 <a:latin typeface="Consolas" panose="020B0609020204030204" pitchFamily="49" charset="0"/>
               </a:rPr>
-              <a:t> {</a:t>
-            </a:r>
-          </a:p>
-          <a:p>
-            <a:pPr marL="0" indent="0">
-              <a:buNone/>
-            </a:pPr>
-            <a:r>
-              <a:rPr lang="en-IN" sz="1600" dirty="0">
-                <a:solidFill>
-                  <a:srgbClr val="000000"/>
-                </a:solidFill>
-                <a:latin typeface="Consolas" panose="020B0609020204030204" pitchFamily="49" charset="0"/>
-              </a:rPr>
-              <a:t>     depositors = repo;</a:t>
-            </a:r>
-          </a:p>
-          <a:p>
-            <a:pPr marL="0" indent="0">
-              <a:buNone/>
-            </a:pPr>
-            <a:r>
-              <a:rPr lang="en-IN" sz="1600" dirty="0">
-                <a:solidFill>
-                  <a:srgbClr val="000000"/>
-                </a:solidFill>
-                <a:latin typeface="Consolas" panose="020B0609020204030204" pitchFamily="49" charset="0"/>
-              </a:rPr>
-              <a:t> }</a:t>
-            </a:r>
-          </a:p>
-          <a:p>
-            <a:pPr marL="0" indent="0">
-              <a:buNone/>
-            </a:pPr>
-            <a:r>
-              <a:rPr lang="en-IN" sz="1600" dirty="0">
-                <a:solidFill>
-                  <a:srgbClr val="000000"/>
-                </a:solidFill>
-                <a:latin typeface="Consolas" panose="020B0609020204030204" pitchFamily="49" charset="0"/>
-              </a:rPr>
-              <a:t>[</a:t>
-            </a:r>
-            <a:r>
-              <a:rPr lang="en-IN" sz="1600" dirty="0" err="1">
-                <a:solidFill>
-                  <a:srgbClr val="000000"/>
-                </a:solidFill>
-                <a:latin typeface="Consolas" panose="020B0609020204030204" pitchFamily="49" charset="0"/>
-              </a:rPr>
-              <a:t>HttpGet</a:t>
-            </a:r>
-            <a:r>
-              <a:rPr lang="en-IN" sz="1600" dirty="0">
-                <a:solidFill>
-                  <a:srgbClr val="000000"/>
-                </a:solidFill>
-                <a:latin typeface="Consolas" panose="020B0609020204030204" pitchFamily="49" charset="0"/>
-              </a:rPr>
-              <a:t>]</a:t>
-            </a:r>
-          </a:p>
-          <a:p>
-            <a:pPr marL="0" indent="0">
-              <a:buNone/>
-            </a:pPr>
-            <a:r>
-              <a:rPr lang="en-IN" sz="1600" dirty="0">
-                <a:solidFill>
-                  <a:srgbClr val="000000"/>
-                </a:solidFill>
-                <a:latin typeface="Consolas" panose="020B0609020204030204" pitchFamily="49" charset="0"/>
-              </a:rPr>
-              <a:t>        </a:t>
-            </a:r>
-            <a:r>
-              <a:rPr lang="en-IN" sz="1600" dirty="0">
-                <a:solidFill>
-                  <a:srgbClr val="0000FF"/>
-                </a:solidFill>
-                <a:latin typeface="Consolas" panose="020B0609020204030204" pitchFamily="49" charset="0"/>
-              </a:rPr>
-              <a:t>public</a:t>
-            </a:r>
-            <a:r>
-              <a:rPr lang="en-IN" sz="1600" dirty="0">
-                <a:solidFill>
-                  <a:srgbClr val="000000"/>
-                </a:solidFill>
-                <a:latin typeface="Consolas" panose="020B0609020204030204" pitchFamily="49" charset="0"/>
-              </a:rPr>
-              <a:t> </a:t>
-            </a:r>
-            <a:r>
-              <a:rPr lang="en-IN" sz="1600" dirty="0" err="1">
-                <a:solidFill>
-                  <a:srgbClr val="000000"/>
-                </a:solidFill>
-                <a:latin typeface="Consolas" panose="020B0609020204030204" pitchFamily="49" charset="0"/>
-              </a:rPr>
-              <a:t>ActionResult</a:t>
-            </a:r>
-            <a:r>
-              <a:rPr lang="en-IN" sz="1600" dirty="0">
-                <a:solidFill>
-                  <a:srgbClr val="000000"/>
-                </a:solidFill>
-                <a:latin typeface="Consolas" panose="020B0609020204030204" pitchFamily="49" charset="0"/>
-              </a:rPr>
-              <a:t>&lt;List&lt;Deposit&gt;&gt; </a:t>
-            </a:r>
-            <a:r>
-              <a:rPr lang="en-IN" sz="1600" dirty="0" err="1">
-                <a:solidFill>
-                  <a:srgbClr val="000000"/>
-                </a:solidFill>
-                <a:latin typeface="Consolas" panose="020B0609020204030204" pitchFamily="49" charset="0"/>
-              </a:rPr>
-              <a:t>GetAllDepositors</a:t>
-            </a:r>
-            <a:r>
-              <a:rPr lang="en-IN" sz="1600" dirty="0">
-                <a:solidFill>
-                  <a:srgbClr val="000000"/>
-                </a:solidFill>
-                <a:latin typeface="Consolas" panose="020B0609020204030204" pitchFamily="49" charset="0"/>
-              </a:rPr>
-              <a:t>()</a:t>
-            </a:r>
-          </a:p>
-          <a:p>
-            <a:pPr marL="0" indent="0">
-              <a:buNone/>
-            </a:pPr>
-            <a:r>
-              <a:rPr lang="en-IN" sz="1600" dirty="0">
-                <a:solidFill>
-                  <a:srgbClr val="000000"/>
-                </a:solidFill>
-                <a:latin typeface="Consolas" panose="020B0609020204030204" pitchFamily="49" charset="0"/>
-              </a:rPr>
-              <a:t>        {</a:t>
-            </a:r>
-          </a:p>
-          <a:p>
-            <a:pPr marL="0" indent="0">
-              <a:buNone/>
-            </a:pPr>
-            <a:r>
-              <a:rPr lang="en-IN" sz="1600" dirty="0">
-                <a:solidFill>
-                  <a:srgbClr val="000000"/>
-                </a:solidFill>
-                <a:latin typeface="Consolas" panose="020B0609020204030204" pitchFamily="49" charset="0"/>
-              </a:rPr>
-              <a:t>            </a:t>
-            </a:r>
-            <a:r>
-              <a:rPr lang="en-IN" sz="1600" dirty="0">
-                <a:solidFill>
-                  <a:srgbClr val="0000FF"/>
-                </a:solidFill>
-                <a:latin typeface="Consolas" panose="020B0609020204030204" pitchFamily="49" charset="0"/>
-              </a:rPr>
-              <a:t>return</a:t>
-            </a:r>
-            <a:r>
-              <a:rPr lang="en-IN" sz="1600" dirty="0">
-                <a:solidFill>
-                  <a:srgbClr val="000000"/>
-                </a:solidFill>
-                <a:latin typeface="Consolas" panose="020B0609020204030204" pitchFamily="49" charset="0"/>
-              </a:rPr>
-              <a:t> </a:t>
-            </a:r>
-            <a:r>
-              <a:rPr lang="en-IN" sz="1600" dirty="0" err="1">
-                <a:solidFill>
-                  <a:srgbClr val="000000"/>
-                </a:solidFill>
-                <a:latin typeface="Consolas" panose="020B0609020204030204" pitchFamily="49" charset="0"/>
-              </a:rPr>
-              <a:t>depositors.GetAll</a:t>
-            </a:r>
-            <a:r>
-              <a:rPr lang="en-IN" sz="1600" dirty="0">
-                <a:solidFill>
-                  <a:srgbClr val="000000"/>
-                </a:solidFill>
-                <a:latin typeface="Consolas" panose="020B0609020204030204" pitchFamily="49" charset="0"/>
-              </a:rPr>
-              <a:t>();</a:t>
-            </a:r>
-          </a:p>
-          <a:p>
-            <a:pPr marL="0" indent="0">
-              <a:buNone/>
-            </a:pPr>
-            <a:r>
-              <a:rPr lang="en-IN" sz="1600" dirty="0">
-                <a:solidFill>
-                  <a:srgbClr val="000000"/>
-                </a:solidFill>
-                <a:latin typeface="Consolas" panose="020B0609020204030204" pitchFamily="49" charset="0"/>
-              </a:rPr>
-              <a:t>        }</a:t>
-            </a:r>
-          </a:p>
-          <a:p>
-            <a:r>
-              <a:rPr lang="en-US" sz="1800" dirty="0">
-                <a:solidFill>
-                  <a:srgbClr val="212121"/>
-                </a:solidFill>
-                <a:latin typeface="Times New Roman" panose="02020603050405020304" pitchFamily="18" charset="0"/>
-                <a:cs typeface="Times New Roman" panose="02020603050405020304" pitchFamily="18" charset="0"/>
-              </a:rPr>
-              <a:t>T</a:t>
-            </a:r>
-            <a:r>
-              <a:rPr lang="en-US" sz="1800" b="0" i="0" dirty="0">
-                <a:solidFill>
-                  <a:srgbClr val="212121"/>
-                </a:solidFill>
-                <a:effectLst/>
-                <a:latin typeface="Times New Roman" panose="02020603050405020304" pitchFamily="18" charset="0"/>
-                <a:cs typeface="Times New Roman" panose="02020603050405020304" pitchFamily="18" charset="0"/>
-              </a:rPr>
-              <a:t>o configure the repository in the </a:t>
-            </a:r>
-            <a:r>
-              <a:rPr lang="en-US" sz="1800" b="0" i="0" dirty="0" err="1">
-                <a:solidFill>
-                  <a:srgbClr val="212121"/>
-                </a:solidFill>
-                <a:effectLst/>
-                <a:latin typeface="Times New Roman" panose="02020603050405020304" pitchFamily="18" charset="0"/>
-                <a:cs typeface="Times New Roman" panose="02020603050405020304" pitchFamily="18" charset="0"/>
-              </a:rPr>
-              <a:t>startup.cs</a:t>
-            </a:r>
-            <a:r>
-              <a:rPr lang="en-US" sz="1800" b="0" i="0" dirty="0">
-                <a:solidFill>
-                  <a:srgbClr val="212121"/>
-                </a:solidFill>
-                <a:effectLst/>
-                <a:latin typeface="Times New Roman" panose="02020603050405020304" pitchFamily="18" charset="0"/>
-                <a:cs typeface="Times New Roman" panose="02020603050405020304" pitchFamily="18" charset="0"/>
-              </a:rPr>
-              <a:t> file of the API Project, Add the below line in </a:t>
-            </a:r>
-            <a:r>
-              <a:rPr lang="en-US" sz="1800" b="0" i="0" dirty="0" err="1">
-                <a:solidFill>
-                  <a:srgbClr val="212121"/>
-                </a:solidFill>
-                <a:effectLst/>
-                <a:latin typeface="Times New Roman" panose="02020603050405020304" pitchFamily="18" charset="0"/>
-                <a:cs typeface="Times New Roman" panose="02020603050405020304" pitchFamily="18" charset="0"/>
-              </a:rPr>
-              <a:t>ConfigurationService</a:t>
-            </a:r>
-            <a:r>
-              <a:rPr lang="en-US" sz="1800" b="0" i="0" dirty="0">
-                <a:solidFill>
-                  <a:srgbClr val="212121"/>
-                </a:solidFill>
-                <a:effectLst/>
-                <a:latin typeface="Times New Roman" panose="02020603050405020304" pitchFamily="18" charset="0"/>
-                <a:cs typeface="Times New Roman" panose="02020603050405020304" pitchFamily="18" charset="0"/>
-              </a:rPr>
-              <a:t> method. </a:t>
-            </a:r>
-          </a:p>
-          <a:p>
-            <a:pPr marL="0" indent="0">
-              <a:buNone/>
-            </a:pPr>
-            <a:r>
-              <a:rPr lang="en-IN" sz="1800" dirty="0" err="1">
-                <a:solidFill>
-                  <a:srgbClr val="000000"/>
-                </a:solidFill>
-                <a:latin typeface="Consolas" panose="020B0609020204030204" pitchFamily="49" charset="0"/>
-              </a:rPr>
-              <a:t>services.AddScoped</a:t>
-            </a:r>
-            <a:r>
-              <a:rPr lang="en-IN" sz="1800" dirty="0">
-                <a:solidFill>
-                  <a:srgbClr val="000000"/>
-                </a:solidFill>
-                <a:latin typeface="Consolas" panose="020B0609020204030204" pitchFamily="49" charset="0"/>
-              </a:rPr>
-              <a:t>&lt;</a:t>
-            </a:r>
-            <a:r>
-              <a:rPr lang="en-IN" sz="1800" dirty="0" err="1">
-                <a:solidFill>
-                  <a:srgbClr val="000000"/>
-                </a:solidFill>
-                <a:latin typeface="Consolas" panose="020B0609020204030204" pitchFamily="49" charset="0"/>
-              </a:rPr>
-              <a:t>IDepositors</a:t>
-            </a:r>
-            <a:r>
-              <a:rPr lang="en-IN" sz="1800" dirty="0">
-                <a:solidFill>
-                  <a:srgbClr val="000000"/>
-                </a:solidFill>
-                <a:latin typeface="Consolas" panose="020B0609020204030204" pitchFamily="49" charset="0"/>
-              </a:rPr>
-              <a:t>, </a:t>
-            </a:r>
-            <a:r>
-              <a:rPr lang="en-IN" sz="1800" dirty="0" err="1">
-                <a:solidFill>
-                  <a:srgbClr val="000000"/>
-                </a:solidFill>
-                <a:latin typeface="Consolas" panose="020B0609020204030204" pitchFamily="49" charset="0"/>
-              </a:rPr>
-              <a:t>DepositorRepository</a:t>
-            </a:r>
-            <a:r>
-              <a:rPr lang="en-IN" sz="1800" dirty="0">
-                <a:solidFill>
-                  <a:srgbClr val="000000"/>
-                </a:solidFill>
-                <a:latin typeface="Consolas" panose="020B0609020204030204" pitchFamily="49" charset="0"/>
-              </a:rPr>
               <a:t>&gt;();</a:t>
             </a:r>
+          </a:p>
+          <a:p>
+            <a:pPr marL="0" indent="0">
+              <a:buNone/>
+            </a:pPr>
             <a:endParaRPr lang="en-IN" sz="1600" dirty="0">
               <a:solidFill>
                 <a:srgbClr val="000000"/>
@@ -13259,6 +15795,20 @@
             </a:endParaRPr>
           </a:p>
           <a:p>
+            <a:pPr marL="0" indent="0">
+              <a:buNone/>
+            </a:pPr>
+            <a:r>
+              <a:rPr lang="en-IN" sz="1600" dirty="0">
+                <a:solidFill>
+                  <a:srgbClr val="000000"/>
+                </a:solidFill>
+                <a:latin typeface="Consolas" panose="020B0609020204030204" pitchFamily="49" charset="0"/>
+              </a:rPr>
+              <a:t>Note: Context class should only contain one Constructor and it should be parameterized constructor</a:t>
+            </a:r>
+          </a:p>
+          <a:p>
             <a:endParaRPr lang="en-IN" dirty="0"/>
           </a:p>
         </p:txBody>
@@ -13266,7 +15816,7 @@
     </p:spTree>
     <p:extLst>
       <p:ext uri="{BB962C8B-B14F-4D97-AF65-F5344CB8AC3E}">
-        <p14:creationId xmlns:p14="http://schemas.microsoft.com/office/powerpoint/2010/main" val="756380351"/>
+        <p14:creationId xmlns:p14="http://schemas.microsoft.com/office/powerpoint/2010/main" val="3637446490"/>
       </p:ext>
     </p:extLst>
   </p:cSld>
@@ -13298,7 +15848,7 @@
           <p:cNvPr id="2" name="Title 1">
             <a:extLst>
               <a:ext uri="{FF2B5EF4-FFF2-40B4-BE49-F238E27FC236}">
-                <a16:creationId xmlns:a16="http://schemas.microsoft.com/office/drawing/2014/main" id="{FFD957DC-A5E8-4A2D-A431-56ECFD45F54F}"/>
+                <a16:creationId xmlns:a16="http://schemas.microsoft.com/office/drawing/2014/main" id="{B33F0509-F71D-4429-A14C-918D2AA01913}"/>
               </a:ext>
             </a:extLst>
           </p:cNvPr>
@@ -13312,7 +15862,7 @@
         <p:spPr>
           <a:xfrm>
             <a:off x="646111" y="452718"/>
-            <a:ext cx="9404723" cy="701379"/>
+            <a:ext cx="9404723" cy="674746"/>
           </a:xfrm>
         </p:spPr>
         <p:txBody>
@@ -13332,7 +15882,7 @@
           <p:cNvPr id="3" name="Content Placeholder 2">
             <a:extLst>
               <a:ext uri="{FF2B5EF4-FFF2-40B4-BE49-F238E27FC236}">
-                <a16:creationId xmlns:a16="http://schemas.microsoft.com/office/drawing/2014/main" id="{BC43ACA3-A8FC-4D5B-83E0-4AEDB2B817F2}"/>
+                <a16:creationId xmlns:a16="http://schemas.microsoft.com/office/drawing/2014/main" id="{65560367-ED31-4F88-8C87-74DA23292CC2}"/>
               </a:ext>
             </a:extLst>
           </p:cNvPr>
@@ -13345,454 +15895,850 @@
         </p:nvSpPr>
         <p:spPr>
           <a:xfrm>
-            <a:off x="1103312" y="1154098"/>
-            <a:ext cx="8946541" cy="5094302"/>
+            <a:off x="1103312" y="1402672"/>
+            <a:ext cx="8946541" cy="4845727"/>
           </a:xfrm>
         </p:spPr>
         <p:txBody>
-          <a:bodyPr>
-            <a:normAutofit/>
-          </a:bodyPr>
+          <a:bodyPr/>
           <a:lstStyle/>
           <a:p>
-            <a:pPr marL="0" indent="0">
-              <a:buNone/>
-            </a:pPr>
-            <a:r>
-              <a:rPr lang="en-IN" sz="1600" dirty="0">
-                <a:solidFill>
-                  <a:srgbClr val="0000FF"/>
-                </a:solidFill>
-                <a:latin typeface="Times New Roman" panose="02020603050405020304" pitchFamily="18" charset="0"/>
-                <a:cs typeface="Times New Roman" panose="02020603050405020304" pitchFamily="18" charset="0"/>
-              </a:rPr>
-              <a:t>namespace</a:t>
-            </a:r>
-            <a:r>
-              <a:rPr lang="en-IN" sz="1600" dirty="0">
-                <a:solidFill>
-                  <a:srgbClr val="000000"/>
-                </a:solidFill>
-                <a:latin typeface="Times New Roman" panose="02020603050405020304" pitchFamily="18" charset="0"/>
-                <a:cs typeface="Times New Roman" panose="02020603050405020304" pitchFamily="18" charset="0"/>
-              </a:rPr>
-              <a:t> </a:t>
-            </a:r>
-            <a:r>
-              <a:rPr lang="en-IN" sz="1600" dirty="0" err="1">
-                <a:solidFill>
-                  <a:srgbClr val="000000"/>
-                </a:solidFill>
-                <a:latin typeface="Times New Roman" panose="02020603050405020304" pitchFamily="18" charset="0"/>
-                <a:cs typeface="Times New Roman" panose="02020603050405020304" pitchFamily="18" charset="0"/>
-              </a:rPr>
-              <a:t>PracticeDBAPI.Controllers</a:t>
-            </a:r>
-            <a:endParaRPr lang="en-IN" sz="1600" dirty="0">
-              <a:solidFill>
-                <a:srgbClr val="000000"/>
-              </a:solidFill>
-              <a:latin typeface="Times New Roman" panose="02020603050405020304" pitchFamily="18" charset="0"/>
-              <a:cs typeface="Times New Roman" panose="02020603050405020304" pitchFamily="18" charset="0"/>
-            </a:endParaRPr>
-          </a:p>
-          <a:p>
-            <a:pPr marL="0" indent="0">
-              <a:buNone/>
-            </a:pPr>
-            <a:r>
-              <a:rPr lang="en-IN" sz="1600" dirty="0">
-                <a:solidFill>
-                  <a:srgbClr val="000000"/>
-                </a:solidFill>
-                <a:latin typeface="Times New Roman" panose="02020603050405020304" pitchFamily="18" charset="0"/>
-                <a:cs typeface="Times New Roman" panose="02020603050405020304" pitchFamily="18" charset="0"/>
-              </a:rPr>
-              <a:t>{</a:t>
-            </a:r>
-          </a:p>
-          <a:p>
-            <a:pPr marL="0" indent="0">
-              <a:buNone/>
-            </a:pPr>
-            <a:r>
-              <a:rPr lang="en-IN" sz="1600" dirty="0">
-                <a:solidFill>
-                  <a:srgbClr val="000000"/>
-                </a:solidFill>
-                <a:latin typeface="Times New Roman" panose="02020603050405020304" pitchFamily="18" charset="0"/>
-                <a:cs typeface="Times New Roman" panose="02020603050405020304" pitchFamily="18" charset="0"/>
-              </a:rPr>
-              <a:t>    [Route(</a:t>
-            </a:r>
-            <a:r>
-              <a:rPr lang="en-IN" sz="1600" dirty="0">
-                <a:solidFill>
-                  <a:srgbClr val="A31515"/>
-                </a:solidFill>
-                <a:latin typeface="Times New Roman" panose="02020603050405020304" pitchFamily="18" charset="0"/>
-                <a:cs typeface="Times New Roman" panose="02020603050405020304" pitchFamily="18" charset="0"/>
-              </a:rPr>
-              <a:t>"</a:t>
-            </a:r>
-            <a:r>
-              <a:rPr lang="en-IN" sz="1600" dirty="0" err="1">
-                <a:solidFill>
-                  <a:srgbClr val="A31515"/>
-                </a:solidFill>
-                <a:latin typeface="Times New Roman" panose="02020603050405020304" pitchFamily="18" charset="0"/>
-                <a:cs typeface="Times New Roman" panose="02020603050405020304" pitchFamily="18" charset="0"/>
-              </a:rPr>
-              <a:t>api</a:t>
-            </a:r>
-            <a:r>
-              <a:rPr lang="en-IN" sz="1600" dirty="0">
-                <a:solidFill>
-                  <a:srgbClr val="A31515"/>
-                </a:solidFill>
-                <a:latin typeface="Times New Roman" panose="02020603050405020304" pitchFamily="18" charset="0"/>
-                <a:cs typeface="Times New Roman" panose="02020603050405020304" pitchFamily="18" charset="0"/>
-              </a:rPr>
-              <a:t>/[controller]"</a:t>
-            </a:r>
-            <a:r>
-              <a:rPr lang="en-IN" sz="1600" dirty="0">
-                <a:solidFill>
-                  <a:srgbClr val="000000"/>
-                </a:solidFill>
-                <a:latin typeface="Times New Roman" panose="02020603050405020304" pitchFamily="18" charset="0"/>
-                <a:cs typeface="Times New Roman" panose="02020603050405020304" pitchFamily="18" charset="0"/>
-              </a:rPr>
-              <a:t>)]</a:t>
-            </a:r>
-          </a:p>
-          <a:p>
-            <a:pPr marL="0" indent="0">
-              <a:buNone/>
-            </a:pPr>
-            <a:r>
-              <a:rPr lang="en-IN" sz="1600" dirty="0">
-                <a:solidFill>
-                  <a:srgbClr val="000000"/>
-                </a:solidFill>
-                <a:latin typeface="Times New Roman" panose="02020603050405020304" pitchFamily="18" charset="0"/>
-                <a:cs typeface="Times New Roman" panose="02020603050405020304" pitchFamily="18" charset="0"/>
-              </a:rPr>
-              <a:t>    [</a:t>
-            </a:r>
-            <a:r>
-              <a:rPr lang="en-IN" sz="1600" dirty="0" err="1">
-                <a:solidFill>
-                  <a:srgbClr val="000000"/>
-                </a:solidFill>
-                <a:latin typeface="Times New Roman" panose="02020603050405020304" pitchFamily="18" charset="0"/>
-                <a:cs typeface="Times New Roman" panose="02020603050405020304" pitchFamily="18" charset="0"/>
-              </a:rPr>
-              <a:t>ApiController</a:t>
-            </a:r>
-            <a:r>
-              <a:rPr lang="en-IN" sz="1600" dirty="0">
-                <a:solidFill>
-                  <a:srgbClr val="000000"/>
-                </a:solidFill>
-                <a:latin typeface="Times New Roman" panose="02020603050405020304" pitchFamily="18" charset="0"/>
-                <a:cs typeface="Times New Roman" panose="02020603050405020304" pitchFamily="18" charset="0"/>
-              </a:rPr>
-              <a:t>]</a:t>
-            </a:r>
-          </a:p>
-          <a:p>
-            <a:pPr marL="0" indent="0">
-              <a:buNone/>
-            </a:pPr>
-            <a:r>
-              <a:rPr lang="en-IN" sz="1600" dirty="0">
-                <a:solidFill>
-                  <a:srgbClr val="000000"/>
-                </a:solidFill>
-                <a:latin typeface="Times New Roman" panose="02020603050405020304" pitchFamily="18" charset="0"/>
-                <a:cs typeface="Times New Roman" panose="02020603050405020304" pitchFamily="18" charset="0"/>
-              </a:rPr>
-              <a:t>    </a:t>
-            </a:r>
-            <a:r>
-              <a:rPr lang="en-IN" sz="1600" dirty="0">
-                <a:solidFill>
-                  <a:srgbClr val="0000FF"/>
-                </a:solidFill>
-                <a:latin typeface="Times New Roman" panose="02020603050405020304" pitchFamily="18" charset="0"/>
-                <a:cs typeface="Times New Roman" panose="02020603050405020304" pitchFamily="18" charset="0"/>
-              </a:rPr>
-              <a:t>public</a:t>
-            </a:r>
-            <a:r>
-              <a:rPr lang="en-IN" sz="1600" dirty="0">
-                <a:solidFill>
-                  <a:srgbClr val="000000"/>
-                </a:solidFill>
-                <a:latin typeface="Times New Roman" panose="02020603050405020304" pitchFamily="18" charset="0"/>
-                <a:cs typeface="Times New Roman" panose="02020603050405020304" pitchFamily="18" charset="0"/>
-              </a:rPr>
-              <a:t> </a:t>
-            </a:r>
-            <a:r>
-              <a:rPr lang="en-IN" sz="1600" dirty="0">
-                <a:solidFill>
-                  <a:srgbClr val="0000FF"/>
-                </a:solidFill>
-                <a:latin typeface="Times New Roman" panose="02020603050405020304" pitchFamily="18" charset="0"/>
-                <a:cs typeface="Times New Roman" panose="02020603050405020304" pitchFamily="18" charset="0"/>
-              </a:rPr>
-              <a:t>class</a:t>
-            </a:r>
-            <a:r>
-              <a:rPr lang="en-IN" sz="1600" dirty="0">
-                <a:solidFill>
-                  <a:srgbClr val="000000"/>
-                </a:solidFill>
-                <a:latin typeface="Times New Roman" panose="02020603050405020304" pitchFamily="18" charset="0"/>
-                <a:cs typeface="Times New Roman" panose="02020603050405020304" pitchFamily="18" charset="0"/>
-              </a:rPr>
-              <a:t> </a:t>
-            </a:r>
-            <a:r>
-              <a:rPr lang="en-IN" sz="1600" dirty="0" err="1">
-                <a:solidFill>
-                  <a:srgbClr val="2B91AF"/>
-                </a:solidFill>
-                <a:latin typeface="Times New Roman" panose="02020603050405020304" pitchFamily="18" charset="0"/>
-                <a:cs typeface="Times New Roman" panose="02020603050405020304" pitchFamily="18" charset="0"/>
-              </a:rPr>
-              <a:t>ValuesController</a:t>
-            </a:r>
-            <a:r>
-              <a:rPr lang="en-IN" sz="1600" dirty="0">
-                <a:solidFill>
-                  <a:srgbClr val="000000"/>
-                </a:solidFill>
-                <a:latin typeface="Times New Roman" panose="02020603050405020304" pitchFamily="18" charset="0"/>
-                <a:cs typeface="Times New Roman" panose="02020603050405020304" pitchFamily="18" charset="0"/>
-              </a:rPr>
-              <a:t> : </a:t>
-            </a:r>
-            <a:r>
-              <a:rPr lang="en-IN" sz="1600" dirty="0" err="1">
-                <a:solidFill>
-                  <a:srgbClr val="000000"/>
-                </a:solidFill>
+            <a:r>
+              <a:rPr lang="en-IN" dirty="0">
+                <a:latin typeface="Times New Roman" panose="02020603050405020304" pitchFamily="18" charset="0"/>
+                <a:cs typeface="Times New Roman" panose="02020603050405020304" pitchFamily="18" charset="0"/>
+              </a:rPr>
+              <a:t>Useful for handling HTTP Requests</a:t>
+            </a:r>
+          </a:p>
+          <a:p>
+            <a:r>
+              <a:rPr lang="en-IN" dirty="0">
+                <a:latin typeface="Times New Roman" panose="02020603050405020304" pitchFamily="18" charset="0"/>
+                <a:cs typeface="Times New Roman" panose="02020603050405020304" pitchFamily="18" charset="0"/>
+              </a:rPr>
+              <a:t>Derive from </a:t>
+            </a:r>
+            <a:r>
+              <a:rPr lang="en-IN" dirty="0" err="1">
                 <a:latin typeface="Times New Roman" panose="02020603050405020304" pitchFamily="18" charset="0"/>
                 <a:cs typeface="Times New Roman" panose="02020603050405020304" pitchFamily="18" charset="0"/>
               </a:rPr>
               <a:t>ControllerBase</a:t>
             </a:r>
-            <a:endParaRPr lang="en-IN" sz="1600" dirty="0">
-              <a:solidFill>
-                <a:srgbClr val="000000"/>
-              </a:solidFill>
-              <a:latin typeface="Times New Roman" panose="02020603050405020304" pitchFamily="18" charset="0"/>
-              <a:cs typeface="Times New Roman" panose="02020603050405020304" pitchFamily="18" charset="0"/>
-            </a:endParaRPr>
-          </a:p>
-          <a:p>
-            <a:pPr marL="0" indent="0">
-              <a:buNone/>
-            </a:pPr>
-            <a:r>
-              <a:rPr lang="en-IN" sz="1600" dirty="0">
-                <a:solidFill>
-                  <a:srgbClr val="000000"/>
-                </a:solidFill>
-                <a:latin typeface="Times New Roman" panose="02020603050405020304" pitchFamily="18" charset="0"/>
-                <a:cs typeface="Times New Roman" panose="02020603050405020304" pitchFamily="18" charset="0"/>
-              </a:rPr>
-              <a:t>    {</a:t>
-            </a:r>
-          </a:p>
-          <a:p>
-            <a:pPr marL="0" indent="0">
-              <a:buNone/>
-            </a:pPr>
-            <a:r>
-              <a:rPr lang="en-IN" sz="1600" dirty="0">
-                <a:solidFill>
-                  <a:srgbClr val="000000"/>
-                </a:solidFill>
-                <a:latin typeface="Times New Roman" panose="02020603050405020304" pitchFamily="18" charset="0"/>
-                <a:cs typeface="Times New Roman" panose="02020603050405020304" pitchFamily="18" charset="0"/>
-              </a:rPr>
-              <a:t>    </a:t>
-            </a:r>
-            <a:r>
-              <a:rPr lang="en-IN" sz="1800" dirty="0">
-                <a:solidFill>
-                  <a:srgbClr val="000000"/>
-                </a:solidFill>
-                <a:latin typeface="Times New Roman" panose="02020603050405020304" pitchFamily="18" charset="0"/>
-                <a:cs typeface="Times New Roman" panose="02020603050405020304" pitchFamily="18" charset="0"/>
-              </a:rPr>
-              <a:t>}</a:t>
-            </a:r>
-          </a:p>
-          <a:p>
-            <a:pPr marL="0" indent="0">
-              <a:buNone/>
-            </a:pPr>
-            <a:r>
-              <a:rPr lang="en-IN" sz="1600" dirty="0">
-                <a:solidFill>
-                  <a:srgbClr val="000000"/>
-                </a:solidFill>
-                <a:latin typeface="Times New Roman" panose="02020603050405020304" pitchFamily="18" charset="0"/>
-                <a:cs typeface="Times New Roman" panose="02020603050405020304" pitchFamily="18" charset="0"/>
-              </a:rPr>
-              <a:t>}</a:t>
-            </a:r>
-          </a:p>
-          <a:p>
-            <a:pPr marL="0" indent="0">
-              <a:buNone/>
-            </a:pPr>
-            <a:r>
-              <a:rPr lang="en-IN" sz="1600" dirty="0">
-                <a:solidFill>
-                  <a:srgbClr val="000000"/>
-                </a:solidFill>
-                <a:latin typeface="Times New Roman" panose="02020603050405020304" pitchFamily="18" charset="0"/>
-                <a:cs typeface="Times New Roman" panose="02020603050405020304" pitchFamily="18" charset="0"/>
-              </a:rPr>
-              <a:t>Create Controllers in Controller Folder</a:t>
-            </a:r>
-          </a:p>
-          <a:p>
-            <a:pPr marL="0" indent="0">
-              <a:buNone/>
-            </a:pPr>
-            <a:r>
-              <a:rPr lang="en-IN" sz="1600" dirty="0">
-                <a:solidFill>
-                  <a:srgbClr val="000000"/>
-                </a:solidFill>
-                <a:latin typeface="Times New Roman" panose="02020603050405020304" pitchFamily="18" charset="0"/>
-                <a:cs typeface="Times New Roman" panose="02020603050405020304" pitchFamily="18" charset="0"/>
-              </a:rPr>
-              <a:t>Route() implies the attribute Routing, It is used to define routes</a:t>
-            </a:r>
-          </a:p>
-          <a:p>
-            <a:pPr marL="0" indent="0">
-              <a:buNone/>
-            </a:pPr>
-            <a:r>
-              <a:rPr lang="en-IN" sz="1600" dirty="0">
-                <a:solidFill>
-                  <a:srgbClr val="000000"/>
-                </a:solidFill>
-                <a:latin typeface="Times New Roman" panose="02020603050405020304" pitchFamily="18" charset="0"/>
-                <a:cs typeface="Times New Roman" panose="02020603050405020304" pitchFamily="18" charset="0"/>
-              </a:rPr>
-              <a:t>Here, Route() defines new route “</a:t>
-            </a:r>
-            <a:r>
-              <a:rPr lang="en-IN" sz="1600" dirty="0" err="1">
-                <a:solidFill>
-                  <a:srgbClr val="000000"/>
-                </a:solidFill>
-                <a:latin typeface="Times New Roman" panose="02020603050405020304" pitchFamily="18" charset="0"/>
-                <a:cs typeface="Times New Roman" panose="02020603050405020304" pitchFamily="18" charset="0"/>
-              </a:rPr>
-              <a:t>api</a:t>
-            </a:r>
-            <a:r>
-              <a:rPr lang="en-IN" sz="1600" dirty="0">
-                <a:solidFill>
-                  <a:srgbClr val="000000"/>
-                </a:solidFill>
-                <a:latin typeface="Times New Roman" panose="02020603050405020304" pitchFamily="18" charset="0"/>
-                <a:cs typeface="Times New Roman" panose="02020603050405020304" pitchFamily="18" charset="0"/>
-              </a:rPr>
-              <a:t>/values” which will be handled by all the methods </a:t>
-            </a:r>
-            <a:r>
-              <a:rPr lang="en-IN" sz="1600" dirty="0" err="1">
-                <a:solidFill>
-                  <a:srgbClr val="000000"/>
-                </a:solidFill>
-                <a:latin typeface="Times New Roman" panose="02020603050405020304" pitchFamily="18" charset="0"/>
-                <a:cs typeface="Times New Roman" panose="02020603050405020304" pitchFamily="18" charset="0"/>
-              </a:rPr>
-              <a:t>HttpGet</a:t>
-            </a:r>
-            <a:r>
-              <a:rPr lang="en-IN" sz="1600" dirty="0">
-                <a:solidFill>
-                  <a:srgbClr val="000000"/>
-                </a:solidFill>
-                <a:latin typeface="Times New Roman" panose="02020603050405020304" pitchFamily="18" charset="0"/>
-                <a:cs typeface="Times New Roman" panose="02020603050405020304" pitchFamily="18" charset="0"/>
-              </a:rPr>
-              <a:t>, </a:t>
-            </a:r>
-            <a:r>
-              <a:rPr lang="en-IN" sz="1600" dirty="0" err="1">
-                <a:solidFill>
-                  <a:srgbClr val="000000"/>
-                </a:solidFill>
-                <a:latin typeface="Times New Roman" panose="02020603050405020304" pitchFamily="18" charset="0"/>
-                <a:cs typeface="Times New Roman" panose="02020603050405020304" pitchFamily="18" charset="0"/>
-              </a:rPr>
-              <a:t>HttpPost</a:t>
-            </a:r>
-            <a:r>
-              <a:rPr lang="en-IN" sz="1600" dirty="0">
-                <a:solidFill>
-                  <a:srgbClr val="000000"/>
-                </a:solidFill>
-                <a:latin typeface="Times New Roman" panose="02020603050405020304" pitchFamily="18" charset="0"/>
-                <a:cs typeface="Times New Roman" panose="02020603050405020304" pitchFamily="18" charset="0"/>
-              </a:rPr>
-              <a:t>, </a:t>
-            </a:r>
-            <a:r>
-              <a:rPr lang="en-IN" sz="1600" dirty="0" err="1">
-                <a:solidFill>
-                  <a:srgbClr val="000000"/>
-                </a:solidFill>
-                <a:latin typeface="Times New Roman" panose="02020603050405020304" pitchFamily="18" charset="0"/>
-                <a:cs typeface="Times New Roman" panose="02020603050405020304" pitchFamily="18" charset="0"/>
-              </a:rPr>
-              <a:t>HttpPut</a:t>
-            </a:r>
-            <a:r>
-              <a:rPr lang="en-IN" sz="1600" dirty="0">
-                <a:solidFill>
-                  <a:srgbClr val="000000"/>
-                </a:solidFill>
-                <a:latin typeface="Times New Roman" panose="02020603050405020304" pitchFamily="18" charset="0"/>
-                <a:cs typeface="Times New Roman" panose="02020603050405020304" pitchFamily="18" charset="0"/>
-              </a:rPr>
-              <a:t>, </a:t>
-            </a:r>
-            <a:r>
-              <a:rPr lang="en-IN" sz="1600" dirty="0" err="1">
-                <a:solidFill>
-                  <a:srgbClr val="000000"/>
-                </a:solidFill>
-                <a:latin typeface="Times New Roman" panose="02020603050405020304" pitchFamily="18" charset="0"/>
-                <a:cs typeface="Times New Roman" panose="02020603050405020304" pitchFamily="18" charset="0"/>
-              </a:rPr>
-              <a:t>HttpDelete</a:t>
-            </a:r>
-            <a:endParaRPr lang="en-IN" sz="1600" dirty="0">
-              <a:latin typeface="Times New Roman" panose="02020603050405020304" pitchFamily="18" charset="0"/>
-              <a:cs typeface="Times New Roman" panose="02020603050405020304" pitchFamily="18" charset="0"/>
-            </a:endParaRPr>
+            <a:r>
+              <a:rPr lang="en-IN" dirty="0">
+                <a:latin typeface="Times New Roman" panose="02020603050405020304" pitchFamily="18" charset="0"/>
+                <a:cs typeface="Times New Roman" panose="02020603050405020304" pitchFamily="18" charset="0"/>
+              </a:rPr>
+              <a:t> class</a:t>
+            </a:r>
+          </a:p>
+          <a:p>
+            <a:r>
+              <a:rPr lang="en-IN" dirty="0">
+                <a:latin typeface="Times New Roman" panose="02020603050405020304" pitchFamily="18" charset="0"/>
+                <a:cs typeface="Times New Roman" panose="02020603050405020304" pitchFamily="18" charset="0"/>
+              </a:rPr>
+              <a:t>Some Methods of </a:t>
+            </a:r>
+            <a:r>
+              <a:rPr lang="en-IN" dirty="0" err="1">
+                <a:latin typeface="Times New Roman" panose="02020603050405020304" pitchFamily="18" charset="0"/>
+                <a:cs typeface="Times New Roman" panose="02020603050405020304" pitchFamily="18" charset="0"/>
+              </a:rPr>
+              <a:t>ControllerBase</a:t>
+            </a:r>
+            <a:r>
+              <a:rPr lang="en-IN" dirty="0">
+                <a:latin typeface="Times New Roman" panose="02020603050405020304" pitchFamily="18" charset="0"/>
+                <a:cs typeface="Times New Roman" panose="02020603050405020304" pitchFamily="18" charset="0"/>
+              </a:rPr>
+              <a:t> class are:</a:t>
+            </a:r>
+          </a:p>
+          <a:p>
+            <a:pPr marL="0" indent="0">
+              <a:buNone/>
+            </a:pPr>
+            <a:endParaRPr lang="en-IN" dirty="0"/>
           </a:p>
         </p:txBody>
       </p:sp>
+      <p:graphicFrame>
+        <p:nvGraphicFramePr>
+          <p:cNvPr id="4" name="Table 3">
+            <a:extLst>
+              <a:ext uri="{FF2B5EF4-FFF2-40B4-BE49-F238E27FC236}">
+                <a16:creationId xmlns:a16="http://schemas.microsoft.com/office/drawing/2014/main" id="{D904530A-D4E8-4706-9D5D-304CB7839A02}"/>
+              </a:ext>
+            </a:extLst>
+          </p:cNvPr>
+          <p:cNvGraphicFramePr>
+            <a:graphicFrameLocks noGrp="1"/>
+          </p:cNvGraphicFramePr>
+          <p:nvPr>
+            <p:extLst>
+              <p:ext uri="{D42A27DB-BD31-4B8C-83A1-F6EECF244321}">
+                <p14:modId xmlns:p14="http://schemas.microsoft.com/office/powerpoint/2010/main" val="2991672471"/>
+              </p:ext>
+            </p:extLst>
+          </p:nvPr>
+        </p:nvGraphicFramePr>
+        <p:xfrm>
+          <a:off x="2528888" y="3053238"/>
+          <a:ext cx="6096000" cy="2677296"/>
+        </p:xfrm>
+        <a:graphic>
+          <a:graphicData uri="http://schemas.openxmlformats.org/drawingml/2006/table">
+            <a:tbl>
+              <a:tblPr/>
+              <a:tblGrid>
+                <a:gridCol w="3048000">
+                  <a:extLst>
+                    <a:ext uri="{9D8B030D-6E8A-4147-A177-3AD203B41FA5}">
+                      <a16:colId xmlns:a16="http://schemas.microsoft.com/office/drawing/2014/main" val="3697559562"/>
+                    </a:ext>
+                  </a:extLst>
+                </a:gridCol>
+                <a:gridCol w="3048000">
+                  <a:extLst>
+                    <a:ext uri="{9D8B030D-6E8A-4147-A177-3AD203B41FA5}">
+                      <a16:colId xmlns:a16="http://schemas.microsoft.com/office/drawing/2014/main" val="1079435886"/>
+                    </a:ext>
+                  </a:extLst>
+                </a:gridCol>
+              </a:tblGrid>
+              <a:tr h="446216">
+                <a:tc>
+                  <a:txBody>
+                    <a:bodyPr/>
+                    <a:lstStyle/>
+                    <a:p>
+                      <a:pPr algn="l" fontAlgn="t"/>
+                      <a:r>
+                        <a:rPr lang="en-IN">
+                          <a:effectLst/>
+                        </a:rPr>
+                        <a:t>Method</a:t>
+                      </a:r>
+                    </a:p>
+                  </a:txBody>
+                  <a:tcPr>
+                    <a:lnL w="12700" cap="flat" cmpd="sng" algn="ctr">
+                      <a:solidFill>
+                        <a:srgbClr val="003AD7"/>
+                      </a:solidFill>
+                      <a:prstDash val="solid"/>
+                      <a:round/>
+                      <a:headEnd type="none" w="med" len="med"/>
+                      <a:tailEnd type="none" w="med" len="med"/>
+                    </a:lnL>
+                    <a:lnR w="12700" cap="flat" cmpd="sng" algn="ctr">
+                      <a:solidFill>
+                        <a:srgbClr val="6037D7"/>
+                      </a:solidFill>
+                      <a:prstDash val="solid"/>
+                      <a:round/>
+                      <a:headEnd type="none" w="med" len="med"/>
+                      <a:tailEnd type="none" w="med" len="med"/>
+                    </a:lnR>
+                    <a:lnT>
+                      <a:noFill/>
+                    </a:lnT>
+                    <a:lnB w="9525" cap="flat" cmpd="sng" algn="ctr">
+                      <a:solidFill>
+                        <a:schemeClr val="bg1"/>
+                      </a:solidFill>
+                      <a:prstDash val="solid"/>
+                      <a:round/>
+                      <a:headEnd type="none" w="med" len="med"/>
+                      <a:tailEnd type="none" w="med" len="med"/>
+                    </a:lnB>
+                    <a:solidFill>
+                      <a:srgbClr val="FFFFFF"/>
+                    </a:solidFill>
+                  </a:tcPr>
+                </a:tc>
+                <a:tc>
+                  <a:txBody>
+                    <a:bodyPr/>
+                    <a:lstStyle/>
+                    <a:p>
+                      <a:pPr algn="l" fontAlgn="t"/>
+                      <a:r>
+                        <a:rPr lang="en-IN">
+                          <a:effectLst/>
+                        </a:rPr>
+                        <a:t>Notes</a:t>
+                      </a:r>
+                    </a:p>
+                  </a:txBody>
+                  <a:tcPr>
+                    <a:lnL w="12700" cap="flat" cmpd="sng" algn="ctr">
+                      <a:solidFill>
+                        <a:srgbClr val="6037D7"/>
+                      </a:solidFill>
+                      <a:prstDash val="solid"/>
+                      <a:round/>
+                      <a:headEnd type="none" w="med" len="med"/>
+                      <a:tailEnd type="none" w="med" len="med"/>
+                    </a:lnL>
+                    <a:lnR w="12700" cap="flat" cmpd="sng" algn="ctr">
+                      <a:solidFill>
+                        <a:srgbClr val="6037D7"/>
+                      </a:solidFill>
+                      <a:prstDash val="solid"/>
+                      <a:round/>
+                      <a:headEnd type="none" w="med" len="med"/>
+                      <a:tailEnd type="none" w="med" len="med"/>
+                    </a:lnR>
+                    <a:lnT>
+                      <a:noFill/>
+                    </a:lnT>
+                    <a:lnB w="9525" cap="flat" cmpd="sng" algn="ctr">
+                      <a:solidFill>
+                        <a:schemeClr val="bg1"/>
+                      </a:solidFill>
+                      <a:prstDash val="solid"/>
+                      <a:round/>
+                      <a:headEnd type="none" w="med" len="med"/>
+                      <a:tailEnd type="none" w="med" len="med"/>
+                    </a:lnB>
+                    <a:solidFill>
+                      <a:srgbClr val="FFFFFF"/>
+                    </a:solidFill>
+                  </a:tcPr>
+                </a:tc>
+                <a:extLst>
+                  <a:ext uri="{0D108BD9-81ED-4DB2-BD59-A6C34878D82A}">
+                    <a16:rowId xmlns:a16="http://schemas.microsoft.com/office/drawing/2014/main" val="2956482318"/>
+                  </a:ext>
+                </a:extLst>
+              </a:tr>
+              <a:tr h="446216">
+                <a:tc>
+                  <a:txBody>
+                    <a:bodyPr/>
+                    <a:lstStyle/>
+                    <a:p>
+                      <a:pPr algn="l" fontAlgn="t"/>
+                      <a:r>
+                        <a:rPr lang="en-IN" u="none" strike="noStrike">
+                          <a:effectLst/>
+                          <a:hlinkClick r:id="rId2"/>
+                        </a:rPr>
+                        <a:t>BadRequest</a:t>
+                      </a:r>
+                      <a:endParaRPr lang="en-IN">
+                        <a:effectLst/>
+                      </a:endParaRPr>
+                    </a:p>
+                  </a:txBody>
+                  <a:tcPr>
+                    <a:lnL w="9525" cap="flat" cmpd="sng" algn="ctr">
+                      <a:solidFill>
+                        <a:schemeClr val="bg1"/>
+                      </a:solidFill>
+                      <a:prstDash val="solid"/>
+                      <a:round/>
+                      <a:headEnd type="none" w="med" len="med"/>
+                      <a:tailEnd type="none" w="med" len="med"/>
+                    </a:lnL>
+                    <a:lnR w="9525" cap="flat" cmpd="sng" algn="ctr">
+                      <a:solidFill>
+                        <a:schemeClr val="bg1"/>
+                      </a:solidFill>
+                      <a:prstDash val="solid"/>
+                      <a:round/>
+                      <a:headEnd type="none" w="med" len="med"/>
+                      <a:tailEnd type="none" w="med" len="med"/>
+                    </a:lnR>
+                    <a:lnT w="9525" cap="flat" cmpd="sng" algn="ctr">
+                      <a:solidFill>
+                        <a:schemeClr val="bg1"/>
+                      </a:solidFill>
+                      <a:prstDash val="solid"/>
+                      <a:round/>
+                      <a:headEnd type="none" w="med" len="med"/>
+                      <a:tailEnd type="none" w="med" len="med"/>
+                    </a:lnT>
+                    <a:lnB w="9525" cap="flat" cmpd="sng" algn="ctr">
+                      <a:solidFill>
+                        <a:schemeClr val="bg1"/>
+                      </a:solidFill>
+                      <a:prstDash val="solid"/>
+                      <a:round/>
+                      <a:headEnd type="none" w="med" len="med"/>
+                      <a:tailEnd type="none" w="med" len="med"/>
+                    </a:lnB>
+                    <a:solidFill>
+                      <a:srgbClr val="FFFFFF"/>
+                    </a:solidFill>
+                  </a:tcPr>
+                </a:tc>
+                <a:tc>
+                  <a:txBody>
+                    <a:bodyPr/>
+                    <a:lstStyle/>
+                    <a:p>
+                      <a:pPr algn="l" fontAlgn="t"/>
+                      <a:r>
+                        <a:rPr lang="en-IN">
+                          <a:effectLst/>
+                        </a:rPr>
+                        <a:t>Returns 400 status code.</a:t>
+                      </a:r>
+                    </a:p>
+                  </a:txBody>
+                  <a:tcPr>
+                    <a:lnL w="9525" cap="flat" cmpd="sng" algn="ctr">
+                      <a:solidFill>
+                        <a:schemeClr val="bg1"/>
+                      </a:solidFill>
+                      <a:prstDash val="solid"/>
+                      <a:round/>
+                      <a:headEnd type="none" w="med" len="med"/>
+                      <a:tailEnd type="none" w="med" len="med"/>
+                    </a:lnL>
+                    <a:lnR w="9525" cap="flat" cmpd="sng" algn="ctr">
+                      <a:solidFill>
+                        <a:schemeClr val="bg1"/>
+                      </a:solidFill>
+                      <a:prstDash val="solid"/>
+                      <a:round/>
+                      <a:headEnd type="none" w="med" len="med"/>
+                      <a:tailEnd type="none" w="med" len="med"/>
+                    </a:lnR>
+                    <a:lnT w="9525" cap="flat" cmpd="sng" algn="ctr">
+                      <a:solidFill>
+                        <a:schemeClr val="bg1"/>
+                      </a:solidFill>
+                      <a:prstDash val="solid"/>
+                      <a:round/>
+                      <a:headEnd type="none" w="med" len="med"/>
+                      <a:tailEnd type="none" w="med" len="med"/>
+                    </a:lnT>
+                    <a:lnB w="9525" cap="flat" cmpd="sng" algn="ctr">
+                      <a:solidFill>
+                        <a:schemeClr val="bg1"/>
+                      </a:solidFill>
+                      <a:prstDash val="solid"/>
+                      <a:round/>
+                      <a:headEnd type="none" w="med" len="med"/>
+                      <a:tailEnd type="none" w="med" len="med"/>
+                    </a:lnB>
+                    <a:solidFill>
+                      <a:srgbClr val="FFFFFF"/>
+                    </a:solidFill>
+                  </a:tcPr>
+                </a:tc>
+                <a:extLst>
+                  <a:ext uri="{0D108BD9-81ED-4DB2-BD59-A6C34878D82A}">
+                    <a16:rowId xmlns:a16="http://schemas.microsoft.com/office/drawing/2014/main" val="3262452114"/>
+                  </a:ext>
+                </a:extLst>
+              </a:tr>
+              <a:tr h="446216">
+                <a:tc>
+                  <a:txBody>
+                    <a:bodyPr/>
+                    <a:lstStyle/>
+                    <a:p>
+                      <a:pPr algn="l" fontAlgn="t"/>
+                      <a:r>
+                        <a:rPr lang="en-IN" u="none" strike="noStrike">
+                          <a:effectLst/>
+                          <a:hlinkClick r:id="rId3"/>
+                        </a:rPr>
+                        <a:t>NotFound</a:t>
+                      </a:r>
+                      <a:endParaRPr lang="en-IN">
+                        <a:effectLst/>
+                      </a:endParaRPr>
+                    </a:p>
+                  </a:txBody>
+                  <a:tcPr>
+                    <a:lnL w="9525" cap="flat" cmpd="sng" algn="ctr">
+                      <a:solidFill>
+                        <a:schemeClr val="bg1"/>
+                      </a:solidFill>
+                      <a:prstDash val="solid"/>
+                      <a:round/>
+                      <a:headEnd type="none" w="med" len="med"/>
+                      <a:tailEnd type="none" w="med" len="med"/>
+                    </a:lnL>
+                    <a:lnR w="9525" cap="flat" cmpd="sng" algn="ctr">
+                      <a:solidFill>
+                        <a:schemeClr val="bg1"/>
+                      </a:solidFill>
+                      <a:prstDash val="solid"/>
+                      <a:round/>
+                      <a:headEnd type="none" w="med" len="med"/>
+                      <a:tailEnd type="none" w="med" len="med"/>
+                    </a:lnR>
+                    <a:lnT w="9525" cap="flat" cmpd="sng" algn="ctr">
+                      <a:solidFill>
+                        <a:schemeClr val="bg1"/>
+                      </a:solidFill>
+                      <a:prstDash val="solid"/>
+                      <a:round/>
+                      <a:headEnd type="none" w="med" len="med"/>
+                      <a:tailEnd type="none" w="med" len="med"/>
+                    </a:lnT>
+                    <a:lnB w="9525" cap="flat" cmpd="sng" algn="ctr">
+                      <a:solidFill>
+                        <a:schemeClr val="bg1"/>
+                      </a:solidFill>
+                      <a:prstDash val="solid"/>
+                      <a:round/>
+                      <a:headEnd type="none" w="med" len="med"/>
+                      <a:tailEnd type="none" w="med" len="med"/>
+                    </a:lnB>
+                    <a:solidFill>
+                      <a:srgbClr val="FFFFFF"/>
+                    </a:solidFill>
+                  </a:tcPr>
+                </a:tc>
+                <a:tc>
+                  <a:txBody>
+                    <a:bodyPr/>
+                    <a:lstStyle/>
+                    <a:p>
+                      <a:pPr algn="l" fontAlgn="t"/>
+                      <a:r>
+                        <a:rPr lang="en-IN">
+                          <a:effectLst/>
+                        </a:rPr>
+                        <a:t>Returns 404 status code.</a:t>
+                      </a:r>
+                    </a:p>
+                  </a:txBody>
+                  <a:tcPr>
+                    <a:lnL w="9525" cap="flat" cmpd="sng" algn="ctr">
+                      <a:solidFill>
+                        <a:schemeClr val="bg1"/>
+                      </a:solidFill>
+                      <a:prstDash val="solid"/>
+                      <a:round/>
+                      <a:headEnd type="none" w="med" len="med"/>
+                      <a:tailEnd type="none" w="med" len="med"/>
+                    </a:lnL>
+                    <a:lnR w="9525" cap="flat" cmpd="sng" algn="ctr">
+                      <a:solidFill>
+                        <a:schemeClr val="bg1"/>
+                      </a:solidFill>
+                      <a:prstDash val="solid"/>
+                      <a:round/>
+                      <a:headEnd type="none" w="med" len="med"/>
+                      <a:tailEnd type="none" w="med" len="med"/>
+                    </a:lnR>
+                    <a:lnT w="9525" cap="flat" cmpd="sng" algn="ctr">
+                      <a:solidFill>
+                        <a:schemeClr val="bg1"/>
+                      </a:solidFill>
+                      <a:prstDash val="solid"/>
+                      <a:round/>
+                      <a:headEnd type="none" w="med" len="med"/>
+                      <a:tailEnd type="none" w="med" len="med"/>
+                    </a:lnT>
+                    <a:lnB w="9525" cap="flat" cmpd="sng" algn="ctr">
+                      <a:solidFill>
+                        <a:schemeClr val="bg1"/>
+                      </a:solidFill>
+                      <a:prstDash val="solid"/>
+                      <a:round/>
+                      <a:headEnd type="none" w="med" len="med"/>
+                      <a:tailEnd type="none" w="med" len="med"/>
+                    </a:lnB>
+                    <a:solidFill>
+                      <a:srgbClr val="FFFFFF"/>
+                    </a:solidFill>
+                  </a:tcPr>
+                </a:tc>
+                <a:extLst>
+                  <a:ext uri="{0D108BD9-81ED-4DB2-BD59-A6C34878D82A}">
+                    <a16:rowId xmlns:a16="http://schemas.microsoft.com/office/drawing/2014/main" val="2973235885"/>
+                  </a:ext>
+                </a:extLst>
+              </a:tr>
+              <a:tr h="446216">
+                <a:tc>
+                  <a:txBody>
+                    <a:bodyPr/>
+                    <a:lstStyle/>
+                    <a:p>
+                      <a:pPr algn="l" fontAlgn="t"/>
+                      <a:r>
+                        <a:rPr lang="en-IN" u="none" strike="noStrike" dirty="0">
+                          <a:effectLst/>
+                          <a:hlinkClick r:id="rId4"/>
+                        </a:rPr>
+                        <a:t>Ok</a:t>
+                      </a:r>
+                      <a:endParaRPr lang="en-IN" dirty="0">
+                        <a:effectLst/>
+                      </a:endParaRPr>
+                    </a:p>
+                  </a:txBody>
+                  <a:tcPr>
+                    <a:lnL w="9525" cap="flat" cmpd="sng" algn="ctr">
+                      <a:solidFill>
+                        <a:schemeClr val="bg1"/>
+                      </a:solidFill>
+                      <a:prstDash val="solid"/>
+                      <a:round/>
+                      <a:headEnd type="none" w="med" len="med"/>
+                      <a:tailEnd type="none" w="med" len="med"/>
+                    </a:lnL>
+                    <a:lnR w="9525" cap="flat" cmpd="sng" algn="ctr">
+                      <a:solidFill>
+                        <a:schemeClr val="bg1"/>
+                      </a:solidFill>
+                      <a:prstDash val="solid"/>
+                      <a:round/>
+                      <a:headEnd type="none" w="med" len="med"/>
+                      <a:tailEnd type="none" w="med" len="med"/>
+                    </a:lnR>
+                    <a:lnT w="9525" cap="flat" cmpd="sng" algn="ctr">
+                      <a:solidFill>
+                        <a:schemeClr val="bg1"/>
+                      </a:solidFill>
+                      <a:prstDash val="solid"/>
+                      <a:round/>
+                      <a:headEnd type="none" w="med" len="med"/>
+                      <a:tailEnd type="none" w="med" len="med"/>
+                    </a:lnT>
+                    <a:lnB w="9525" cap="flat" cmpd="sng" algn="ctr">
+                      <a:solidFill>
+                        <a:schemeClr val="bg1"/>
+                      </a:solidFill>
+                      <a:prstDash val="solid"/>
+                      <a:round/>
+                      <a:headEnd type="none" w="med" len="med"/>
+                      <a:tailEnd type="none" w="med" len="med"/>
+                    </a:lnB>
+                    <a:solidFill>
+                      <a:srgbClr val="FFFFFF"/>
+                    </a:solidFill>
+                  </a:tcPr>
+                </a:tc>
+                <a:tc>
+                  <a:txBody>
+                    <a:bodyPr/>
+                    <a:lstStyle/>
+                    <a:p>
+                      <a:pPr algn="l" fontAlgn="t"/>
+                      <a:r>
+                        <a:rPr lang="en-IN" dirty="0">
+                          <a:effectLst/>
+                        </a:rPr>
+                        <a:t>Returns 200 status code.</a:t>
+                      </a:r>
+                    </a:p>
+                  </a:txBody>
+                  <a:tcPr>
+                    <a:lnL w="9525" cap="flat" cmpd="sng" algn="ctr">
+                      <a:solidFill>
+                        <a:schemeClr val="bg1"/>
+                      </a:solidFill>
+                      <a:prstDash val="solid"/>
+                      <a:round/>
+                      <a:headEnd type="none" w="med" len="med"/>
+                      <a:tailEnd type="none" w="med" len="med"/>
+                    </a:lnL>
+                    <a:lnR w="9525" cap="flat" cmpd="sng" algn="ctr">
+                      <a:solidFill>
+                        <a:schemeClr val="bg1"/>
+                      </a:solidFill>
+                      <a:prstDash val="solid"/>
+                      <a:round/>
+                      <a:headEnd type="none" w="med" len="med"/>
+                      <a:tailEnd type="none" w="med" len="med"/>
+                    </a:lnR>
+                    <a:lnT w="9525" cap="flat" cmpd="sng" algn="ctr">
+                      <a:solidFill>
+                        <a:schemeClr val="bg1"/>
+                      </a:solidFill>
+                      <a:prstDash val="solid"/>
+                      <a:round/>
+                      <a:headEnd type="none" w="med" len="med"/>
+                      <a:tailEnd type="none" w="med" len="med"/>
+                    </a:lnT>
+                    <a:lnB w="9525" cap="flat" cmpd="sng" algn="ctr">
+                      <a:solidFill>
+                        <a:schemeClr val="bg1"/>
+                      </a:solidFill>
+                      <a:prstDash val="solid"/>
+                      <a:round/>
+                      <a:headEnd type="none" w="med" len="med"/>
+                      <a:tailEnd type="none" w="med" len="med"/>
+                    </a:lnB>
+                    <a:solidFill>
+                      <a:srgbClr val="FFFFFF"/>
+                    </a:solidFill>
+                  </a:tcPr>
+                </a:tc>
+                <a:extLst>
+                  <a:ext uri="{0D108BD9-81ED-4DB2-BD59-A6C34878D82A}">
+                    <a16:rowId xmlns:a16="http://schemas.microsoft.com/office/drawing/2014/main" val="2667488137"/>
+                  </a:ext>
+                </a:extLst>
+              </a:tr>
+              <a:tr h="446216">
+                <a:tc>
+                  <a:txBody>
+                    <a:bodyPr/>
+                    <a:lstStyle/>
+                    <a:p>
+                      <a:pPr algn="l" fontAlgn="t"/>
+                      <a:r>
+                        <a:rPr lang="en-IN" u="none" strike="noStrike" dirty="0" err="1">
+                          <a:effectLst/>
+                          <a:hlinkClick r:id="rId5"/>
+                        </a:rPr>
+                        <a:t>CreatedAtAction</a:t>
+                      </a:r>
+                      <a:endParaRPr lang="en-IN" dirty="0">
+                        <a:effectLst/>
+                      </a:endParaRPr>
+                    </a:p>
+                  </a:txBody>
+                  <a:tcPr>
+                    <a:lnL w="9525" cap="flat" cmpd="sng" algn="ctr">
+                      <a:solidFill>
+                        <a:schemeClr val="bg1"/>
+                      </a:solidFill>
+                      <a:prstDash val="solid"/>
+                      <a:round/>
+                      <a:headEnd type="none" w="med" len="med"/>
+                      <a:tailEnd type="none" w="med" len="med"/>
+                    </a:lnL>
+                    <a:lnR w="9525" cap="flat" cmpd="sng" algn="ctr">
+                      <a:solidFill>
+                        <a:schemeClr val="bg1"/>
+                      </a:solidFill>
+                      <a:prstDash val="solid"/>
+                      <a:round/>
+                      <a:headEnd type="none" w="med" len="med"/>
+                      <a:tailEnd type="none" w="med" len="med"/>
+                    </a:lnR>
+                    <a:lnT w="9525" cap="flat" cmpd="sng" algn="ctr">
+                      <a:solidFill>
+                        <a:schemeClr val="bg1"/>
+                      </a:solidFill>
+                      <a:prstDash val="solid"/>
+                      <a:round/>
+                      <a:headEnd type="none" w="med" len="med"/>
+                      <a:tailEnd type="none" w="med" len="med"/>
+                    </a:lnT>
+                    <a:lnB w="9525" cap="flat" cmpd="sng" algn="ctr">
+                      <a:solidFill>
+                        <a:schemeClr val="bg1"/>
+                      </a:solidFill>
+                      <a:prstDash val="solid"/>
+                      <a:round/>
+                      <a:headEnd type="none" w="med" len="med"/>
+                      <a:tailEnd type="none" w="med" len="med"/>
+                    </a:lnB>
+                    <a:solidFill>
+                      <a:srgbClr val="FFFFFF"/>
+                    </a:solidFill>
+                  </a:tcPr>
+                </a:tc>
+                <a:tc>
+                  <a:txBody>
+                    <a:bodyPr/>
+                    <a:lstStyle/>
+                    <a:p>
+                      <a:pPr algn="l" fontAlgn="t"/>
+                      <a:r>
+                        <a:rPr lang="en-IN" dirty="0">
+                          <a:effectLst/>
+                        </a:rPr>
+                        <a:t>Returns 201 status code.</a:t>
+                      </a:r>
+                    </a:p>
+                  </a:txBody>
+                  <a:tcPr>
+                    <a:lnL w="9525" cap="flat" cmpd="sng" algn="ctr">
+                      <a:solidFill>
+                        <a:schemeClr val="bg1"/>
+                      </a:solidFill>
+                      <a:prstDash val="solid"/>
+                      <a:round/>
+                      <a:headEnd type="none" w="med" len="med"/>
+                      <a:tailEnd type="none" w="med" len="med"/>
+                    </a:lnL>
+                    <a:lnR w="9525" cap="flat" cmpd="sng" algn="ctr">
+                      <a:solidFill>
+                        <a:schemeClr val="bg1"/>
+                      </a:solidFill>
+                      <a:prstDash val="solid"/>
+                      <a:round/>
+                      <a:headEnd type="none" w="med" len="med"/>
+                      <a:tailEnd type="none" w="med" len="med"/>
+                    </a:lnR>
+                    <a:lnT w="9525" cap="flat" cmpd="sng" algn="ctr">
+                      <a:solidFill>
+                        <a:schemeClr val="bg1"/>
+                      </a:solidFill>
+                      <a:prstDash val="solid"/>
+                      <a:round/>
+                      <a:headEnd type="none" w="med" len="med"/>
+                      <a:tailEnd type="none" w="med" len="med"/>
+                    </a:lnT>
+                    <a:lnB w="9525" cap="flat" cmpd="sng" algn="ctr">
+                      <a:solidFill>
+                        <a:schemeClr val="bg1"/>
+                      </a:solidFill>
+                      <a:prstDash val="solid"/>
+                      <a:round/>
+                      <a:headEnd type="none" w="med" len="med"/>
+                      <a:tailEnd type="none" w="med" len="med"/>
+                    </a:lnB>
+                    <a:solidFill>
+                      <a:srgbClr val="FFFFFF"/>
+                    </a:solidFill>
+                  </a:tcPr>
+                </a:tc>
+                <a:extLst>
+                  <a:ext uri="{0D108BD9-81ED-4DB2-BD59-A6C34878D82A}">
+                    <a16:rowId xmlns:a16="http://schemas.microsoft.com/office/drawing/2014/main" val="1602290330"/>
+                  </a:ext>
+                </a:extLst>
+              </a:tr>
+              <a:tr h="446216">
+                <a:tc>
+                  <a:txBody>
+                    <a:bodyPr/>
+                    <a:lstStyle/>
+                    <a:p>
+                      <a:pPr algn="l" fontAlgn="t"/>
+                      <a:r>
+                        <a:rPr lang="en-IN" u="none" strike="noStrike" dirty="0" err="1">
+                          <a:effectLst/>
+                          <a:hlinkClick r:id="rId6"/>
+                        </a:rPr>
+                        <a:t>NoContent</a:t>
+                      </a:r>
+                      <a:endParaRPr lang="en-IN" dirty="0">
+                        <a:effectLst/>
+                      </a:endParaRPr>
+                    </a:p>
+                  </a:txBody>
+                  <a:tcPr>
+                    <a:lnL w="9525" cap="flat" cmpd="sng" algn="ctr">
+                      <a:solidFill>
+                        <a:schemeClr val="bg1"/>
+                      </a:solidFill>
+                      <a:prstDash val="solid"/>
+                      <a:round/>
+                      <a:headEnd type="none" w="med" len="med"/>
+                      <a:tailEnd type="none" w="med" len="med"/>
+                    </a:lnL>
+                    <a:lnR w="9525" cap="flat" cmpd="sng" algn="ctr">
+                      <a:solidFill>
+                        <a:schemeClr val="bg1"/>
+                      </a:solidFill>
+                      <a:prstDash val="solid"/>
+                      <a:round/>
+                      <a:headEnd type="none" w="med" len="med"/>
+                      <a:tailEnd type="none" w="med" len="med"/>
+                    </a:lnR>
+                    <a:lnT w="9525" cap="flat" cmpd="sng" algn="ctr">
+                      <a:solidFill>
+                        <a:schemeClr val="bg1"/>
+                      </a:solidFill>
+                      <a:prstDash val="solid"/>
+                      <a:round/>
+                      <a:headEnd type="none" w="med" len="med"/>
+                      <a:tailEnd type="none" w="med" len="med"/>
+                    </a:lnT>
+                    <a:lnB w="9525" cap="flat" cmpd="sng" algn="ctr">
+                      <a:solidFill>
+                        <a:schemeClr val="bg1"/>
+                      </a:solidFill>
+                      <a:prstDash val="solid"/>
+                      <a:round/>
+                      <a:headEnd type="none" w="med" len="med"/>
+                      <a:tailEnd type="none" w="med" len="med"/>
+                    </a:lnB>
+                    <a:solidFill>
+                      <a:srgbClr val="FFFFFF"/>
+                    </a:solidFill>
+                  </a:tcPr>
+                </a:tc>
+                <a:tc>
+                  <a:txBody>
+                    <a:bodyPr/>
+                    <a:lstStyle/>
+                    <a:p>
+                      <a:pPr algn="l" fontAlgn="t"/>
+                      <a:r>
+                        <a:rPr lang="en-IN" dirty="0">
+                          <a:effectLst/>
+                        </a:rPr>
+                        <a:t>Returns 204 status code.</a:t>
+                      </a:r>
+                    </a:p>
+                  </a:txBody>
+                  <a:tcPr>
+                    <a:lnL w="9525" cap="flat" cmpd="sng" algn="ctr">
+                      <a:solidFill>
+                        <a:schemeClr val="bg1"/>
+                      </a:solidFill>
+                      <a:prstDash val="solid"/>
+                      <a:round/>
+                      <a:headEnd type="none" w="med" len="med"/>
+                      <a:tailEnd type="none" w="med" len="med"/>
+                    </a:lnL>
+                    <a:lnR w="9525" cap="flat" cmpd="sng" algn="ctr">
+                      <a:solidFill>
+                        <a:schemeClr val="bg1"/>
+                      </a:solidFill>
+                      <a:prstDash val="solid"/>
+                      <a:round/>
+                      <a:headEnd type="none" w="med" len="med"/>
+                      <a:tailEnd type="none" w="med" len="med"/>
+                    </a:lnR>
+                    <a:lnT w="9525" cap="flat" cmpd="sng" algn="ctr">
+                      <a:solidFill>
+                        <a:schemeClr val="bg1"/>
+                      </a:solidFill>
+                      <a:prstDash val="solid"/>
+                      <a:round/>
+                      <a:headEnd type="none" w="med" len="med"/>
+                      <a:tailEnd type="none" w="med" len="med"/>
+                    </a:lnT>
+                    <a:lnB w="9525" cap="flat" cmpd="sng" algn="ctr">
+                      <a:solidFill>
+                        <a:schemeClr val="bg1"/>
+                      </a:solidFill>
+                      <a:prstDash val="solid"/>
+                      <a:round/>
+                      <a:headEnd type="none" w="med" len="med"/>
+                      <a:tailEnd type="none" w="med" len="med"/>
+                    </a:lnB>
+                    <a:solidFill>
+                      <a:srgbClr val="FFFFFF"/>
+                    </a:solidFill>
+                  </a:tcPr>
+                </a:tc>
+                <a:extLst>
+                  <a:ext uri="{0D108BD9-81ED-4DB2-BD59-A6C34878D82A}">
+                    <a16:rowId xmlns:a16="http://schemas.microsoft.com/office/drawing/2014/main" val="3251911843"/>
+                  </a:ext>
+                </a:extLst>
+              </a:tr>
+            </a:tbl>
+          </a:graphicData>
+        </a:graphic>
+      </p:graphicFrame>
     </p:spTree>
     <p:extLst>
       <p:ext uri="{BB962C8B-B14F-4D97-AF65-F5344CB8AC3E}">
-        <p14:creationId xmlns:p14="http://schemas.microsoft.com/office/powerpoint/2010/main" val="623092022"/>
+        <p14:creationId xmlns:p14="http://schemas.microsoft.com/office/powerpoint/2010/main" val="546496931"/>
       </p:ext>
     </p:extLst>
   </p:cSld>
@@ -13803,6 +16749,531 @@
 </file>
 
 <file path=ppt/slides/slide4.xml><?xml version="1.0" encoding="utf-8"?>
+<p:sld xmlns:a="http://schemas.openxmlformats.org/drawingml/2006/main" xmlns:r="http://schemas.openxmlformats.org/officeDocument/2006/relationships" xmlns:p="http://schemas.openxmlformats.org/presentationml/2006/main">
+  <p:cSld>
+    <p:spTree>
+      <p:nvGrpSpPr>
+        <p:cNvPr id="1" name=""/>
+        <p:cNvGrpSpPr/>
+        <p:nvPr/>
+      </p:nvGrpSpPr>
+      <p:grpSpPr>
+        <a:xfrm>
+          <a:off x="0" y="0"/>
+          <a:ext cx="0" cy="0"/>
+          <a:chOff x="0" y="0"/>
+          <a:chExt cx="0" cy="0"/>
+        </a:xfrm>
+      </p:grpSpPr>
+      <p:sp>
+        <p:nvSpPr>
+          <p:cNvPr id="2" name="Title 1">
+            <a:extLst>
+              <a:ext uri="{FF2B5EF4-FFF2-40B4-BE49-F238E27FC236}">
+                <a16:creationId xmlns:a16="http://schemas.microsoft.com/office/drawing/2014/main" id="{5AAF5389-F9B7-4708-A9E4-DC615EAF0930}"/>
+              </a:ext>
+            </a:extLst>
+          </p:cNvPr>
+          <p:cNvSpPr>
+            <a:spLocks noGrp="1"/>
+          </p:cNvSpPr>
+          <p:nvPr>
+            <p:ph type="title"/>
+          </p:nvPr>
+        </p:nvSpPr>
+        <p:spPr>
+          <a:xfrm>
+            <a:off x="646111" y="452718"/>
+            <a:ext cx="9404723" cy="45719"/>
+          </a:xfrm>
+        </p:spPr>
+        <p:txBody>
+          <a:bodyPr/>
+          <a:lstStyle/>
+          <a:p>
+            <a:endParaRPr lang="en-IN" sz="200" dirty="0"/>
+          </a:p>
+        </p:txBody>
+      </p:sp>
+      <p:sp>
+        <p:nvSpPr>
+          <p:cNvPr id="3" name="Content Placeholder 2">
+            <a:extLst>
+              <a:ext uri="{FF2B5EF4-FFF2-40B4-BE49-F238E27FC236}">
+                <a16:creationId xmlns:a16="http://schemas.microsoft.com/office/drawing/2014/main" id="{F253BE7B-5A3B-446D-A27A-982E8F0F8AD0}"/>
+              </a:ext>
+            </a:extLst>
+          </p:cNvPr>
+          <p:cNvSpPr>
+            <a:spLocks noGrp="1"/>
+          </p:cNvSpPr>
+          <p:nvPr>
+            <p:ph idx="1"/>
+          </p:nvPr>
+        </p:nvSpPr>
+        <p:spPr>
+          <a:xfrm>
+            <a:off x="1103312" y="676036"/>
+            <a:ext cx="8946541" cy="5572364"/>
+          </a:xfrm>
+        </p:spPr>
+        <p:txBody>
+          <a:bodyPr>
+            <a:normAutofit/>
+          </a:bodyPr>
+          <a:lstStyle/>
+          <a:p>
+            <a:pPr marL="0" indent="0">
+              <a:buNone/>
+            </a:pPr>
+            <a:r>
+              <a:rPr lang="en-IN" sz="2000" dirty="0">
+                <a:solidFill>
+                  <a:srgbClr val="0000FF"/>
+                </a:solidFill>
+                <a:latin typeface="Times New Roman" panose="02020603050405020304" pitchFamily="18" charset="0"/>
+                <a:cs typeface="Times New Roman" panose="02020603050405020304" pitchFamily="18" charset="0"/>
+              </a:rPr>
+              <a:t>namespace</a:t>
+            </a:r>
+            <a:r>
+              <a:rPr lang="en-IN" sz="2000" dirty="0">
+                <a:solidFill>
+                  <a:srgbClr val="000000"/>
+                </a:solidFill>
+                <a:latin typeface="Times New Roman" panose="02020603050405020304" pitchFamily="18" charset="0"/>
+                <a:cs typeface="Times New Roman" panose="02020603050405020304" pitchFamily="18" charset="0"/>
+              </a:rPr>
+              <a:t> </a:t>
+            </a:r>
+            <a:r>
+              <a:rPr lang="en-IN" sz="2000" dirty="0" err="1">
+                <a:solidFill>
+                  <a:srgbClr val="000000"/>
+                </a:solidFill>
+                <a:latin typeface="Times New Roman" panose="02020603050405020304" pitchFamily="18" charset="0"/>
+                <a:cs typeface="Times New Roman" panose="02020603050405020304" pitchFamily="18" charset="0"/>
+              </a:rPr>
+              <a:t>PracticeDBAPI.Controllers</a:t>
+            </a:r>
+            <a:endParaRPr lang="en-IN" sz="2000" dirty="0">
+              <a:solidFill>
+                <a:srgbClr val="000000"/>
+              </a:solidFill>
+              <a:latin typeface="Times New Roman" panose="02020603050405020304" pitchFamily="18" charset="0"/>
+              <a:cs typeface="Times New Roman" panose="02020603050405020304" pitchFamily="18" charset="0"/>
+            </a:endParaRPr>
+          </a:p>
+          <a:p>
+            <a:pPr marL="0" indent="0">
+              <a:buNone/>
+            </a:pPr>
+            <a:r>
+              <a:rPr lang="en-IN" sz="2000" dirty="0">
+                <a:solidFill>
+                  <a:srgbClr val="000000"/>
+                </a:solidFill>
+                <a:latin typeface="Times New Roman" panose="02020603050405020304" pitchFamily="18" charset="0"/>
+                <a:cs typeface="Times New Roman" panose="02020603050405020304" pitchFamily="18" charset="0"/>
+              </a:rPr>
+              <a:t>{</a:t>
+            </a:r>
+          </a:p>
+          <a:p>
+            <a:pPr marL="0" indent="0">
+              <a:buNone/>
+            </a:pPr>
+            <a:r>
+              <a:rPr lang="en-IN" sz="2000" dirty="0">
+                <a:solidFill>
+                  <a:srgbClr val="000000"/>
+                </a:solidFill>
+                <a:latin typeface="Times New Roman" panose="02020603050405020304" pitchFamily="18" charset="0"/>
+                <a:cs typeface="Times New Roman" panose="02020603050405020304" pitchFamily="18" charset="0"/>
+              </a:rPr>
+              <a:t>    [Route(</a:t>
+            </a:r>
+            <a:r>
+              <a:rPr lang="en-IN" sz="2000" dirty="0">
+                <a:solidFill>
+                  <a:srgbClr val="A31515"/>
+                </a:solidFill>
+                <a:latin typeface="Times New Roman" panose="02020603050405020304" pitchFamily="18" charset="0"/>
+                <a:cs typeface="Times New Roman" panose="02020603050405020304" pitchFamily="18" charset="0"/>
+              </a:rPr>
+              <a:t>"</a:t>
+            </a:r>
+            <a:r>
+              <a:rPr lang="en-IN" sz="2000" dirty="0" err="1">
+                <a:solidFill>
+                  <a:srgbClr val="A31515"/>
+                </a:solidFill>
+                <a:latin typeface="Times New Roman" panose="02020603050405020304" pitchFamily="18" charset="0"/>
+                <a:cs typeface="Times New Roman" panose="02020603050405020304" pitchFamily="18" charset="0"/>
+              </a:rPr>
+              <a:t>api</a:t>
+            </a:r>
+            <a:r>
+              <a:rPr lang="en-IN" sz="2000" dirty="0">
+                <a:solidFill>
+                  <a:srgbClr val="A31515"/>
+                </a:solidFill>
+                <a:latin typeface="Times New Roman" panose="02020603050405020304" pitchFamily="18" charset="0"/>
+                <a:cs typeface="Times New Roman" panose="02020603050405020304" pitchFamily="18" charset="0"/>
+              </a:rPr>
+              <a:t>/[controller]"</a:t>
+            </a:r>
+            <a:r>
+              <a:rPr lang="en-IN" sz="2000" dirty="0">
+                <a:solidFill>
+                  <a:srgbClr val="000000"/>
+                </a:solidFill>
+                <a:latin typeface="Times New Roman" panose="02020603050405020304" pitchFamily="18" charset="0"/>
+                <a:cs typeface="Times New Roman" panose="02020603050405020304" pitchFamily="18" charset="0"/>
+              </a:rPr>
+              <a:t>)]</a:t>
+            </a:r>
+          </a:p>
+          <a:p>
+            <a:pPr marL="0" indent="0">
+              <a:buNone/>
+            </a:pPr>
+            <a:r>
+              <a:rPr lang="en-IN" sz="2000" dirty="0">
+                <a:solidFill>
+                  <a:srgbClr val="000000"/>
+                </a:solidFill>
+                <a:latin typeface="Times New Roman" panose="02020603050405020304" pitchFamily="18" charset="0"/>
+                <a:cs typeface="Times New Roman" panose="02020603050405020304" pitchFamily="18" charset="0"/>
+              </a:rPr>
+              <a:t>    [</a:t>
+            </a:r>
+            <a:r>
+              <a:rPr lang="en-IN" sz="2000" dirty="0" err="1">
+                <a:solidFill>
+                  <a:srgbClr val="000000"/>
+                </a:solidFill>
+                <a:latin typeface="Times New Roman" panose="02020603050405020304" pitchFamily="18" charset="0"/>
+                <a:cs typeface="Times New Roman" panose="02020603050405020304" pitchFamily="18" charset="0"/>
+              </a:rPr>
+              <a:t>ApiController</a:t>
+            </a:r>
+            <a:r>
+              <a:rPr lang="en-IN" sz="2000" dirty="0">
+                <a:solidFill>
+                  <a:srgbClr val="000000"/>
+                </a:solidFill>
+                <a:latin typeface="Times New Roman" panose="02020603050405020304" pitchFamily="18" charset="0"/>
+                <a:cs typeface="Times New Roman" panose="02020603050405020304" pitchFamily="18" charset="0"/>
+              </a:rPr>
+              <a:t>]</a:t>
+            </a:r>
+          </a:p>
+          <a:p>
+            <a:pPr marL="0" indent="0">
+              <a:buNone/>
+            </a:pPr>
+            <a:r>
+              <a:rPr lang="en-IN" sz="2000" dirty="0">
+                <a:solidFill>
+                  <a:srgbClr val="000000"/>
+                </a:solidFill>
+                <a:latin typeface="Times New Roman" panose="02020603050405020304" pitchFamily="18" charset="0"/>
+                <a:cs typeface="Times New Roman" panose="02020603050405020304" pitchFamily="18" charset="0"/>
+              </a:rPr>
+              <a:t>    </a:t>
+            </a:r>
+            <a:r>
+              <a:rPr lang="en-IN" sz="2000" dirty="0">
+                <a:solidFill>
+                  <a:srgbClr val="0000FF"/>
+                </a:solidFill>
+                <a:latin typeface="Times New Roman" panose="02020603050405020304" pitchFamily="18" charset="0"/>
+                <a:cs typeface="Times New Roman" panose="02020603050405020304" pitchFamily="18" charset="0"/>
+              </a:rPr>
+              <a:t>public</a:t>
+            </a:r>
+            <a:r>
+              <a:rPr lang="en-IN" sz="2000" dirty="0">
+                <a:solidFill>
+                  <a:srgbClr val="000000"/>
+                </a:solidFill>
+                <a:latin typeface="Times New Roman" panose="02020603050405020304" pitchFamily="18" charset="0"/>
+                <a:cs typeface="Times New Roman" panose="02020603050405020304" pitchFamily="18" charset="0"/>
+              </a:rPr>
+              <a:t> </a:t>
+            </a:r>
+            <a:r>
+              <a:rPr lang="en-IN" sz="2000" dirty="0">
+                <a:solidFill>
+                  <a:srgbClr val="0000FF"/>
+                </a:solidFill>
+                <a:latin typeface="Times New Roman" panose="02020603050405020304" pitchFamily="18" charset="0"/>
+                <a:cs typeface="Times New Roman" panose="02020603050405020304" pitchFamily="18" charset="0"/>
+              </a:rPr>
+              <a:t>class</a:t>
+            </a:r>
+            <a:r>
+              <a:rPr lang="en-IN" sz="2000" dirty="0">
+                <a:solidFill>
+                  <a:srgbClr val="000000"/>
+                </a:solidFill>
+                <a:latin typeface="Times New Roman" panose="02020603050405020304" pitchFamily="18" charset="0"/>
+                <a:cs typeface="Times New Roman" panose="02020603050405020304" pitchFamily="18" charset="0"/>
+              </a:rPr>
+              <a:t> </a:t>
+            </a:r>
+            <a:r>
+              <a:rPr lang="en-IN" sz="2000" dirty="0" err="1">
+                <a:solidFill>
+                  <a:srgbClr val="2B91AF"/>
+                </a:solidFill>
+                <a:latin typeface="Times New Roman" panose="02020603050405020304" pitchFamily="18" charset="0"/>
+                <a:cs typeface="Times New Roman" panose="02020603050405020304" pitchFamily="18" charset="0"/>
+              </a:rPr>
+              <a:t>ValuesController</a:t>
+            </a:r>
+            <a:r>
+              <a:rPr lang="en-IN" sz="2000" dirty="0">
+                <a:solidFill>
+                  <a:srgbClr val="000000"/>
+                </a:solidFill>
+                <a:latin typeface="Times New Roman" panose="02020603050405020304" pitchFamily="18" charset="0"/>
+                <a:cs typeface="Times New Roman" panose="02020603050405020304" pitchFamily="18" charset="0"/>
+              </a:rPr>
+              <a:t> : </a:t>
+            </a:r>
+            <a:r>
+              <a:rPr lang="en-IN" sz="2000" dirty="0" err="1">
+                <a:solidFill>
+                  <a:srgbClr val="000000"/>
+                </a:solidFill>
+                <a:latin typeface="Times New Roman" panose="02020603050405020304" pitchFamily="18" charset="0"/>
+                <a:cs typeface="Times New Roman" panose="02020603050405020304" pitchFamily="18" charset="0"/>
+              </a:rPr>
+              <a:t>ControllerBase</a:t>
+            </a:r>
+            <a:endParaRPr lang="en-IN" sz="2000" dirty="0">
+              <a:solidFill>
+                <a:srgbClr val="000000"/>
+              </a:solidFill>
+              <a:latin typeface="Times New Roman" panose="02020603050405020304" pitchFamily="18" charset="0"/>
+              <a:cs typeface="Times New Roman" panose="02020603050405020304" pitchFamily="18" charset="0"/>
+            </a:endParaRPr>
+          </a:p>
+          <a:p>
+            <a:pPr marL="0" indent="0">
+              <a:buNone/>
+            </a:pPr>
+            <a:r>
+              <a:rPr lang="en-IN" sz="2000" dirty="0">
+                <a:solidFill>
+                  <a:srgbClr val="000000"/>
+                </a:solidFill>
+                <a:latin typeface="Times New Roman" panose="02020603050405020304" pitchFamily="18" charset="0"/>
+                <a:cs typeface="Times New Roman" panose="02020603050405020304" pitchFamily="18" charset="0"/>
+              </a:rPr>
+              <a:t>    {</a:t>
+            </a:r>
+          </a:p>
+          <a:p>
+            <a:pPr marL="0" indent="0">
+              <a:buNone/>
+            </a:pPr>
+            <a:r>
+              <a:rPr lang="en-IN" sz="2000" dirty="0">
+                <a:solidFill>
+                  <a:srgbClr val="000000"/>
+                </a:solidFill>
+                <a:latin typeface="Times New Roman" panose="02020603050405020304" pitchFamily="18" charset="0"/>
+                <a:cs typeface="Times New Roman" panose="02020603050405020304" pitchFamily="18" charset="0"/>
+              </a:rPr>
+              <a:t>    </a:t>
+            </a:r>
+            <a:r>
+              <a:rPr lang="en-IN" sz="2400" dirty="0">
+                <a:solidFill>
+                  <a:srgbClr val="000000"/>
+                </a:solidFill>
+                <a:latin typeface="Times New Roman" panose="02020603050405020304" pitchFamily="18" charset="0"/>
+                <a:cs typeface="Times New Roman" panose="02020603050405020304" pitchFamily="18" charset="0"/>
+              </a:rPr>
+              <a:t>}</a:t>
+            </a:r>
+          </a:p>
+          <a:p>
+            <a:pPr marL="0" indent="0">
+              <a:buNone/>
+            </a:pPr>
+            <a:r>
+              <a:rPr lang="en-IN" sz="2000" dirty="0">
+                <a:solidFill>
+                  <a:srgbClr val="000000"/>
+                </a:solidFill>
+                <a:latin typeface="Times New Roman" panose="02020603050405020304" pitchFamily="18" charset="0"/>
+                <a:cs typeface="Times New Roman" panose="02020603050405020304" pitchFamily="18" charset="0"/>
+              </a:rPr>
+              <a:t>}</a:t>
+            </a:r>
+          </a:p>
+          <a:p>
+            <a:pPr marL="0" indent="0">
+              <a:buNone/>
+            </a:pPr>
+            <a:r>
+              <a:rPr lang="en-IN" sz="2000" dirty="0">
+                <a:solidFill>
+                  <a:srgbClr val="000000"/>
+                </a:solidFill>
+                <a:latin typeface="Times New Roman" panose="02020603050405020304" pitchFamily="18" charset="0"/>
+                <a:cs typeface="Times New Roman" panose="02020603050405020304" pitchFamily="18" charset="0"/>
+              </a:rPr>
+              <a:t>Create Controllers in Controller Folder</a:t>
+            </a:r>
+          </a:p>
+          <a:p>
+            <a:pPr marL="0" indent="0">
+              <a:buNone/>
+            </a:pPr>
+            <a:r>
+              <a:rPr lang="en-IN" sz="2000" dirty="0">
+                <a:solidFill>
+                  <a:srgbClr val="000000"/>
+                </a:solidFill>
+                <a:latin typeface="Times New Roman" panose="02020603050405020304" pitchFamily="18" charset="0"/>
+                <a:cs typeface="Times New Roman" panose="02020603050405020304" pitchFamily="18" charset="0"/>
+              </a:rPr>
+              <a:t>Route() implies the attribute Routing, It is used to define routes</a:t>
+            </a:r>
+          </a:p>
+          <a:p>
+            <a:pPr marL="0" indent="0">
+              <a:buNone/>
+            </a:pPr>
+            <a:r>
+              <a:rPr lang="en-IN" sz="2000" dirty="0">
+                <a:solidFill>
+                  <a:srgbClr val="000000"/>
+                </a:solidFill>
+                <a:latin typeface="Times New Roman" panose="02020603050405020304" pitchFamily="18" charset="0"/>
+                <a:cs typeface="Times New Roman" panose="02020603050405020304" pitchFamily="18" charset="0"/>
+              </a:rPr>
+              <a:t>Here, Route() defines new route “</a:t>
+            </a:r>
+            <a:r>
+              <a:rPr lang="en-IN" sz="2000" dirty="0" err="1">
+                <a:solidFill>
+                  <a:srgbClr val="000000"/>
+                </a:solidFill>
+                <a:latin typeface="Times New Roman" panose="02020603050405020304" pitchFamily="18" charset="0"/>
+                <a:cs typeface="Times New Roman" panose="02020603050405020304" pitchFamily="18" charset="0"/>
+              </a:rPr>
+              <a:t>api</a:t>
+            </a:r>
+            <a:r>
+              <a:rPr lang="en-IN" sz="2000" dirty="0">
+                <a:solidFill>
+                  <a:srgbClr val="000000"/>
+                </a:solidFill>
+                <a:latin typeface="Times New Roman" panose="02020603050405020304" pitchFamily="18" charset="0"/>
+                <a:cs typeface="Times New Roman" panose="02020603050405020304" pitchFamily="18" charset="0"/>
+              </a:rPr>
+              <a:t>/values” which will be handled by all the attributes </a:t>
+            </a:r>
+            <a:r>
+              <a:rPr lang="en-IN" sz="2000" dirty="0" err="1">
+                <a:solidFill>
+                  <a:srgbClr val="000000"/>
+                </a:solidFill>
+                <a:latin typeface="Times New Roman" panose="02020603050405020304" pitchFamily="18" charset="0"/>
+                <a:cs typeface="Times New Roman" panose="02020603050405020304" pitchFamily="18" charset="0"/>
+              </a:rPr>
+              <a:t>HttpGet</a:t>
+            </a:r>
+            <a:r>
+              <a:rPr lang="en-IN" sz="2000" dirty="0">
+                <a:solidFill>
+                  <a:srgbClr val="000000"/>
+                </a:solidFill>
+                <a:latin typeface="Times New Roman" panose="02020603050405020304" pitchFamily="18" charset="0"/>
+                <a:cs typeface="Times New Roman" panose="02020603050405020304" pitchFamily="18" charset="0"/>
+              </a:rPr>
+              <a:t>, </a:t>
+            </a:r>
+            <a:r>
+              <a:rPr lang="en-IN" sz="2000" dirty="0" err="1">
+                <a:solidFill>
+                  <a:srgbClr val="000000"/>
+                </a:solidFill>
+                <a:latin typeface="Times New Roman" panose="02020603050405020304" pitchFamily="18" charset="0"/>
+                <a:cs typeface="Times New Roman" panose="02020603050405020304" pitchFamily="18" charset="0"/>
+              </a:rPr>
+              <a:t>HttpPost</a:t>
+            </a:r>
+            <a:r>
+              <a:rPr lang="en-IN" sz="2000" dirty="0">
+                <a:solidFill>
+                  <a:srgbClr val="000000"/>
+                </a:solidFill>
+                <a:latin typeface="Times New Roman" panose="02020603050405020304" pitchFamily="18" charset="0"/>
+                <a:cs typeface="Times New Roman" panose="02020603050405020304" pitchFamily="18" charset="0"/>
+              </a:rPr>
+              <a:t>, </a:t>
+            </a:r>
+            <a:r>
+              <a:rPr lang="en-IN" sz="2000" dirty="0" err="1">
+                <a:solidFill>
+                  <a:srgbClr val="000000"/>
+                </a:solidFill>
+                <a:latin typeface="Times New Roman" panose="02020603050405020304" pitchFamily="18" charset="0"/>
+                <a:cs typeface="Times New Roman" panose="02020603050405020304" pitchFamily="18" charset="0"/>
+              </a:rPr>
+              <a:t>HttpPut</a:t>
+            </a:r>
+            <a:r>
+              <a:rPr lang="en-IN" sz="2000" dirty="0">
+                <a:solidFill>
+                  <a:srgbClr val="000000"/>
+                </a:solidFill>
+                <a:latin typeface="Times New Roman" panose="02020603050405020304" pitchFamily="18" charset="0"/>
+                <a:cs typeface="Times New Roman" panose="02020603050405020304" pitchFamily="18" charset="0"/>
+              </a:rPr>
+              <a:t>, </a:t>
+            </a:r>
+            <a:r>
+              <a:rPr lang="en-IN" sz="2000" dirty="0" err="1">
+                <a:solidFill>
+                  <a:srgbClr val="000000"/>
+                </a:solidFill>
+                <a:latin typeface="Times New Roman" panose="02020603050405020304" pitchFamily="18" charset="0"/>
+                <a:cs typeface="Times New Roman" panose="02020603050405020304" pitchFamily="18" charset="0"/>
+              </a:rPr>
+              <a:t>HttpDelete</a:t>
+            </a:r>
+            <a:endParaRPr lang="en-IN" sz="2000" dirty="0">
+              <a:latin typeface="Times New Roman" panose="02020603050405020304" pitchFamily="18" charset="0"/>
+              <a:cs typeface="Times New Roman" panose="02020603050405020304" pitchFamily="18" charset="0"/>
+            </a:endParaRPr>
+          </a:p>
+          <a:p>
+            <a:endParaRPr lang="en-IN" dirty="0"/>
+          </a:p>
+        </p:txBody>
+      </p:sp>
+    </p:spTree>
+    <p:extLst>
+      <p:ext uri="{BB962C8B-B14F-4D97-AF65-F5344CB8AC3E}">
+        <p14:creationId xmlns:p14="http://schemas.microsoft.com/office/powerpoint/2010/main" val="2733823100"/>
+      </p:ext>
+    </p:extLst>
+  </p:cSld>
+  <p:clrMapOvr>
+    <a:masterClrMapping/>
+  </p:clrMapOvr>
+</p:sld>
+</file>
+
+<file path=ppt/slides/slide5.xml><?xml version="1.0" encoding="utf-8"?>
 <p:sld xmlns:a="http://schemas.openxmlformats.org/drawingml/2006/main" xmlns:r="http://schemas.openxmlformats.org/officeDocument/2006/relationships" xmlns:p="http://schemas.openxmlformats.org/presentationml/2006/main">
   <p:cSld>
     <p:spTree>
@@ -14118,7 +17589,7 @@
 </p:sld>
 </file>
 
-<file path=ppt/slides/slide5.xml><?xml version="1.0" encoding="utf-8"?>
+<file path=ppt/slides/slide6.xml><?xml version="1.0" encoding="utf-8"?>
 <p:sld xmlns:a="http://schemas.openxmlformats.org/drawingml/2006/main" xmlns:r="http://schemas.openxmlformats.org/officeDocument/2006/relationships" xmlns:p="http://schemas.openxmlformats.org/presentationml/2006/main">
   <p:cSld>
     <p:spTree>
@@ -14151,12 +17622,17 @@
             <p:ph type="title"/>
           </p:nvPr>
         </p:nvSpPr>
-        <p:spPr/>
+        <p:spPr>
+          <a:xfrm>
+            <a:off x="646111" y="452718"/>
+            <a:ext cx="9404723" cy="156883"/>
+          </a:xfrm>
+        </p:spPr>
         <p:txBody>
           <a:bodyPr/>
           <a:lstStyle/>
           <a:p>
-            <a:endParaRPr lang="en-IN"/>
+            <a:endParaRPr lang="en-IN" sz="200" dirty="0"/>
           </a:p>
         </p:txBody>
       </p:sp>
@@ -14176,7 +17652,12 @@
             <p:ph idx="1"/>
           </p:nvPr>
         </p:nvSpPr>
-        <p:spPr/>
+        <p:spPr>
+          <a:xfrm>
+            <a:off x="1103312" y="719092"/>
+            <a:ext cx="8946541" cy="5529308"/>
+          </a:xfrm>
+        </p:spPr>
         <p:txBody>
           <a:bodyPr>
             <a:normAutofit/>
@@ -14442,7 +17923,7 @@
 </p:sld>
 </file>
 
-<file path=ppt/slides/slide6.xml><?xml version="1.0" encoding="utf-8"?>
+<file path=ppt/slides/slide7.xml><?xml version="1.0" encoding="utf-8"?>
 <p:sld xmlns:a="http://schemas.openxmlformats.org/drawingml/2006/main" xmlns:r="http://schemas.openxmlformats.org/officeDocument/2006/relationships" xmlns:p="http://schemas.openxmlformats.org/presentationml/2006/main">
   <p:cSld>
     <p:spTree>
@@ -15122,7 +18603,7 @@
 </p:sld>
 </file>
 
-<file path=ppt/slides/slide7.xml><?xml version="1.0" encoding="utf-8"?>
+<file path=ppt/slides/slide8.xml><?xml version="1.0" encoding="utf-8"?>
 <p:sld xmlns:a="http://schemas.openxmlformats.org/drawingml/2006/main" xmlns:r="http://schemas.openxmlformats.org/officeDocument/2006/relationships" xmlns:p="http://schemas.openxmlformats.org/presentationml/2006/main">
   <p:cSld>
     <p:spTree>
@@ -15816,7 +19297,7 @@
 </p:sld>
 </file>
 
-<file path=ppt/slides/slide8.xml><?xml version="1.0" encoding="utf-8"?>
+<file path=ppt/slides/slide9.xml><?xml version="1.0" encoding="utf-8"?>
 <p:sld xmlns:a="http://schemas.openxmlformats.org/drawingml/2006/main" xmlns:r="http://schemas.openxmlformats.org/officeDocument/2006/relationships" xmlns:p="http://schemas.openxmlformats.org/presentationml/2006/main">
   <p:cSld>
     <p:spTree>
@@ -16312,973 +19793,6 @@
     <p:extLst>
       <p:ext uri="{BB962C8B-B14F-4D97-AF65-F5344CB8AC3E}">
         <p14:creationId xmlns:p14="http://schemas.microsoft.com/office/powerpoint/2010/main" val="1666890257"/>
-      </p:ext>
-    </p:extLst>
-  </p:cSld>
-  <p:clrMapOvr>
-    <a:masterClrMapping/>
-  </p:clrMapOvr>
-</p:sld>
-</file>
-
-<file path=ppt/slides/slide9.xml><?xml version="1.0" encoding="utf-8"?>
-<p:sld xmlns:a="http://schemas.openxmlformats.org/drawingml/2006/main" xmlns:r="http://schemas.openxmlformats.org/officeDocument/2006/relationships" xmlns:p="http://schemas.openxmlformats.org/presentationml/2006/main">
-  <p:cSld>
-    <p:spTree>
-      <p:nvGrpSpPr>
-        <p:cNvPr id="1" name=""/>
-        <p:cNvGrpSpPr/>
-        <p:nvPr/>
-      </p:nvGrpSpPr>
-      <p:grpSpPr>
-        <a:xfrm>
-          <a:off x="0" y="0"/>
-          <a:ext cx="0" cy="0"/>
-          <a:chOff x="0" y="0"/>
-          <a:chExt cx="0" cy="0"/>
-        </a:xfrm>
-      </p:grpSpPr>
-      <p:sp>
-        <p:nvSpPr>
-          <p:cNvPr id="2" name="Title 1">
-            <a:extLst>
-              <a:ext uri="{FF2B5EF4-FFF2-40B4-BE49-F238E27FC236}">
-                <a16:creationId xmlns:a16="http://schemas.microsoft.com/office/drawing/2014/main" id="{D2292FEF-DCFF-474F-A16F-30FE683C8338}"/>
-              </a:ext>
-            </a:extLst>
-          </p:cNvPr>
-          <p:cNvSpPr>
-            <a:spLocks noGrp="1"/>
-          </p:cNvSpPr>
-          <p:nvPr>
-            <p:ph type="title"/>
-          </p:nvPr>
-        </p:nvSpPr>
-        <p:spPr>
-          <a:xfrm>
-            <a:off x="646111" y="452718"/>
-            <a:ext cx="9404723" cy="156883"/>
-          </a:xfrm>
-        </p:spPr>
-        <p:txBody>
-          <a:bodyPr/>
-          <a:lstStyle/>
-          <a:p>
-            <a:endParaRPr lang="en-IN" sz="800" dirty="0"/>
-          </a:p>
-        </p:txBody>
-      </p:sp>
-      <p:sp>
-        <p:nvSpPr>
-          <p:cNvPr id="3" name="Content Placeholder 2">
-            <a:extLst>
-              <a:ext uri="{FF2B5EF4-FFF2-40B4-BE49-F238E27FC236}">
-                <a16:creationId xmlns:a16="http://schemas.microsoft.com/office/drawing/2014/main" id="{2DC3245A-0B7A-4416-8B4E-E561A64CCF9D}"/>
-              </a:ext>
-            </a:extLst>
-          </p:cNvPr>
-          <p:cNvSpPr>
-            <a:spLocks noGrp="1"/>
-          </p:cNvSpPr>
-          <p:nvPr>
-            <p:ph idx="1"/>
-          </p:nvPr>
-        </p:nvSpPr>
-        <p:spPr>
-          <a:xfrm>
-            <a:off x="1103312" y="727970"/>
-            <a:ext cx="8946541" cy="5983548"/>
-          </a:xfrm>
-        </p:spPr>
-        <p:txBody>
-          <a:bodyPr>
-            <a:normAutofit fontScale="62500" lnSpcReduction="20000"/>
-          </a:bodyPr>
-          <a:lstStyle/>
-          <a:p>
-            <a:r>
-              <a:rPr lang="en-US" sz="2300" dirty="0">
-                <a:solidFill>
-                  <a:srgbClr val="181717"/>
-                </a:solidFill>
-                <a:latin typeface="Times New Roman" panose="02020603050405020304" pitchFamily="18" charset="0"/>
-                <a:cs typeface="Times New Roman" panose="02020603050405020304" pitchFamily="18" charset="0"/>
-              </a:rPr>
-              <a:t>Multiple Get Method can be present having different number of parameters of different types. It can be handled in following way:</a:t>
-            </a:r>
-            <a:endParaRPr lang="en-IN" sz="2300" dirty="0">
-              <a:solidFill>
-                <a:srgbClr val="000000"/>
-              </a:solidFill>
-              <a:latin typeface="Consolas" panose="020B0609020204030204" pitchFamily="49" charset="0"/>
-            </a:endParaRPr>
-          </a:p>
-          <a:p>
-            <a:pPr marL="0" indent="0">
-              <a:buNone/>
-            </a:pPr>
-            <a:endParaRPr lang="en-IN" sz="1800" dirty="0">
-              <a:solidFill>
-                <a:srgbClr val="000000"/>
-              </a:solidFill>
-              <a:latin typeface="Consolas" panose="020B0609020204030204" pitchFamily="49" charset="0"/>
-            </a:endParaRPr>
-          </a:p>
-          <a:p>
-            <a:pPr marL="0" indent="0">
-              <a:buNone/>
-            </a:pPr>
-            <a:r>
-              <a:rPr lang="en-IN" sz="1800" dirty="0">
-                <a:solidFill>
-                  <a:srgbClr val="000000"/>
-                </a:solidFill>
-                <a:latin typeface="Consolas" panose="020B0609020204030204" pitchFamily="49" charset="0"/>
-              </a:rPr>
-              <a:t>[</a:t>
-            </a:r>
-            <a:r>
-              <a:rPr lang="en-IN" sz="1800" dirty="0" err="1">
-                <a:solidFill>
-                  <a:srgbClr val="000000"/>
-                </a:solidFill>
-                <a:latin typeface="Consolas" panose="020B0609020204030204" pitchFamily="49" charset="0"/>
-              </a:rPr>
-              <a:t>HttpGet</a:t>
-            </a:r>
-            <a:r>
-              <a:rPr lang="en-IN" sz="1800" dirty="0">
-                <a:solidFill>
-                  <a:srgbClr val="000000"/>
-                </a:solidFill>
-                <a:latin typeface="Consolas" panose="020B0609020204030204" pitchFamily="49" charset="0"/>
-              </a:rPr>
-              <a:t>(</a:t>
-            </a:r>
-            <a:r>
-              <a:rPr lang="en-IN" sz="1800" dirty="0">
-                <a:solidFill>
-                  <a:srgbClr val="A31515"/>
-                </a:solidFill>
-                <a:latin typeface="Consolas" panose="020B0609020204030204" pitchFamily="49" charset="0"/>
-              </a:rPr>
-              <a:t>"{</a:t>
-            </a:r>
-            <a:r>
-              <a:rPr lang="en-IN" sz="1800" dirty="0" err="1">
-                <a:solidFill>
-                  <a:srgbClr val="A31515"/>
-                </a:solidFill>
-                <a:latin typeface="Consolas" panose="020B0609020204030204" pitchFamily="49" charset="0"/>
-              </a:rPr>
-              <a:t>includeCustomer</a:t>
-            </a:r>
-            <a:r>
-              <a:rPr lang="en-IN" sz="1800" dirty="0">
-                <a:solidFill>
-                  <a:srgbClr val="A31515"/>
-                </a:solidFill>
-                <a:latin typeface="Consolas" panose="020B0609020204030204" pitchFamily="49" charset="0"/>
-              </a:rPr>
-              <a:t>}"</a:t>
-            </a:r>
-            <a:r>
-              <a:rPr lang="en-IN" sz="1800" dirty="0">
-                <a:solidFill>
-                  <a:srgbClr val="000000"/>
-                </a:solidFill>
-                <a:latin typeface="Consolas" panose="020B0609020204030204" pitchFamily="49" charset="0"/>
-              </a:rPr>
-              <a:t>)]</a:t>
-            </a:r>
-          </a:p>
-          <a:p>
-            <a:pPr marL="0" indent="0">
-              <a:buNone/>
-            </a:pPr>
-            <a:r>
-              <a:rPr lang="en-US" sz="1800" dirty="0">
-                <a:solidFill>
-                  <a:srgbClr val="000000"/>
-                </a:solidFill>
-                <a:latin typeface="Consolas" panose="020B0609020204030204" pitchFamily="49" charset="0"/>
-              </a:rPr>
-              <a:t>        </a:t>
-            </a:r>
-            <a:r>
-              <a:rPr lang="en-US" sz="1800" dirty="0">
-                <a:solidFill>
-                  <a:srgbClr val="0000FF"/>
-                </a:solidFill>
-                <a:latin typeface="Consolas" panose="020B0609020204030204" pitchFamily="49" charset="0"/>
-              </a:rPr>
-              <a:t>public</a:t>
-            </a:r>
-            <a:r>
-              <a:rPr lang="en-US" sz="1800" dirty="0">
-                <a:solidFill>
-                  <a:srgbClr val="000000"/>
-                </a:solidFill>
-                <a:latin typeface="Consolas" panose="020B0609020204030204" pitchFamily="49" charset="0"/>
-              </a:rPr>
-              <a:t> </a:t>
-            </a:r>
-            <a:r>
-              <a:rPr lang="en-US" sz="1800" dirty="0" err="1">
-                <a:solidFill>
-                  <a:srgbClr val="000000"/>
-                </a:solidFill>
-                <a:latin typeface="Consolas" panose="020B0609020204030204" pitchFamily="49" charset="0"/>
-              </a:rPr>
-              <a:t>ActionResult</a:t>
-            </a:r>
-            <a:r>
-              <a:rPr lang="en-US" sz="1800" dirty="0">
-                <a:solidFill>
-                  <a:srgbClr val="000000"/>
-                </a:solidFill>
-                <a:latin typeface="Consolas" panose="020B0609020204030204" pitchFamily="49" charset="0"/>
-              </a:rPr>
-              <a:t> </a:t>
-            </a:r>
-            <a:r>
-              <a:rPr lang="en-US" sz="1800" dirty="0" err="1">
-                <a:solidFill>
-                  <a:srgbClr val="000000"/>
-                </a:solidFill>
-                <a:latin typeface="Consolas" panose="020B0609020204030204" pitchFamily="49" charset="0"/>
-              </a:rPr>
-              <a:t>GetAllDepositors</a:t>
-            </a:r>
-            <a:r>
-              <a:rPr lang="en-US" sz="1800" dirty="0">
-                <a:solidFill>
-                  <a:srgbClr val="000000"/>
-                </a:solidFill>
-                <a:latin typeface="Consolas" panose="020B0609020204030204" pitchFamily="49" charset="0"/>
-              </a:rPr>
-              <a:t>(</a:t>
-            </a:r>
-            <a:r>
-              <a:rPr lang="en-US" sz="1800" dirty="0">
-                <a:solidFill>
-                  <a:srgbClr val="0000FF"/>
-                </a:solidFill>
-                <a:latin typeface="Consolas" panose="020B0609020204030204" pitchFamily="49" charset="0"/>
-              </a:rPr>
-              <a:t>bool</a:t>
-            </a:r>
-            <a:r>
-              <a:rPr lang="en-US" sz="1800" dirty="0">
-                <a:solidFill>
-                  <a:srgbClr val="000000"/>
-                </a:solidFill>
-                <a:latin typeface="Consolas" panose="020B0609020204030204" pitchFamily="49" charset="0"/>
-              </a:rPr>
-              <a:t> </a:t>
-            </a:r>
-            <a:r>
-              <a:rPr lang="en-US" sz="1800" dirty="0" err="1">
-                <a:solidFill>
-                  <a:srgbClr val="000000"/>
-                </a:solidFill>
-                <a:latin typeface="Consolas" panose="020B0609020204030204" pitchFamily="49" charset="0"/>
-              </a:rPr>
-              <a:t>includeCustomer</a:t>
-            </a:r>
-            <a:r>
-              <a:rPr lang="en-US" sz="1800" dirty="0">
-                <a:solidFill>
-                  <a:srgbClr val="000000"/>
-                </a:solidFill>
-                <a:latin typeface="Consolas" panose="020B0609020204030204" pitchFamily="49" charset="0"/>
-              </a:rPr>
-              <a:t> = </a:t>
-            </a:r>
-            <a:r>
-              <a:rPr lang="en-US" sz="1800" dirty="0">
-                <a:solidFill>
-                  <a:srgbClr val="0000FF"/>
-                </a:solidFill>
-                <a:latin typeface="Consolas" panose="020B0609020204030204" pitchFamily="49" charset="0"/>
-              </a:rPr>
-              <a:t>false</a:t>
-            </a:r>
-            <a:r>
-              <a:rPr lang="en-US" sz="1800" dirty="0">
-                <a:solidFill>
-                  <a:srgbClr val="000000"/>
-                </a:solidFill>
-                <a:latin typeface="Consolas" panose="020B0609020204030204" pitchFamily="49" charset="0"/>
-              </a:rPr>
-              <a:t>)</a:t>
-            </a:r>
-          </a:p>
-          <a:p>
-            <a:pPr marL="0" indent="0">
-              <a:buNone/>
-            </a:pPr>
-            <a:r>
-              <a:rPr lang="en-IN" sz="1800" dirty="0">
-                <a:solidFill>
-                  <a:srgbClr val="000000"/>
-                </a:solidFill>
-                <a:latin typeface="Consolas" panose="020B0609020204030204" pitchFamily="49" charset="0"/>
-              </a:rPr>
-              <a:t>        {</a:t>
-            </a:r>
-          </a:p>
-          <a:p>
-            <a:pPr marL="0" indent="0">
-              <a:buNone/>
-            </a:pPr>
-            <a:r>
-              <a:rPr lang="en-IN" sz="1800" dirty="0">
-                <a:solidFill>
-                  <a:srgbClr val="000000"/>
-                </a:solidFill>
-                <a:latin typeface="Consolas" panose="020B0609020204030204" pitchFamily="49" charset="0"/>
-              </a:rPr>
-              <a:t>            </a:t>
-            </a:r>
-            <a:r>
-              <a:rPr lang="en-IN" sz="1800" dirty="0">
-                <a:solidFill>
-                  <a:srgbClr val="0000FF"/>
-                </a:solidFill>
-                <a:latin typeface="Consolas" panose="020B0609020204030204" pitchFamily="49" charset="0"/>
-              </a:rPr>
-              <a:t>var</a:t>
-            </a:r>
-            <a:r>
-              <a:rPr lang="en-IN" sz="1800" dirty="0">
-                <a:solidFill>
-                  <a:srgbClr val="000000"/>
-                </a:solidFill>
-                <a:latin typeface="Consolas" panose="020B0609020204030204" pitchFamily="49" charset="0"/>
-              </a:rPr>
-              <a:t> </a:t>
-            </a:r>
-            <a:r>
-              <a:rPr lang="en-IN" sz="1800" dirty="0" err="1">
-                <a:solidFill>
-                  <a:srgbClr val="000000"/>
-                </a:solidFill>
-                <a:latin typeface="Consolas" panose="020B0609020204030204" pitchFamily="49" charset="0"/>
-              </a:rPr>
-              <a:t>ctx</a:t>
-            </a:r>
-            <a:r>
-              <a:rPr lang="en-IN" sz="1800" dirty="0">
-                <a:solidFill>
-                  <a:srgbClr val="000000"/>
-                </a:solidFill>
-                <a:latin typeface="Consolas" panose="020B0609020204030204" pitchFamily="49" charset="0"/>
-              </a:rPr>
-              <a:t> = </a:t>
-            </a:r>
-            <a:r>
-              <a:rPr lang="en-IN" sz="1800" dirty="0">
-                <a:solidFill>
-                  <a:srgbClr val="0000FF"/>
-                </a:solidFill>
-                <a:latin typeface="Consolas" panose="020B0609020204030204" pitchFamily="49" charset="0"/>
-              </a:rPr>
-              <a:t>new</a:t>
-            </a:r>
-            <a:r>
-              <a:rPr lang="en-IN" sz="1800" dirty="0">
-                <a:solidFill>
-                  <a:srgbClr val="000000"/>
-                </a:solidFill>
-                <a:latin typeface="Consolas" panose="020B0609020204030204" pitchFamily="49" charset="0"/>
-              </a:rPr>
-              <a:t> </a:t>
-            </a:r>
-            <a:r>
-              <a:rPr lang="en-IN" sz="1800" dirty="0" err="1">
-                <a:solidFill>
-                  <a:srgbClr val="000000"/>
-                </a:solidFill>
-                <a:latin typeface="Consolas" panose="020B0609020204030204" pitchFamily="49" charset="0"/>
-              </a:rPr>
-              <a:t>TestDBContext</a:t>
-            </a:r>
-            <a:r>
-              <a:rPr lang="en-IN" sz="1800" dirty="0">
-                <a:solidFill>
-                  <a:srgbClr val="000000"/>
-                </a:solidFill>
-                <a:latin typeface="Consolas" panose="020B0609020204030204" pitchFamily="49" charset="0"/>
-              </a:rPr>
-              <a:t>();</a:t>
-            </a:r>
-          </a:p>
-          <a:p>
-            <a:pPr marL="0" indent="0">
-              <a:buNone/>
-            </a:pPr>
-            <a:endParaRPr lang="en-IN" sz="1800" dirty="0">
-              <a:solidFill>
-                <a:srgbClr val="000000"/>
-              </a:solidFill>
-              <a:latin typeface="Consolas" panose="020B0609020204030204" pitchFamily="49" charset="0"/>
-            </a:endParaRPr>
-          </a:p>
-          <a:p>
-            <a:pPr marL="0" indent="0">
-              <a:buNone/>
-            </a:pPr>
-            <a:r>
-              <a:rPr lang="en-IN" sz="1800" dirty="0">
-                <a:solidFill>
-                  <a:srgbClr val="000000"/>
-                </a:solidFill>
-                <a:latin typeface="Consolas" panose="020B0609020204030204" pitchFamily="49" charset="0"/>
-              </a:rPr>
-              <a:t>            </a:t>
-            </a:r>
-            <a:r>
-              <a:rPr lang="en-IN" sz="1800" dirty="0">
-                <a:solidFill>
-                  <a:srgbClr val="0000FF"/>
-                </a:solidFill>
-                <a:latin typeface="Consolas" panose="020B0609020204030204" pitchFamily="49" charset="0"/>
-              </a:rPr>
-              <a:t>var</a:t>
-            </a:r>
-            <a:r>
-              <a:rPr lang="en-IN" sz="1800" dirty="0">
-                <a:solidFill>
-                  <a:srgbClr val="000000"/>
-                </a:solidFill>
-                <a:latin typeface="Consolas" panose="020B0609020204030204" pitchFamily="49" charset="0"/>
-              </a:rPr>
-              <a:t> </a:t>
-            </a:r>
-            <a:r>
-              <a:rPr lang="en-IN" sz="1800" dirty="0" err="1">
-                <a:solidFill>
-                  <a:srgbClr val="000000"/>
-                </a:solidFill>
-                <a:latin typeface="Consolas" panose="020B0609020204030204" pitchFamily="49" charset="0"/>
-              </a:rPr>
-              <a:t>cust</a:t>
-            </a:r>
-            <a:r>
-              <a:rPr lang="en-IN" sz="1800" dirty="0">
-                <a:solidFill>
-                  <a:srgbClr val="000000"/>
-                </a:solidFill>
-                <a:latin typeface="Consolas" panose="020B0609020204030204" pitchFamily="49" charset="0"/>
-              </a:rPr>
-              <a:t> = </a:t>
-            </a:r>
-            <a:r>
-              <a:rPr lang="en-IN" sz="1800" dirty="0" err="1">
-                <a:solidFill>
-                  <a:srgbClr val="000000"/>
-                </a:solidFill>
-                <a:latin typeface="Consolas" panose="020B0609020204030204" pitchFamily="49" charset="0"/>
-              </a:rPr>
-              <a:t>ctx.Deposits</a:t>
-            </a:r>
-            <a:endParaRPr lang="en-IN" sz="1800" dirty="0">
-              <a:solidFill>
-                <a:srgbClr val="000000"/>
-              </a:solidFill>
-              <a:latin typeface="Consolas" panose="020B0609020204030204" pitchFamily="49" charset="0"/>
-            </a:endParaRPr>
-          </a:p>
-          <a:p>
-            <a:pPr marL="0" indent="0">
-              <a:buNone/>
-            </a:pPr>
-            <a:r>
-              <a:rPr lang="en-IN" sz="1800" dirty="0">
-                <a:solidFill>
-                  <a:srgbClr val="000000"/>
-                </a:solidFill>
-                <a:latin typeface="Consolas" panose="020B0609020204030204" pitchFamily="49" charset="0"/>
-              </a:rPr>
-              <a:t>                            .Include(</a:t>
-            </a:r>
-            <a:r>
-              <a:rPr lang="en-IN" sz="1800" dirty="0">
-                <a:solidFill>
-                  <a:srgbClr val="A31515"/>
-                </a:solidFill>
-                <a:latin typeface="Consolas" panose="020B0609020204030204" pitchFamily="49" charset="0"/>
-              </a:rPr>
-              <a:t>"</a:t>
-            </a:r>
-            <a:r>
-              <a:rPr lang="en-IN" sz="1800" dirty="0" err="1">
-                <a:solidFill>
-                  <a:srgbClr val="A31515"/>
-                </a:solidFill>
-                <a:latin typeface="Consolas" panose="020B0609020204030204" pitchFamily="49" charset="0"/>
-              </a:rPr>
-              <a:t>CnameNavigation</a:t>
-            </a:r>
-            <a:r>
-              <a:rPr lang="en-IN" sz="1800" dirty="0">
-                <a:solidFill>
-                  <a:srgbClr val="A31515"/>
-                </a:solidFill>
-                <a:latin typeface="Consolas" panose="020B0609020204030204" pitchFamily="49" charset="0"/>
-              </a:rPr>
-              <a:t>"</a:t>
-            </a:r>
-            <a:r>
-              <a:rPr lang="en-IN" sz="1800" dirty="0">
-                <a:solidFill>
-                  <a:srgbClr val="000000"/>
-                </a:solidFill>
-                <a:latin typeface="Consolas" panose="020B0609020204030204" pitchFamily="49" charset="0"/>
-              </a:rPr>
-              <a:t>)</a:t>
-            </a:r>
-          </a:p>
-          <a:p>
-            <a:pPr marL="0" indent="0">
-              <a:buNone/>
-            </a:pPr>
-            <a:r>
-              <a:rPr lang="en-IN" sz="1800" dirty="0">
-                <a:solidFill>
-                  <a:srgbClr val="000000"/>
-                </a:solidFill>
-                <a:latin typeface="Consolas" panose="020B0609020204030204" pitchFamily="49" charset="0"/>
-              </a:rPr>
-              <a:t>                            .Select(s =&gt; </a:t>
-            </a:r>
-            <a:r>
-              <a:rPr lang="en-IN" sz="1800" dirty="0">
-                <a:solidFill>
-                  <a:srgbClr val="0000FF"/>
-                </a:solidFill>
-                <a:latin typeface="Consolas" panose="020B0609020204030204" pitchFamily="49" charset="0"/>
-              </a:rPr>
-              <a:t>new</a:t>
-            </a:r>
-            <a:endParaRPr lang="en-IN" sz="1800" dirty="0">
-              <a:solidFill>
-                <a:srgbClr val="000000"/>
-              </a:solidFill>
-              <a:latin typeface="Consolas" panose="020B0609020204030204" pitchFamily="49" charset="0"/>
-            </a:endParaRPr>
-          </a:p>
-          <a:p>
-            <a:pPr marL="0" indent="0">
-              <a:buNone/>
-            </a:pPr>
-            <a:r>
-              <a:rPr lang="en-IN" sz="1800" dirty="0">
-                <a:solidFill>
-                  <a:srgbClr val="000000"/>
-                </a:solidFill>
-                <a:latin typeface="Consolas" panose="020B0609020204030204" pitchFamily="49" charset="0"/>
-              </a:rPr>
-              <a:t>                            {</a:t>
-            </a:r>
-          </a:p>
-          <a:p>
-            <a:pPr marL="0" indent="0">
-              <a:buNone/>
-            </a:pPr>
-            <a:r>
-              <a:rPr lang="en-IN" sz="1800" dirty="0">
-                <a:solidFill>
-                  <a:srgbClr val="000000"/>
-                </a:solidFill>
-                <a:latin typeface="Consolas" panose="020B0609020204030204" pitchFamily="49" charset="0"/>
-              </a:rPr>
-              <a:t>                                </a:t>
-            </a:r>
-            <a:r>
-              <a:rPr lang="en-IN" sz="1800" dirty="0" err="1">
-                <a:solidFill>
-                  <a:srgbClr val="000000"/>
-                </a:solidFill>
-                <a:latin typeface="Consolas" panose="020B0609020204030204" pitchFamily="49" charset="0"/>
-              </a:rPr>
-              <a:t>ActNo</a:t>
-            </a:r>
-            <a:r>
-              <a:rPr lang="en-IN" sz="1800" dirty="0">
-                <a:solidFill>
-                  <a:srgbClr val="000000"/>
-                </a:solidFill>
-                <a:latin typeface="Consolas" panose="020B0609020204030204" pitchFamily="49" charset="0"/>
-              </a:rPr>
-              <a:t> = </a:t>
-            </a:r>
-            <a:r>
-              <a:rPr lang="en-IN" sz="1800" dirty="0" err="1">
-                <a:solidFill>
-                  <a:srgbClr val="000000"/>
-                </a:solidFill>
-                <a:latin typeface="Consolas" panose="020B0609020204030204" pitchFamily="49" charset="0"/>
-              </a:rPr>
-              <a:t>s.ActNo</a:t>
-            </a:r>
-            <a:r>
-              <a:rPr lang="en-IN" sz="1800" dirty="0">
-                <a:solidFill>
-                  <a:srgbClr val="000000"/>
-                </a:solidFill>
-                <a:latin typeface="Consolas" panose="020B0609020204030204" pitchFamily="49" charset="0"/>
-              </a:rPr>
-              <a:t>,</a:t>
-            </a:r>
-          </a:p>
-          <a:p>
-            <a:pPr marL="0" indent="0">
-              <a:buNone/>
-            </a:pPr>
-            <a:r>
-              <a:rPr lang="en-IN" sz="1800" dirty="0">
-                <a:solidFill>
-                  <a:srgbClr val="000000"/>
-                </a:solidFill>
-                <a:latin typeface="Consolas" panose="020B0609020204030204" pitchFamily="49" charset="0"/>
-              </a:rPr>
-              <a:t>                                Date = </a:t>
-            </a:r>
-            <a:r>
-              <a:rPr lang="en-IN" sz="1800" dirty="0" err="1">
-                <a:solidFill>
-                  <a:srgbClr val="000000"/>
-                </a:solidFill>
-                <a:latin typeface="Consolas" panose="020B0609020204030204" pitchFamily="49" charset="0"/>
-              </a:rPr>
-              <a:t>s.Adate</a:t>
-            </a:r>
-            <a:r>
-              <a:rPr lang="en-IN" sz="1800" dirty="0">
-                <a:solidFill>
-                  <a:srgbClr val="000000"/>
-                </a:solidFill>
-                <a:latin typeface="Consolas" panose="020B0609020204030204" pitchFamily="49" charset="0"/>
-              </a:rPr>
-              <a:t>,</a:t>
-            </a:r>
-          </a:p>
-          <a:p>
-            <a:pPr marL="0" indent="0">
-              <a:buNone/>
-            </a:pPr>
-            <a:r>
-              <a:rPr lang="en-IN" sz="1800" dirty="0">
-                <a:solidFill>
-                  <a:srgbClr val="000000"/>
-                </a:solidFill>
-                <a:latin typeface="Consolas" panose="020B0609020204030204" pitchFamily="49" charset="0"/>
-              </a:rPr>
-              <a:t>                                Amount = </a:t>
-            </a:r>
-            <a:r>
-              <a:rPr lang="en-IN" sz="1800" dirty="0" err="1">
-                <a:solidFill>
-                  <a:srgbClr val="000000"/>
-                </a:solidFill>
-                <a:latin typeface="Consolas" panose="020B0609020204030204" pitchFamily="49" charset="0"/>
-              </a:rPr>
-              <a:t>s.Amount</a:t>
-            </a:r>
-            <a:r>
-              <a:rPr lang="en-IN" sz="1800" dirty="0">
-                <a:solidFill>
-                  <a:srgbClr val="000000"/>
-                </a:solidFill>
-                <a:latin typeface="Consolas" panose="020B0609020204030204" pitchFamily="49" charset="0"/>
-              </a:rPr>
-              <a:t>,</a:t>
-            </a:r>
-          </a:p>
-          <a:p>
-            <a:pPr marL="0" indent="0">
-              <a:buNone/>
-            </a:pPr>
-            <a:r>
-              <a:rPr lang="en-US" sz="1800" dirty="0">
-                <a:solidFill>
-                  <a:srgbClr val="000000"/>
-                </a:solidFill>
-                <a:latin typeface="Consolas" panose="020B0609020204030204" pitchFamily="49" charset="0"/>
-              </a:rPr>
-              <a:t>                                Customer = </a:t>
-            </a:r>
-            <a:r>
-              <a:rPr lang="en-US" sz="1800" dirty="0" err="1">
-                <a:solidFill>
-                  <a:srgbClr val="000000"/>
-                </a:solidFill>
-                <a:latin typeface="Consolas" panose="020B0609020204030204" pitchFamily="49" charset="0"/>
-              </a:rPr>
-              <a:t>s.CnameNavigation</a:t>
-            </a:r>
-            <a:r>
-              <a:rPr lang="en-US" sz="1800" dirty="0">
-                <a:solidFill>
-                  <a:srgbClr val="000000"/>
-                </a:solidFill>
-                <a:latin typeface="Consolas" panose="020B0609020204030204" pitchFamily="49" charset="0"/>
-              </a:rPr>
-              <a:t> == </a:t>
-            </a:r>
-            <a:r>
-              <a:rPr lang="en-US" sz="1800" dirty="0">
-                <a:solidFill>
-                  <a:srgbClr val="0000FF"/>
-                </a:solidFill>
-                <a:latin typeface="Consolas" panose="020B0609020204030204" pitchFamily="49" charset="0"/>
-              </a:rPr>
-              <a:t>null</a:t>
-            </a:r>
-            <a:r>
-              <a:rPr lang="en-US" sz="1800" dirty="0">
-                <a:solidFill>
-                  <a:srgbClr val="000000"/>
-                </a:solidFill>
-                <a:latin typeface="Consolas" panose="020B0609020204030204" pitchFamily="49" charset="0"/>
-              </a:rPr>
-              <a:t> || </a:t>
-            </a:r>
-            <a:r>
-              <a:rPr lang="en-US" sz="1800" dirty="0" err="1">
-                <a:solidFill>
-                  <a:srgbClr val="000000"/>
-                </a:solidFill>
-                <a:latin typeface="Consolas" panose="020B0609020204030204" pitchFamily="49" charset="0"/>
-              </a:rPr>
-              <a:t>includeCustomer</a:t>
-            </a:r>
-            <a:r>
-              <a:rPr lang="en-US" sz="1800" dirty="0">
-                <a:solidFill>
-                  <a:srgbClr val="000000"/>
-                </a:solidFill>
-                <a:latin typeface="Consolas" panose="020B0609020204030204" pitchFamily="49" charset="0"/>
-              </a:rPr>
-              <a:t> == </a:t>
-            </a:r>
-            <a:r>
-              <a:rPr lang="en-US" sz="1800" dirty="0">
-                <a:solidFill>
-                  <a:srgbClr val="0000FF"/>
-                </a:solidFill>
-                <a:latin typeface="Consolas" panose="020B0609020204030204" pitchFamily="49" charset="0"/>
-              </a:rPr>
-              <a:t>false</a:t>
-            </a:r>
-            <a:r>
-              <a:rPr lang="en-US" sz="1800" dirty="0">
-                <a:solidFill>
-                  <a:srgbClr val="000000"/>
-                </a:solidFill>
-                <a:latin typeface="Consolas" panose="020B0609020204030204" pitchFamily="49" charset="0"/>
-              </a:rPr>
-              <a:t> ? </a:t>
-            </a:r>
-            <a:r>
-              <a:rPr lang="en-US" sz="1800" dirty="0">
-                <a:solidFill>
-                  <a:srgbClr val="0000FF"/>
-                </a:solidFill>
-                <a:latin typeface="Consolas" panose="020B0609020204030204" pitchFamily="49" charset="0"/>
-              </a:rPr>
-              <a:t>null</a:t>
-            </a:r>
-            <a:r>
-              <a:rPr lang="en-US" sz="1800" dirty="0">
-                <a:solidFill>
-                  <a:srgbClr val="000000"/>
-                </a:solidFill>
-                <a:latin typeface="Consolas" panose="020B0609020204030204" pitchFamily="49" charset="0"/>
-              </a:rPr>
-              <a:t> : </a:t>
-            </a:r>
-            <a:r>
-              <a:rPr lang="en-US" sz="1800" dirty="0">
-                <a:solidFill>
-                  <a:srgbClr val="0000FF"/>
-                </a:solidFill>
-                <a:latin typeface="Consolas" panose="020B0609020204030204" pitchFamily="49" charset="0"/>
-              </a:rPr>
-              <a:t>new</a:t>
-            </a:r>
-            <a:r>
-              <a:rPr lang="en-US" sz="1800" dirty="0">
-                <a:solidFill>
-                  <a:srgbClr val="000000"/>
-                </a:solidFill>
-                <a:latin typeface="Consolas" panose="020B0609020204030204" pitchFamily="49" charset="0"/>
-              </a:rPr>
-              <a:t> Customer()</a:t>
-            </a:r>
-          </a:p>
-          <a:p>
-            <a:pPr marL="0" indent="0">
-              <a:buNone/>
-            </a:pPr>
-            <a:r>
-              <a:rPr lang="en-IN" sz="1800" dirty="0">
-                <a:solidFill>
-                  <a:srgbClr val="000000"/>
-                </a:solidFill>
-                <a:latin typeface="Consolas" panose="020B0609020204030204" pitchFamily="49" charset="0"/>
-              </a:rPr>
-              <a:t>                                {</a:t>
-            </a:r>
-          </a:p>
-          <a:p>
-            <a:pPr marL="0" indent="0">
-              <a:buNone/>
-            </a:pPr>
-            <a:r>
-              <a:rPr lang="en-IN" sz="1800" dirty="0">
-                <a:solidFill>
-                  <a:srgbClr val="000000"/>
-                </a:solidFill>
-                <a:latin typeface="Consolas" panose="020B0609020204030204" pitchFamily="49" charset="0"/>
-              </a:rPr>
-              <a:t>                                    </a:t>
-            </a:r>
-            <a:r>
-              <a:rPr lang="en-IN" sz="1800" dirty="0" err="1">
-                <a:solidFill>
-                  <a:srgbClr val="000000"/>
-                </a:solidFill>
-                <a:latin typeface="Consolas" panose="020B0609020204030204" pitchFamily="49" charset="0"/>
-              </a:rPr>
-              <a:t>Cname</a:t>
-            </a:r>
-            <a:r>
-              <a:rPr lang="en-IN" sz="1800" dirty="0">
-                <a:solidFill>
-                  <a:srgbClr val="000000"/>
-                </a:solidFill>
-                <a:latin typeface="Consolas" panose="020B0609020204030204" pitchFamily="49" charset="0"/>
-              </a:rPr>
-              <a:t> = </a:t>
-            </a:r>
-            <a:r>
-              <a:rPr lang="en-IN" sz="1800" dirty="0" err="1">
-                <a:solidFill>
-                  <a:srgbClr val="000000"/>
-                </a:solidFill>
-                <a:latin typeface="Consolas" panose="020B0609020204030204" pitchFamily="49" charset="0"/>
-              </a:rPr>
-              <a:t>s.CnameNavigation.Cname</a:t>
-            </a:r>
-            <a:r>
-              <a:rPr lang="en-IN" sz="1800" dirty="0">
-                <a:solidFill>
-                  <a:srgbClr val="000000"/>
-                </a:solidFill>
-                <a:latin typeface="Consolas" panose="020B0609020204030204" pitchFamily="49" charset="0"/>
-              </a:rPr>
-              <a:t>,</a:t>
-            </a:r>
-          </a:p>
-          <a:p>
-            <a:pPr marL="0" indent="0">
-              <a:buNone/>
-            </a:pPr>
-            <a:r>
-              <a:rPr lang="en-IN" sz="1800" dirty="0">
-                <a:solidFill>
-                  <a:srgbClr val="000000"/>
-                </a:solidFill>
-                <a:latin typeface="Consolas" panose="020B0609020204030204" pitchFamily="49" charset="0"/>
-              </a:rPr>
-              <a:t>                                    City = </a:t>
-            </a:r>
-            <a:r>
-              <a:rPr lang="en-IN" sz="1800" dirty="0" err="1">
-                <a:solidFill>
-                  <a:srgbClr val="000000"/>
-                </a:solidFill>
-                <a:latin typeface="Consolas" panose="020B0609020204030204" pitchFamily="49" charset="0"/>
-              </a:rPr>
-              <a:t>s.CnameNavigation.City</a:t>
-            </a:r>
-            <a:endParaRPr lang="en-IN" sz="1800" dirty="0">
-              <a:solidFill>
-                <a:srgbClr val="000000"/>
-              </a:solidFill>
-              <a:latin typeface="Consolas" panose="020B0609020204030204" pitchFamily="49" charset="0"/>
-            </a:endParaRPr>
-          </a:p>
-          <a:p>
-            <a:pPr marL="0" indent="0">
-              <a:buNone/>
-            </a:pPr>
-            <a:r>
-              <a:rPr lang="en-IN" sz="1800" dirty="0">
-                <a:solidFill>
-                  <a:srgbClr val="000000"/>
-                </a:solidFill>
-                <a:latin typeface="Consolas" panose="020B0609020204030204" pitchFamily="49" charset="0"/>
-              </a:rPr>
-              <a:t>                                }</a:t>
-            </a:r>
-          </a:p>
-          <a:p>
-            <a:pPr marL="0" indent="0">
-              <a:buNone/>
-            </a:pPr>
-            <a:r>
-              <a:rPr lang="en-IN" sz="1800" dirty="0">
-                <a:solidFill>
-                  <a:srgbClr val="000000"/>
-                </a:solidFill>
-                <a:latin typeface="Consolas" panose="020B0609020204030204" pitchFamily="49" charset="0"/>
-              </a:rPr>
-              <a:t>                            })</a:t>
-            </a:r>
-          </a:p>
-          <a:p>
-            <a:pPr marL="0" indent="0">
-              <a:buNone/>
-            </a:pPr>
-            <a:r>
-              <a:rPr lang="en-IN" sz="1800" dirty="0">
-                <a:solidFill>
-                  <a:srgbClr val="000000"/>
-                </a:solidFill>
-                <a:latin typeface="Consolas" panose="020B0609020204030204" pitchFamily="49" charset="0"/>
-              </a:rPr>
-              <a:t>                            .</a:t>
-            </a:r>
-            <a:r>
-              <a:rPr lang="en-IN" sz="1800" dirty="0" err="1">
-                <a:solidFill>
-                  <a:srgbClr val="000000"/>
-                </a:solidFill>
-                <a:latin typeface="Consolas" panose="020B0609020204030204" pitchFamily="49" charset="0"/>
-              </a:rPr>
-              <a:t>ToList</a:t>
-            </a:r>
-            <a:r>
-              <a:rPr lang="en-IN" sz="1800" dirty="0">
-                <a:solidFill>
-                  <a:srgbClr val="000000"/>
-                </a:solidFill>
-                <a:latin typeface="Consolas" panose="020B0609020204030204" pitchFamily="49" charset="0"/>
-              </a:rPr>
-              <a:t>();</a:t>
-            </a:r>
-            <a:endParaRPr lang="en-IN" dirty="0"/>
-          </a:p>
-        </p:txBody>
-      </p:sp>
-    </p:spTree>
-    <p:extLst>
-      <p:ext uri="{BB962C8B-B14F-4D97-AF65-F5344CB8AC3E}">
-        <p14:creationId xmlns:p14="http://schemas.microsoft.com/office/powerpoint/2010/main" val="2128928399"/>
       </p:ext>
     </p:extLst>
   </p:cSld>
